--- a/resources/docs/webnfc--web2device-bridge.pptx
+++ b/resources/docs/webnfc--web2device-bridge.pptx
@@ -5,12 +5,13 @@
     <p:sldMasterId id="2147483648" r:id="rId1"/>
   </p:sldMasterIdLst>
   <p:handoutMasterIdLst>
-    <p:handoutMasterId r:id="rId5"/>
+    <p:handoutMasterId r:id="rId6"/>
   </p:handoutMasterIdLst>
   <p:sldIdLst>
     <p:sldId id="261" r:id="rId2"/>
     <p:sldId id="262" r:id="rId3"/>
     <p:sldId id="259" r:id="rId4"/>
+    <p:sldId id="263" r:id="rId5"/>
   </p:sldIdLst>
   <p:sldSz cx="9144000" cy="6858000" type="screen4x3"/>
   <p:notesSz cx="6858000" cy="9144000"/>
@@ -194,7 +195,7 @@
           <a:p>
             <a:fld id="{07A00844-99C3-4B4D-8665-83D6466F1606}" type="datetimeFigureOut">
               <a:rPr lang="en-US" smtClean="0"/>
-              <a:t>2015-04-12</a:t>
+              <a:t>2015-04-14</a:t>
             </a:fld>
             <a:endParaRPr lang="en-US"/>
           </a:p>
@@ -472,7 +473,7 @@
           <a:p>
             <a:fld id="{A1FD92F6-7B59-47F7-9C80-4F94E0E83D60}" type="datetimeFigureOut">
               <a:rPr lang="en-US" smtClean="0"/>
-              <a:t>2015-04-12</a:t>
+              <a:t>2015-04-14</a:t>
             </a:fld>
             <a:endParaRPr lang="en-US"/>
           </a:p>
@@ -689,7 +690,7 @@
           <a:p>
             <a:fld id="{A1FD92F6-7B59-47F7-9C80-4F94E0E83D60}" type="datetimeFigureOut">
               <a:rPr lang="en-US" smtClean="0"/>
-              <a:t>2015-04-12</a:t>
+              <a:t>2015-04-14</a:t>
             </a:fld>
             <a:endParaRPr lang="en-US"/>
           </a:p>
@@ -899,7 +900,7 @@
           <a:p>
             <a:fld id="{A1FD92F6-7B59-47F7-9C80-4F94E0E83D60}" type="datetimeFigureOut">
               <a:rPr lang="en-US" smtClean="0"/>
-              <a:t>2015-04-12</a:t>
+              <a:t>2015-04-14</a:t>
             </a:fld>
             <a:endParaRPr lang="en-US"/>
           </a:p>
@@ -1184,7 +1185,7 @@
           <a:p>
             <a:fld id="{A1FD92F6-7B59-47F7-9C80-4F94E0E83D60}" type="datetimeFigureOut">
               <a:rPr lang="en-US" smtClean="0"/>
-              <a:t>2015-04-12</a:t>
+              <a:t>2015-04-14</a:t>
             </a:fld>
             <a:endParaRPr lang="en-US"/>
           </a:p>
@@ -1467,7 +1468,7 @@
           <a:p>
             <a:fld id="{A1FD92F6-7B59-47F7-9C80-4F94E0E83D60}" type="datetimeFigureOut">
               <a:rPr lang="en-US" smtClean="0"/>
-              <a:t>2015-04-12</a:t>
+              <a:t>2015-04-14</a:t>
             </a:fld>
             <a:endParaRPr lang="en-US"/>
           </a:p>
@@ -1800,7 +1801,7 @@
           <a:p>
             <a:fld id="{A1FD92F6-7B59-47F7-9C80-4F94E0E83D60}" type="datetimeFigureOut">
               <a:rPr lang="en-US" smtClean="0"/>
-              <a:t>2015-04-12</a:t>
+              <a:t>2015-04-14</a:t>
             </a:fld>
             <a:endParaRPr lang="en-US"/>
           </a:p>
@@ -2266,7 +2267,7 @@
           <a:p>
             <a:fld id="{A1FD92F6-7B59-47F7-9C80-4F94E0E83D60}" type="datetimeFigureOut">
               <a:rPr lang="en-US" smtClean="0"/>
-              <a:t>2015-04-12</a:t>
+              <a:t>2015-04-14</a:t>
             </a:fld>
             <a:endParaRPr lang="en-US"/>
           </a:p>
@@ -2416,7 +2417,7 @@
           <a:p>
             <a:fld id="{A1FD92F6-7B59-47F7-9C80-4F94E0E83D60}" type="datetimeFigureOut">
               <a:rPr lang="en-US" smtClean="0"/>
-              <a:t>2015-04-12</a:t>
+              <a:t>2015-04-14</a:t>
             </a:fld>
             <a:endParaRPr lang="en-US"/>
           </a:p>
@@ -2535,7 +2536,7 @@
           <a:p>
             <a:fld id="{A1FD92F6-7B59-47F7-9C80-4F94E0E83D60}" type="datetimeFigureOut">
               <a:rPr lang="en-US" smtClean="0"/>
-              <a:t>2015-04-12</a:t>
+              <a:t>2015-04-14</a:t>
             </a:fld>
             <a:endParaRPr lang="en-US"/>
           </a:p>
@@ -2845,7 +2846,7 @@
           <a:p>
             <a:fld id="{A1FD92F6-7B59-47F7-9C80-4F94E0E83D60}" type="datetimeFigureOut">
               <a:rPr lang="en-US" smtClean="0"/>
-              <a:t>2015-04-12</a:t>
+              <a:t>2015-04-14</a:t>
             </a:fld>
             <a:endParaRPr lang="en-US"/>
           </a:p>
@@ -3131,7 +3132,7 @@
           <a:p>
             <a:fld id="{A1FD92F6-7B59-47F7-9C80-4F94E0E83D60}" type="datetimeFigureOut">
               <a:rPr lang="en-US" smtClean="0"/>
-              <a:t>2015-04-12</a:t>
+              <a:t>2015-04-14</a:t>
             </a:fld>
             <a:endParaRPr lang="en-US"/>
           </a:p>
@@ -3239,7 +3240,7 @@
         <p:spPr>
           <a:xfrm>
             <a:off x="-12355" y="6673334"/>
-            <a:ext cx="1888659" cy="184666"/>
+            <a:ext cx="1931939" cy="184666"/>
           </a:xfrm>
           <a:prstGeom prst="rect">
             <a:avLst/>
@@ -3285,7 +3286,7 @@
                 <a:latin typeface="Arial" panose="020B0604020202020204" pitchFamily="34" charset="0"/>
                 <a:cs typeface="Arial" panose="020B0604020202020204" pitchFamily="34" charset="0"/>
               </a:rPr>
-              <a:t>V0.5, 2015-04-12</a:t>
+              <a:t>V0.51, 2015-04-14</a:t>
             </a:r>
             <a:endParaRPr lang="en-US" sz="600" baseline="0" dirty="0" smtClean="0">
               <a:latin typeface="Arial" panose="020B0604020202020204" pitchFamily="34" charset="0"/>
@@ -3302,8 +3303,8 @@
         </p:nvSpPr>
         <p:spPr>
           <a:xfrm>
-            <a:off x="8579614" y="6669360"/>
-            <a:ext cx="545341" cy="184666"/>
+            <a:off x="8579613" y="6669360"/>
+            <a:ext cx="545342" cy="184666"/>
           </a:xfrm>
           <a:prstGeom prst="rect">
             <a:avLst/>
@@ -3336,7 +3337,7 @@
                 <a:latin typeface="Arial" panose="020B0604020202020204" pitchFamily="34" charset="0"/>
                 <a:cs typeface="Arial" panose="020B0604020202020204" pitchFamily="34" charset="0"/>
               </a:rPr>
-              <a:t>/3</a:t>
+              <a:t>/4</a:t>
             </a:r>
             <a:endParaRPr lang="en-US" sz="600" dirty="0">
               <a:latin typeface="Arial" panose="020B0604020202020204" pitchFamily="34" charset="0"/>
@@ -3354,7 +3355,7 @@
         <p:spPr>
           <a:xfrm>
             <a:off x="3635896" y="6669360"/>
-            <a:ext cx="2315057" cy="184666"/>
+            <a:ext cx="2193229" cy="184666"/>
           </a:xfrm>
           <a:prstGeom prst="rect">
             <a:avLst/>
@@ -3368,32 +3369,25 @@
           <a:lstStyle/>
           <a:p>
             <a:r>
+              <a:rPr lang="en-US" sz="600" dirty="0" err="1" smtClean="0">
+                <a:latin typeface="Arial" panose="020B0604020202020204" pitchFamily="34" charset="0"/>
+                <a:cs typeface="Arial" panose="020B0604020202020204" pitchFamily="34" charset="0"/>
+              </a:rPr>
+              <a:t>WebNFC</a:t>
+            </a:r>
+            <a:r>
               <a:rPr lang="en-US" sz="600" dirty="0" smtClean="0">
                 <a:latin typeface="Arial" panose="020B0604020202020204" pitchFamily="34" charset="0"/>
                 <a:cs typeface="Arial" panose="020B0604020202020204" pitchFamily="34" charset="0"/>
               </a:rPr>
-              <a:t>Web2Device </a:t>
+              <a:t> </a:t>
             </a:r>
             <a:r>
               <a:rPr lang="en-US" sz="600" dirty="0" smtClean="0">
                 <a:latin typeface="Arial" panose="020B0604020202020204" pitchFamily="34" charset="0"/>
                 <a:cs typeface="Arial" panose="020B0604020202020204" pitchFamily="34" charset="0"/>
               </a:rPr>
-              <a:t>Bridge (Public Domain </a:t>
-            </a:r>
-            <a:r>
-              <a:rPr lang="en-US" sz="600" dirty="0" smtClean="0">
-                <a:latin typeface="Arial" panose="020B0604020202020204" pitchFamily="34" charset="0"/>
-                <a:cs typeface="Arial" panose="020B0604020202020204" pitchFamily="34" charset="0"/>
-              </a:rPr>
-              <a:t>Conceptual </a:t>
-            </a:r>
-            <a:r>
-              <a:rPr lang="en-US" sz="600" dirty="0" smtClean="0">
-                <a:latin typeface="Arial" panose="020B0604020202020204" pitchFamily="34" charset="0"/>
-                <a:cs typeface="Arial" panose="020B0604020202020204" pitchFamily="34" charset="0"/>
-              </a:rPr>
-              <a:t>Specification)</a:t>
+              <a:t>Bridge (Public Domain Conceptual Specification)</a:t>
             </a:r>
             <a:endParaRPr lang="en-US" sz="600" dirty="0">
               <a:latin typeface="Arial" panose="020B0604020202020204" pitchFamily="34" charset="0"/>
@@ -3739,8 +3733,8 @@
         </p:nvSpPr>
         <p:spPr>
           <a:xfrm>
-            <a:off x="2069178" y="1844824"/>
-            <a:ext cx="5030031" cy="584775"/>
+            <a:off x="1889642" y="1844824"/>
+            <a:ext cx="5389104" cy="584775"/>
           </a:xfrm>
           <a:prstGeom prst="rect">
             <a:avLst/>
@@ -3793,11 +3787,25 @@
           <a:p>
             <a:pPr algn="ctr"/>
             <a:r>
+              <a:rPr lang="en-US" sz="1600" dirty="0">
+                <a:latin typeface="Arial" panose="020B0604020202020204" pitchFamily="34" charset="0"/>
+                <a:cs typeface="Arial" panose="020B0604020202020204" pitchFamily="34" charset="0"/>
+              </a:rPr>
+              <a:t>a</a:t>
+            </a:r>
+            <a:r>
               <a:rPr lang="en-US" sz="1600" dirty="0" smtClean="0">
                 <a:latin typeface="Arial" panose="020B0604020202020204" pitchFamily="34" charset="0"/>
                 <a:cs typeface="Arial" panose="020B0604020202020204" pitchFamily="34" charset="0"/>
               </a:rPr>
-              <a:t>a Web-page and a Connecting Mobile Device</a:t>
+              <a:t>n Untrusted </a:t>
+            </a:r>
+            <a:r>
+              <a:rPr lang="en-US" sz="1600" dirty="0" smtClean="0">
+                <a:latin typeface="Arial" panose="020B0604020202020204" pitchFamily="34" charset="0"/>
+                <a:cs typeface="Arial" panose="020B0604020202020204" pitchFamily="34" charset="0"/>
+              </a:rPr>
+              <a:t>Web-page and a Connecting Mobile Device</a:t>
             </a:r>
             <a:endParaRPr lang="en-US" sz="1600" dirty="0">
               <a:latin typeface="Arial" panose="020B0604020202020204" pitchFamily="34" charset="0"/>
@@ -3964,14 +3972,7 @@
                 <a:latin typeface="Arial" panose="020B0604020202020204" pitchFamily="34" charset="0"/>
                 <a:cs typeface="Arial" panose="020B0604020202020204" pitchFamily="34" charset="0"/>
               </a:rPr>
-              <a:t> should be </a:t>
-            </a:r>
-            <a:r>
-              <a:rPr lang="en-US" sz="1600" dirty="0" smtClean="0">
-                <a:latin typeface="Arial" panose="020B0604020202020204" pitchFamily="34" charset="0"/>
-                <a:cs typeface="Arial" panose="020B0604020202020204" pitchFamily="34" charset="0"/>
-              </a:rPr>
-              <a:t>identical, including error handling.</a:t>
+              <a:t> should be identical, including error handling.</a:t>
             </a:r>
           </a:p>
           <a:p>
@@ -3987,10 +3988,6 @@
               </a:rPr>
               <a:t>Note that this specification does not include a security element since such functionality can be supplied in many different ways when needed. </a:t>
             </a:r>
-            <a:endParaRPr lang="en-US" sz="1600" dirty="0" smtClean="0">
-              <a:latin typeface="Arial" panose="020B0604020202020204" pitchFamily="34" charset="0"/>
-              <a:cs typeface="Arial" panose="020B0604020202020204" pitchFamily="34" charset="0"/>
-            </a:endParaRPr>
           </a:p>
         </p:txBody>
       </p:sp>
@@ -4053,8 +4050,8 @@
         </p:nvSpPr>
         <p:spPr>
           <a:xfrm>
-            <a:off x="2829120" y="1124744"/>
-            <a:ext cx="3516475" cy="584775"/>
+            <a:off x="3114454" y="1124744"/>
+            <a:ext cx="2945806" cy="584775"/>
           </a:xfrm>
           <a:prstGeom prst="rect">
             <a:avLst/>
@@ -4069,11 +4066,25 @@
           <a:p>
             <a:pPr algn="ctr"/>
             <a:r>
+              <a:rPr lang="en-US" sz="3200" dirty="0" err="1" smtClean="0">
+                <a:latin typeface="Times New Roman" panose="02020603050405020304" pitchFamily="18" charset="0"/>
+                <a:cs typeface="Times New Roman" panose="02020603050405020304" pitchFamily="18" charset="0"/>
+              </a:rPr>
+              <a:t>WebNFC</a:t>
+            </a:r>
+            <a:r>
               <a:rPr lang="en-US" sz="3200" dirty="0" smtClean="0">
                 <a:latin typeface="Times New Roman" panose="02020603050405020304" pitchFamily="18" charset="0"/>
                 <a:cs typeface="Times New Roman" panose="02020603050405020304" pitchFamily="18" charset="0"/>
               </a:rPr>
-              <a:t>Web2Device Bridge</a:t>
+              <a:t> </a:t>
+            </a:r>
+            <a:r>
+              <a:rPr lang="en-US" sz="3200" dirty="0" smtClean="0">
+                <a:latin typeface="Times New Roman" panose="02020603050405020304" pitchFamily="18" charset="0"/>
+                <a:cs typeface="Times New Roman" panose="02020603050405020304" pitchFamily="18" charset="0"/>
+              </a:rPr>
+              <a:t>Bridge</a:t>
             </a:r>
             <a:endParaRPr lang="en-US" sz="3200" dirty="0">
               <a:latin typeface="Times New Roman" panose="02020603050405020304" pitchFamily="18" charset="0"/>
@@ -4237,19 +4248,8 @@
                 <a:latin typeface="Arial" panose="020B0604020202020204" pitchFamily="34" charset="0"/>
                 <a:cs typeface="Arial" panose="020B0604020202020204" pitchFamily="34" charset="0"/>
               </a:rPr>
-              <a:t>User interacts with a Web application on </a:t>
-            </a:r>
-            <a:r>
-              <a:rPr lang="en-US" sz="1000" dirty="0" smtClean="0">
-                <a:latin typeface="Arial" panose="020B0604020202020204" pitchFamily="34" charset="0"/>
-                <a:cs typeface="Arial" panose="020B0604020202020204" pitchFamily="34" charset="0"/>
-              </a:rPr>
-              <a:t>a PC, POS terminal, Vending machine, etc.</a:t>
-            </a:r>
-            <a:endParaRPr lang="en-US" sz="1000" dirty="0" smtClean="0">
-              <a:latin typeface="Arial" panose="020B0604020202020204" pitchFamily="34" charset="0"/>
-              <a:cs typeface="Arial" panose="020B0604020202020204" pitchFamily="34" charset="0"/>
-            </a:endParaRPr>
+              <a:t>User interacts with a Web application on a PC, POS terminal, Vending machine, etc.</a:t>
+            </a:r>
           </a:p>
         </p:txBody>
       </p:sp>
@@ -4261,8 +4261,8 @@
         </p:nvSpPr>
         <p:spPr>
           <a:xfrm>
-            <a:off x="1909560" y="292586"/>
-            <a:ext cx="5127942" cy="461665"/>
+            <a:off x="2121957" y="292586"/>
+            <a:ext cx="4703147" cy="461665"/>
           </a:xfrm>
           <a:prstGeom prst="rect">
             <a:avLst/>
@@ -4277,25 +4277,25 @@
           <a:p>
             <a:pPr algn="ctr"/>
             <a:r>
+              <a:rPr lang="en-US" sz="2400" dirty="0" err="1" smtClean="0">
+                <a:latin typeface="Times New Roman" panose="02020603050405020304" pitchFamily="18" charset="0"/>
+                <a:cs typeface="Times New Roman" panose="02020603050405020304" pitchFamily="18" charset="0"/>
+              </a:rPr>
+              <a:t>WebNFC</a:t>
+            </a:r>
+            <a:r>
               <a:rPr lang="en-US" sz="2400" dirty="0" smtClean="0">
                 <a:latin typeface="Times New Roman" panose="02020603050405020304" pitchFamily="18" charset="0"/>
                 <a:cs typeface="Times New Roman" panose="02020603050405020304" pitchFamily="18" charset="0"/>
               </a:rPr>
-              <a:t>Web2Device </a:t>
+              <a:t> </a:t>
             </a:r>
             <a:r>
               <a:rPr lang="en-US" sz="2400" dirty="0" smtClean="0">
                 <a:latin typeface="Times New Roman" panose="02020603050405020304" pitchFamily="18" charset="0"/>
                 <a:cs typeface="Times New Roman" panose="02020603050405020304" pitchFamily="18" charset="0"/>
               </a:rPr>
-              <a:t>Bridge – </a:t>
-            </a:r>
-            <a:r>
-              <a:rPr lang="en-US" sz="2400" dirty="0" smtClean="0">
-                <a:latin typeface="Times New Roman" panose="02020603050405020304" pitchFamily="18" charset="0"/>
-                <a:cs typeface="Times New Roman" panose="02020603050405020304" pitchFamily="18" charset="0"/>
-              </a:rPr>
-              <a:t>Typical Use Case</a:t>
+              <a:t>Bridge – Typical Use Case</a:t>
             </a:r>
             <a:endParaRPr lang="en-US" sz="2400" dirty="0">
               <a:latin typeface="Arial" panose="020B0604020202020204" pitchFamily="34" charset="0"/>
@@ -6898,15 +6898,7 @@
                   <a:ea typeface="Calibri"/>
                   <a:cs typeface="Times New Roman"/>
                 </a:rPr>
-                <a:t>m</a:t>
-              </a:r>
-              <a:r>
-                <a:rPr lang="en-US" sz="1000" dirty="0" smtClean="0">
-                  <a:latin typeface="Arial"/>
-                  <a:ea typeface="Calibri"/>
-                  <a:cs typeface="Times New Roman"/>
-                </a:rPr>
-                <a:t>erchant.com</a:t>
+                <a:t>merchant.com</a:t>
               </a:r>
               <a:endParaRPr lang="en-US" sz="1000" dirty="0">
                 <a:effectLst/>
@@ -7176,10 +7168,6 @@
               </a:rPr>
               <a:t>User performs the NFC connection</a:t>
             </a:r>
-            <a:endParaRPr lang="en-US" sz="1000" dirty="0" smtClean="0">
-              <a:latin typeface="Arial" panose="020B0604020202020204" pitchFamily="34" charset="0"/>
-              <a:cs typeface="Arial" panose="020B0604020202020204" pitchFamily="34" charset="0"/>
-            </a:endParaRPr>
           </a:p>
         </p:txBody>
       </p:sp>
@@ -7220,14 +7208,7 @@
                 <a:latin typeface="Arial" panose="020B0604020202020204" pitchFamily="34" charset="0"/>
                 <a:cs typeface="Arial" panose="020B0604020202020204" pitchFamily="34" charset="0"/>
               </a:rPr>
-              <a:t>User finishes </a:t>
-            </a:r>
-            <a:r>
-              <a:rPr lang="en-US" sz="1000" dirty="0" smtClean="0">
-                <a:latin typeface="Arial" panose="020B0604020202020204" pitchFamily="34" charset="0"/>
-                <a:cs typeface="Arial" panose="020B0604020202020204" pitchFamily="34" charset="0"/>
-              </a:rPr>
-              <a:t>the request in the</a:t>
+              <a:t>User finishes the request in the</a:t>
             </a:r>
             <a:br>
               <a:rPr lang="en-US" sz="1000" dirty="0" smtClean="0">
@@ -7240,12 +7221,15 @@
                 <a:latin typeface="Arial" panose="020B0604020202020204" pitchFamily="34" charset="0"/>
                 <a:cs typeface="Arial" panose="020B0604020202020204" pitchFamily="34" charset="0"/>
               </a:rPr>
-              <a:t>connected mobile device</a:t>
-            </a:r>
-            <a:endParaRPr lang="en-US" sz="1000" dirty="0" smtClean="0">
-              <a:latin typeface="Arial" panose="020B0604020202020204" pitchFamily="34" charset="0"/>
-              <a:cs typeface="Arial" panose="020B0604020202020204" pitchFamily="34" charset="0"/>
-            </a:endParaRPr>
+              <a:t>securely connected </a:t>
+            </a:r>
+            <a:r>
+              <a:rPr lang="en-US" sz="1000" dirty="0" smtClean="0">
+                <a:latin typeface="Arial" panose="020B0604020202020204" pitchFamily="34" charset="0"/>
+                <a:cs typeface="Arial" panose="020B0604020202020204" pitchFamily="34" charset="0"/>
+              </a:rPr>
+              <a:t>mobile device</a:t>
+            </a:r>
           </a:p>
         </p:txBody>
       </p:sp>
@@ -7294,8 +7278,8 @@
         </p:nvSpPr>
         <p:spPr>
           <a:xfrm>
-            <a:off x="1815078" y="292586"/>
-            <a:ext cx="5316905" cy="461665"/>
+            <a:off x="2027476" y="292586"/>
+            <a:ext cx="4892109" cy="461665"/>
           </a:xfrm>
           <a:prstGeom prst="rect">
             <a:avLst/>
@@ -7310,25 +7294,25 @@
           <a:p>
             <a:pPr algn="ctr"/>
             <a:r>
+              <a:rPr lang="en-US" sz="2400" dirty="0" err="1" smtClean="0">
+                <a:latin typeface="Times New Roman" panose="02020603050405020304" pitchFamily="18" charset="0"/>
+                <a:cs typeface="Times New Roman" panose="02020603050405020304" pitchFamily="18" charset="0"/>
+              </a:rPr>
+              <a:t>WebNFC</a:t>
+            </a:r>
+            <a:r>
               <a:rPr lang="en-US" sz="2400" dirty="0" smtClean="0">
                 <a:latin typeface="Times New Roman" panose="02020603050405020304" pitchFamily="18" charset="0"/>
                 <a:cs typeface="Times New Roman" panose="02020603050405020304" pitchFamily="18" charset="0"/>
               </a:rPr>
-              <a:t>Web2Device </a:t>
+              <a:t> </a:t>
             </a:r>
             <a:r>
               <a:rPr lang="en-US" sz="2400" dirty="0" smtClean="0">
                 <a:latin typeface="Times New Roman" panose="02020603050405020304" pitchFamily="18" charset="0"/>
                 <a:cs typeface="Times New Roman" panose="02020603050405020304" pitchFamily="18" charset="0"/>
               </a:rPr>
-              <a:t>Bridge – </a:t>
-            </a:r>
-            <a:r>
-              <a:rPr lang="en-US" sz="2400" dirty="0" smtClean="0">
-                <a:latin typeface="Times New Roman" panose="02020603050405020304" pitchFamily="18" charset="0"/>
-                <a:cs typeface="Times New Roman" panose="02020603050405020304" pitchFamily="18" charset="0"/>
-              </a:rPr>
-              <a:t>Sequence Diagram</a:t>
+              <a:t>Bridge – Sequence Diagram</a:t>
             </a:r>
             <a:endParaRPr lang="en-US" sz="2400" dirty="0">
               <a:latin typeface="Arial" panose="020B0604020202020204" pitchFamily="34" charset="0"/>
@@ -7381,7 +7365,14 @@
                 <a:latin typeface="Arial" panose="020B0604020202020204" pitchFamily="34" charset="0"/>
                 <a:cs typeface="Arial" panose="020B0604020202020204" pitchFamily="34" charset="0"/>
               </a:rPr>
-              <a:t>Requesting Device</a:t>
+              <a:t>Requesting </a:t>
+            </a:r>
+            <a:r>
+              <a:rPr lang="en-US" sz="1400" dirty="0" smtClean="0">
+                <a:latin typeface="Arial" panose="020B0604020202020204" pitchFamily="34" charset="0"/>
+                <a:cs typeface="Arial" panose="020B0604020202020204" pitchFamily="34" charset="0"/>
+              </a:rPr>
+              <a:t>Device</a:t>
             </a:r>
             <a:endParaRPr lang="en-US" sz="1400" dirty="0">
               <a:latin typeface="Arial" panose="020B0604020202020204" pitchFamily="34" charset="0"/>
@@ -8121,14 +8112,7 @@
                 <a:latin typeface="Arial" panose="020B0604020202020204" pitchFamily="34" charset="0"/>
                 <a:cs typeface="Arial" panose="020B0604020202020204" pitchFamily="34" charset="0"/>
               </a:rPr>
-              <a:t>Application-specific s</a:t>
-            </a:r>
-            <a:r>
-              <a:rPr lang="en-US" sz="1200" dirty="0" smtClean="0">
-                <a:latin typeface="Arial" panose="020B0604020202020204" pitchFamily="34" charset="0"/>
-                <a:cs typeface="Arial" panose="020B0604020202020204" pitchFamily="34" charset="0"/>
-              </a:rPr>
-              <a:t>ession</a:t>
+              <a:t>Application-specific session</a:t>
             </a:r>
             <a:endParaRPr lang="en-US" sz="1200" dirty="0">
               <a:latin typeface="Arial" panose="020B0604020202020204" pitchFamily="34" charset="0"/>
@@ -8737,6 +8721,259 @@
     <p:extLst>
       <p:ext uri="{BB962C8B-B14F-4D97-AF65-F5344CB8AC3E}">
         <p14:creationId xmlns:p14="http://schemas.microsoft.com/office/powerpoint/2010/main" val="3515459657"/>
+      </p:ext>
+    </p:extLst>
+  </p:cSld>
+  <p:clrMapOvr>
+    <a:masterClrMapping/>
+  </p:clrMapOvr>
+  <p:timing>
+    <p:tnLst>
+      <p:par>
+        <p:cTn id="1" dur="indefinite" restart="never" nodeType="tmRoot"/>
+      </p:par>
+    </p:tnLst>
+  </p:timing>
+</p:sld>
+</file>
+
+<file path=ppt/slides/slide4.xml><?xml version="1.0" encoding="utf-8"?>
+<p:sld xmlns:a="http://schemas.openxmlformats.org/drawingml/2006/main" xmlns:r="http://schemas.openxmlformats.org/officeDocument/2006/relationships" xmlns:p="http://schemas.openxmlformats.org/presentationml/2006/main">
+  <p:cSld>
+    <p:spTree>
+      <p:nvGrpSpPr>
+        <p:cNvPr id="1" name=""/>
+        <p:cNvGrpSpPr/>
+        <p:nvPr/>
+      </p:nvGrpSpPr>
+      <p:grpSpPr>
+        <a:xfrm>
+          <a:off x="0" y="0"/>
+          <a:ext cx="0" cy="0"/>
+          <a:chOff x="0" y="0"/>
+          <a:chExt cx="0" cy="0"/>
+        </a:xfrm>
+      </p:grpSpPr>
+      <p:sp>
+        <p:nvSpPr>
+          <p:cNvPr id="11" name="TextBox 10"/>
+          <p:cNvSpPr txBox="1"/>
+          <p:nvPr/>
+        </p:nvSpPr>
+        <p:spPr>
+          <a:xfrm>
+            <a:off x="2415884" y="292586"/>
+            <a:ext cx="4115294" cy="461665"/>
+          </a:xfrm>
+          <a:prstGeom prst="rect">
+            <a:avLst/>
+          </a:prstGeom>
+          <a:noFill/>
+        </p:spPr>
+        <p:txBody>
+          <a:bodyPr wrap="none" rtlCol="0">
+            <a:spAutoFit/>
+          </a:bodyPr>
+          <a:lstStyle/>
+          <a:p>
+            <a:pPr algn="ctr"/>
+            <a:r>
+              <a:rPr lang="en-US" sz="2400" dirty="0" err="1" smtClean="0">
+                <a:latin typeface="Times New Roman" panose="02020603050405020304" pitchFamily="18" charset="0"/>
+                <a:cs typeface="Times New Roman" panose="02020603050405020304" pitchFamily="18" charset="0"/>
+              </a:rPr>
+              <a:t>WebNFC</a:t>
+            </a:r>
+            <a:r>
+              <a:rPr lang="en-US" sz="2400" dirty="0" smtClean="0">
+                <a:latin typeface="Times New Roman" panose="02020603050405020304" pitchFamily="18" charset="0"/>
+                <a:cs typeface="Times New Roman" panose="02020603050405020304" pitchFamily="18" charset="0"/>
+              </a:rPr>
+              <a:t> </a:t>
+            </a:r>
+            <a:r>
+              <a:rPr lang="en-US" sz="2400" dirty="0" smtClean="0">
+                <a:latin typeface="Times New Roman" panose="02020603050405020304" pitchFamily="18" charset="0"/>
+                <a:cs typeface="Times New Roman" panose="02020603050405020304" pitchFamily="18" charset="0"/>
+              </a:rPr>
+              <a:t>Bridge – </a:t>
+            </a:r>
+            <a:r>
+              <a:rPr lang="en-US" sz="2400" dirty="0" smtClean="0">
+                <a:latin typeface="Times New Roman" panose="02020603050405020304" pitchFamily="18" charset="0"/>
+                <a:cs typeface="Times New Roman" panose="02020603050405020304" pitchFamily="18" charset="0"/>
+              </a:rPr>
+              <a:t>Applications</a:t>
+            </a:r>
+            <a:endParaRPr lang="en-US" sz="2400" dirty="0">
+              <a:latin typeface="Arial" panose="020B0604020202020204" pitchFamily="34" charset="0"/>
+              <a:cs typeface="Arial" panose="020B0604020202020204" pitchFamily="34" charset="0"/>
+            </a:endParaRPr>
+          </a:p>
+        </p:txBody>
+      </p:sp>
+      <p:sp>
+        <p:nvSpPr>
+          <p:cNvPr id="3" name="TextBox 2"/>
+          <p:cNvSpPr txBox="1"/>
+          <p:nvPr/>
+        </p:nvSpPr>
+        <p:spPr>
+          <a:xfrm>
+            <a:off x="1350159" y="1844824"/>
+            <a:ext cx="5195846" cy="3247043"/>
+          </a:xfrm>
+          <a:prstGeom prst="rect">
+            <a:avLst/>
+          </a:prstGeom>
+          <a:noFill/>
+        </p:spPr>
+        <p:txBody>
+          <a:bodyPr wrap="none" rtlCol="0">
+            <a:spAutoFit/>
+          </a:bodyPr>
+          <a:lstStyle/>
+          <a:p>
+            <a:pPr marL="285750" indent="-285750">
+              <a:spcAft>
+                <a:spcPts val="600"/>
+              </a:spcAft>
+              <a:buFont typeface="Arial" panose="020B0604020202020204" pitchFamily="34" charset="0"/>
+              <a:buChar char="•"/>
+            </a:pPr>
+            <a:r>
+              <a:rPr lang="en-US" sz="2000" dirty="0" smtClean="0">
+                <a:latin typeface="Times New Roman" panose="02020603050405020304" pitchFamily="18" charset="0"/>
+                <a:cs typeface="Times New Roman" panose="02020603050405020304" pitchFamily="18" charset="0"/>
+              </a:rPr>
+              <a:t>Secure Web Payments</a:t>
+            </a:r>
+          </a:p>
+          <a:p>
+            <a:pPr marL="285750" indent="-285750">
+              <a:spcAft>
+                <a:spcPts val="600"/>
+              </a:spcAft>
+              <a:buFont typeface="Arial" panose="020B0604020202020204" pitchFamily="34" charset="0"/>
+              <a:buChar char="•"/>
+            </a:pPr>
+            <a:r>
+              <a:rPr lang="en-US" sz="2000" dirty="0" smtClean="0">
+                <a:latin typeface="Times New Roman" panose="02020603050405020304" pitchFamily="18" charset="0"/>
+                <a:cs typeface="Times New Roman" panose="02020603050405020304" pitchFamily="18" charset="0"/>
+              </a:rPr>
+              <a:t>User Authentication</a:t>
+            </a:r>
+          </a:p>
+          <a:p>
+            <a:pPr marL="285750" indent="-285750">
+              <a:spcAft>
+                <a:spcPts val="600"/>
+              </a:spcAft>
+              <a:buFont typeface="Arial" panose="020B0604020202020204" pitchFamily="34" charset="0"/>
+              <a:buChar char="•"/>
+            </a:pPr>
+            <a:r>
+              <a:rPr lang="en-US" sz="2000" dirty="0" smtClean="0">
+                <a:latin typeface="Times New Roman" panose="02020603050405020304" pitchFamily="18" charset="0"/>
+                <a:cs typeface="Times New Roman" panose="02020603050405020304" pitchFamily="18" charset="0"/>
+              </a:rPr>
+              <a:t>Supplying User-data</a:t>
+            </a:r>
+          </a:p>
+          <a:p>
+            <a:pPr marL="285750" indent="-285750">
+              <a:spcAft>
+                <a:spcPts val="600"/>
+              </a:spcAft>
+              <a:buFont typeface="Arial" panose="020B0604020202020204" pitchFamily="34" charset="0"/>
+              <a:buChar char="•"/>
+            </a:pPr>
+            <a:r>
+              <a:rPr lang="en-US" sz="2000" dirty="0" smtClean="0">
+                <a:latin typeface="Times New Roman" panose="02020603050405020304" pitchFamily="18" charset="0"/>
+                <a:cs typeface="Times New Roman" panose="02020603050405020304" pitchFamily="18" charset="0"/>
+              </a:rPr>
+              <a:t>Games</a:t>
+            </a:r>
+          </a:p>
+          <a:p>
+            <a:pPr marL="285750" indent="-285750">
+              <a:spcAft>
+                <a:spcPts val="600"/>
+              </a:spcAft>
+              <a:buFont typeface="Arial" panose="020B0604020202020204" pitchFamily="34" charset="0"/>
+              <a:buChar char="•"/>
+            </a:pPr>
+            <a:r>
+              <a:rPr lang="en-US" sz="2000" dirty="0" smtClean="0">
+                <a:latin typeface="Times New Roman" panose="02020603050405020304" pitchFamily="18" charset="0"/>
+                <a:cs typeface="Times New Roman" panose="02020603050405020304" pitchFamily="18" charset="0"/>
+              </a:rPr>
+              <a:t>Virtual Passports &amp; Visas</a:t>
+            </a:r>
+          </a:p>
+          <a:p>
+            <a:pPr marL="285750" indent="-285750">
+              <a:spcAft>
+                <a:spcPts val="600"/>
+              </a:spcAft>
+              <a:buFont typeface="Arial" panose="020B0604020202020204" pitchFamily="34" charset="0"/>
+              <a:buChar char="•"/>
+            </a:pPr>
+            <a:r>
+              <a:rPr lang="en-US" sz="2000" dirty="0" smtClean="0">
+                <a:latin typeface="Times New Roman" panose="02020603050405020304" pitchFamily="18" charset="0"/>
+                <a:cs typeface="Times New Roman" panose="02020603050405020304" pitchFamily="18" charset="0"/>
+              </a:rPr>
+              <a:t>Boarding Cards</a:t>
+            </a:r>
+          </a:p>
+          <a:p>
+            <a:pPr marL="285750" indent="-285750">
+              <a:spcAft>
+                <a:spcPts val="600"/>
+              </a:spcAft>
+              <a:buFont typeface="Arial" panose="020B0604020202020204" pitchFamily="34" charset="0"/>
+              <a:buChar char="•"/>
+            </a:pPr>
+            <a:r>
+              <a:rPr lang="en-US" sz="2000" dirty="0" smtClean="0">
+                <a:latin typeface="Times New Roman" panose="02020603050405020304" pitchFamily="18" charset="0"/>
+                <a:cs typeface="Times New Roman" panose="02020603050405020304" pitchFamily="18" charset="0"/>
+              </a:rPr>
+              <a:t>Interaction with TVs including remote control</a:t>
+            </a:r>
+            <a:endParaRPr lang="en-US" sz="2000" dirty="0">
+              <a:latin typeface="Times New Roman" panose="02020603050405020304" pitchFamily="18" charset="0"/>
+              <a:cs typeface="Times New Roman" panose="02020603050405020304" pitchFamily="18" charset="0"/>
+            </a:endParaRPr>
+          </a:p>
+          <a:p>
+            <a:pPr marL="285750" indent="-285750">
+              <a:spcBef>
+                <a:spcPts val="1200"/>
+              </a:spcBef>
+              <a:spcAft>
+                <a:spcPts val="600"/>
+              </a:spcAft>
+              <a:buFont typeface="Arial" panose="020B0604020202020204" pitchFamily="34" charset="0"/>
+              <a:buChar char="•"/>
+            </a:pPr>
+            <a:r>
+              <a:rPr lang="en-US" sz="2000" dirty="0" smtClean="0">
+                <a:latin typeface="Times New Roman" panose="02020603050405020304" pitchFamily="18" charset="0"/>
+                <a:cs typeface="Times New Roman" panose="02020603050405020304" pitchFamily="18" charset="0"/>
+              </a:rPr>
+              <a:t>You name it…</a:t>
+            </a:r>
+          </a:p>
+        </p:txBody>
+      </p:sp>
+    </p:spTree>
+    <p:extLst>
+      <p:ext uri="{BB962C8B-B14F-4D97-AF65-F5344CB8AC3E}">
+        <p14:creationId xmlns:p14="http://schemas.microsoft.com/office/powerpoint/2010/main" val="133680716"/>
       </p:ext>
     </p:extLst>
   </p:cSld>

--- a/resources/docs/webnfc--web2device-bridge.pptx
+++ b/resources/docs/webnfc--web2device-bridge.pptx
@@ -195,7 +195,7 @@
           <a:p>
             <a:fld id="{07A00844-99C3-4B4D-8665-83D6466F1606}" type="datetimeFigureOut">
               <a:rPr lang="en-US" smtClean="0"/>
-              <a:t>2015-04-14</a:t>
+              <a:t>2015-04-18</a:t>
             </a:fld>
             <a:endParaRPr lang="en-US"/>
           </a:p>
@@ -473,7 +473,7 @@
           <a:p>
             <a:fld id="{A1FD92F6-7B59-47F7-9C80-4F94E0E83D60}" type="datetimeFigureOut">
               <a:rPr lang="en-US" smtClean="0"/>
-              <a:t>2015-04-14</a:t>
+              <a:t>2015-04-18</a:t>
             </a:fld>
             <a:endParaRPr lang="en-US"/>
           </a:p>
@@ -690,7 +690,7 @@
           <a:p>
             <a:fld id="{A1FD92F6-7B59-47F7-9C80-4F94E0E83D60}" type="datetimeFigureOut">
               <a:rPr lang="en-US" smtClean="0"/>
-              <a:t>2015-04-14</a:t>
+              <a:t>2015-04-18</a:t>
             </a:fld>
             <a:endParaRPr lang="en-US"/>
           </a:p>
@@ -900,7 +900,7 @@
           <a:p>
             <a:fld id="{A1FD92F6-7B59-47F7-9C80-4F94E0E83D60}" type="datetimeFigureOut">
               <a:rPr lang="en-US" smtClean="0"/>
-              <a:t>2015-04-14</a:t>
+              <a:t>2015-04-18</a:t>
             </a:fld>
             <a:endParaRPr lang="en-US"/>
           </a:p>
@@ -1185,7 +1185,7 @@
           <a:p>
             <a:fld id="{A1FD92F6-7B59-47F7-9C80-4F94E0E83D60}" type="datetimeFigureOut">
               <a:rPr lang="en-US" smtClean="0"/>
-              <a:t>2015-04-14</a:t>
+              <a:t>2015-04-18</a:t>
             </a:fld>
             <a:endParaRPr lang="en-US"/>
           </a:p>
@@ -1468,7 +1468,7 @@
           <a:p>
             <a:fld id="{A1FD92F6-7B59-47F7-9C80-4F94E0E83D60}" type="datetimeFigureOut">
               <a:rPr lang="en-US" smtClean="0"/>
-              <a:t>2015-04-14</a:t>
+              <a:t>2015-04-18</a:t>
             </a:fld>
             <a:endParaRPr lang="en-US"/>
           </a:p>
@@ -1801,7 +1801,7 @@
           <a:p>
             <a:fld id="{A1FD92F6-7B59-47F7-9C80-4F94E0E83D60}" type="datetimeFigureOut">
               <a:rPr lang="en-US" smtClean="0"/>
-              <a:t>2015-04-14</a:t>
+              <a:t>2015-04-18</a:t>
             </a:fld>
             <a:endParaRPr lang="en-US"/>
           </a:p>
@@ -2267,7 +2267,7 @@
           <a:p>
             <a:fld id="{A1FD92F6-7B59-47F7-9C80-4F94E0E83D60}" type="datetimeFigureOut">
               <a:rPr lang="en-US" smtClean="0"/>
-              <a:t>2015-04-14</a:t>
+              <a:t>2015-04-18</a:t>
             </a:fld>
             <a:endParaRPr lang="en-US"/>
           </a:p>
@@ -2417,7 +2417,7 @@
           <a:p>
             <a:fld id="{A1FD92F6-7B59-47F7-9C80-4F94E0E83D60}" type="datetimeFigureOut">
               <a:rPr lang="en-US" smtClean="0"/>
-              <a:t>2015-04-14</a:t>
+              <a:t>2015-04-18</a:t>
             </a:fld>
             <a:endParaRPr lang="en-US"/>
           </a:p>
@@ -2536,7 +2536,7 @@
           <a:p>
             <a:fld id="{A1FD92F6-7B59-47F7-9C80-4F94E0E83D60}" type="datetimeFigureOut">
               <a:rPr lang="en-US" smtClean="0"/>
-              <a:t>2015-04-14</a:t>
+              <a:t>2015-04-18</a:t>
             </a:fld>
             <a:endParaRPr lang="en-US"/>
           </a:p>
@@ -2846,7 +2846,7 @@
           <a:p>
             <a:fld id="{A1FD92F6-7B59-47F7-9C80-4F94E0E83D60}" type="datetimeFigureOut">
               <a:rPr lang="en-US" smtClean="0"/>
-              <a:t>2015-04-14</a:t>
+              <a:t>2015-04-18</a:t>
             </a:fld>
             <a:endParaRPr lang="en-US"/>
           </a:p>
@@ -3132,7 +3132,7 @@
           <a:p>
             <a:fld id="{A1FD92F6-7B59-47F7-9C80-4F94E0E83D60}" type="datetimeFigureOut">
               <a:rPr lang="en-US" smtClean="0"/>
-              <a:t>2015-04-14</a:t>
+              <a:t>2015-04-18</a:t>
             </a:fld>
             <a:endParaRPr lang="en-US"/>
           </a:p>
@@ -3279,19 +3279,8 @@
                 <a:latin typeface="Arial" panose="020B0604020202020204" pitchFamily="34" charset="0"/>
                 <a:cs typeface="Arial" panose="020B0604020202020204" pitchFamily="34" charset="0"/>
               </a:rPr>
-              <a:t>, WebPKI.org, </a:t>
-            </a:r>
-            <a:r>
-              <a:rPr lang="en-US" sz="600" baseline="0" dirty="0" smtClean="0">
-                <a:latin typeface="Arial" panose="020B0604020202020204" pitchFamily="34" charset="0"/>
-                <a:cs typeface="Arial" panose="020B0604020202020204" pitchFamily="34" charset="0"/>
-              </a:rPr>
-              <a:t>V0.51, 2015-04-14</a:t>
-            </a:r>
-            <a:endParaRPr lang="en-US" sz="600" baseline="0" dirty="0" smtClean="0">
-              <a:latin typeface="Arial" panose="020B0604020202020204" pitchFamily="34" charset="0"/>
-              <a:cs typeface="Arial" panose="020B0604020202020204" pitchFamily="34" charset="0"/>
-            </a:endParaRPr>
+              <a:t>, WebPKI.org, V0.52, 2015-04-18</a:t>
+            </a:r>
           </a:p>
         </p:txBody>
       </p:sp>
@@ -3380,14 +3369,7 @@
                 <a:latin typeface="Arial" panose="020B0604020202020204" pitchFamily="34" charset="0"/>
                 <a:cs typeface="Arial" panose="020B0604020202020204" pitchFamily="34" charset="0"/>
               </a:rPr>
-              <a:t> </a:t>
-            </a:r>
-            <a:r>
-              <a:rPr lang="en-US" sz="600" dirty="0" smtClean="0">
-                <a:latin typeface="Arial" panose="020B0604020202020204" pitchFamily="34" charset="0"/>
-                <a:cs typeface="Arial" panose="020B0604020202020204" pitchFamily="34" charset="0"/>
-              </a:rPr>
-              <a:t>Bridge (Public Domain Conceptual Specification)</a:t>
+              <a:t> Bridge (Public Domain Conceptual Specification)</a:t>
             </a:r>
             <a:endParaRPr lang="en-US" sz="600" dirty="0">
               <a:latin typeface="Arial" panose="020B0604020202020204" pitchFamily="34" charset="0"/>
@@ -3733,7 +3715,7 @@
         </p:nvSpPr>
         <p:spPr>
           <a:xfrm>
-            <a:off x="1889642" y="1844824"/>
+            <a:off x="1889642" y="1484784"/>
             <a:ext cx="5389104" cy="584775"/>
           </a:xfrm>
           <a:prstGeom prst="rect">
@@ -3798,14 +3780,7 @@
                 <a:latin typeface="Arial" panose="020B0604020202020204" pitchFamily="34" charset="0"/>
                 <a:cs typeface="Arial" panose="020B0604020202020204" pitchFamily="34" charset="0"/>
               </a:rPr>
-              <a:t>n Untrusted </a:t>
-            </a:r>
-            <a:r>
-              <a:rPr lang="en-US" sz="1600" dirty="0" smtClean="0">
-                <a:latin typeface="Arial" panose="020B0604020202020204" pitchFamily="34" charset="0"/>
-                <a:cs typeface="Arial" panose="020B0604020202020204" pitchFamily="34" charset="0"/>
-              </a:rPr>
-              <a:t>Web-page and a Connecting Mobile Device</a:t>
+              <a:t>n Untrusted Web-page and a Connecting Mobile Device</a:t>
             </a:r>
             <a:endParaRPr lang="en-US" sz="1600" dirty="0">
               <a:latin typeface="Arial" panose="020B0604020202020204" pitchFamily="34" charset="0"/>
@@ -3822,8 +3797,8 @@
         </p:nvSpPr>
         <p:spPr>
           <a:xfrm>
-            <a:off x="971599" y="2852936"/>
-            <a:ext cx="7310419" cy="2356345"/>
+            <a:off x="971599" y="2276872"/>
+            <a:ext cx="7310419" cy="3238281"/>
           </a:xfrm>
           <a:prstGeom prst="roundRect">
             <a:avLst>
@@ -3986,6 +3961,20 @@
                 <a:latin typeface="Arial" panose="020B0604020202020204" pitchFamily="34" charset="0"/>
                 <a:cs typeface="Arial" panose="020B0604020202020204" pitchFamily="34" charset="0"/>
               </a:rPr>
+              <a:t>To create a good user experience, the actual transactions are supposed to be carried out over BLE (Bluetooth Low Energy).  That is, NFC is only used for BLE paring and naming the application to invoke.</a:t>
+            </a:r>
+          </a:p>
+          <a:p>
+            <a:pPr>
+              <a:spcAft>
+                <a:spcPts val="800"/>
+              </a:spcAft>
+            </a:pPr>
+            <a:r>
+              <a:rPr lang="en-US" sz="1600" dirty="0" smtClean="0">
+                <a:latin typeface="Arial" panose="020B0604020202020204" pitchFamily="34" charset="0"/>
+                <a:cs typeface="Arial" panose="020B0604020202020204" pitchFamily="34" charset="0"/>
+              </a:rPr>
               <a:t>Note that this specification does not include a security element since such functionality can be supplied in many different ways when needed. </a:t>
             </a:r>
           </a:p>
@@ -4050,7 +4039,7 @@
         </p:nvSpPr>
         <p:spPr>
           <a:xfrm>
-            <a:off x="3114454" y="1124744"/>
+            <a:off x="3114454" y="836712"/>
             <a:ext cx="2945806" cy="584775"/>
           </a:xfrm>
           <a:prstGeom prst="rect">
@@ -4077,14 +4066,7 @@
                 <a:latin typeface="Times New Roman" panose="02020603050405020304" pitchFamily="18" charset="0"/>
                 <a:cs typeface="Times New Roman" panose="02020603050405020304" pitchFamily="18" charset="0"/>
               </a:rPr>
-              <a:t> </a:t>
-            </a:r>
-            <a:r>
-              <a:rPr lang="en-US" sz="3200" dirty="0" smtClean="0">
-                <a:latin typeface="Times New Roman" panose="02020603050405020304" pitchFamily="18" charset="0"/>
-                <a:cs typeface="Times New Roman" panose="02020603050405020304" pitchFamily="18" charset="0"/>
-              </a:rPr>
-              <a:t>Bridge</a:t>
+              <a:t> Bridge</a:t>
             </a:r>
             <a:endParaRPr lang="en-US" sz="3200" dirty="0">
               <a:latin typeface="Times New Roman" panose="02020603050405020304" pitchFamily="18" charset="0"/>
@@ -4288,14 +4270,7 @@
                 <a:latin typeface="Times New Roman" panose="02020603050405020304" pitchFamily="18" charset="0"/>
                 <a:cs typeface="Times New Roman" panose="02020603050405020304" pitchFamily="18" charset="0"/>
               </a:rPr>
-              <a:t> </a:t>
-            </a:r>
-            <a:r>
-              <a:rPr lang="en-US" sz="2400" dirty="0" smtClean="0">
-                <a:latin typeface="Times New Roman" panose="02020603050405020304" pitchFamily="18" charset="0"/>
-                <a:cs typeface="Times New Roman" panose="02020603050405020304" pitchFamily="18" charset="0"/>
-              </a:rPr>
-              <a:t>Bridge – Typical Use Case</a:t>
+              <a:t> Bridge – Typical Use Case</a:t>
             </a:r>
             <a:endParaRPr lang="en-US" sz="2400" dirty="0">
               <a:latin typeface="Arial" panose="020B0604020202020204" pitchFamily="34" charset="0"/>
@@ -4666,2266 +4641,1716 @@
           </p:spPr>
         </p:pic>
       </p:grpSp>
+      <p:sp>
+        <p:nvSpPr>
+          <p:cNvPr id="8" name="Rounded Rectangle 7"/>
+          <p:cNvSpPr/>
+          <p:nvPr/>
+        </p:nvSpPr>
+        <p:spPr>
+          <a:xfrm>
+            <a:off x="5527695" y="1322233"/>
+            <a:ext cx="2500689" cy="4194999"/>
+          </a:xfrm>
+          <a:prstGeom prst="roundRect">
+            <a:avLst/>
+          </a:prstGeom>
+          <a:solidFill>
+            <a:schemeClr val="bg1"/>
+          </a:solidFill>
+          <a:ln w="6350">
+            <a:solidFill>
+              <a:schemeClr val="bg1">
+                <a:lumMod val="65000"/>
+              </a:schemeClr>
+            </a:solidFill>
+          </a:ln>
+          <a:effectLst>
+            <a:outerShdw blurRad="50800" dist="38100" dir="2700000" algn="tl" rotWithShape="0">
+              <a:prstClr val="black">
+                <a:alpha val="40000"/>
+              </a:prstClr>
+            </a:outerShdw>
+          </a:effectLst>
+          <a:scene3d>
+            <a:camera prst="orthographicFront"/>
+            <a:lightRig rig="threePt" dir="t"/>
+          </a:scene3d>
+          <a:sp3d>
+            <a:bevelT/>
+          </a:sp3d>
+        </p:spPr>
+        <p:style>
+          <a:lnRef idx="2">
+            <a:schemeClr val="accent1">
+              <a:shade val="50000"/>
+            </a:schemeClr>
+          </a:lnRef>
+          <a:fillRef idx="1">
+            <a:schemeClr val="accent1"/>
+          </a:fillRef>
+          <a:effectRef idx="0">
+            <a:schemeClr val="accent1"/>
+          </a:effectRef>
+          <a:fontRef idx="minor">
+            <a:schemeClr val="lt1"/>
+          </a:fontRef>
+        </p:style>
+        <p:txBody>
+          <a:bodyPr rtlCol="0" anchor="ctr"/>
+          <a:lstStyle/>
+          <a:p>
+            <a:pPr algn="ctr"/>
+            <a:endParaRPr lang="en-US" dirty="0" smtClean="0">
+              <a:latin typeface="Arial" panose="020B0604020202020204" pitchFamily="34" charset="0"/>
+              <a:cs typeface="Arial" panose="020B0604020202020204" pitchFamily="34" charset="0"/>
+            </a:endParaRPr>
+          </a:p>
+        </p:txBody>
+      </p:sp>
+      <p:sp>
+        <p:nvSpPr>
+          <p:cNvPr id="6" name="Rectangle 5"/>
+          <p:cNvSpPr>
+            <a:spLocks/>
+          </p:cNvSpPr>
+          <p:nvPr/>
+        </p:nvSpPr>
+        <p:spPr>
+          <a:xfrm>
+            <a:off x="5716753" y="1727622"/>
+            <a:ext cx="2095607" cy="3237899"/>
+          </a:xfrm>
+          <a:prstGeom prst="rect">
+            <a:avLst/>
+          </a:prstGeom>
+          <a:solidFill>
+            <a:sysClr val="window" lastClr="FFFFFF">
+              <a:lumMod val="95000"/>
+            </a:sysClr>
+          </a:solidFill>
+          <a:ln w="15875" cap="flat" cmpd="sng" algn="ctr">
+            <a:solidFill>
+              <a:schemeClr val="bg1">
+                <a:lumMod val="50000"/>
+              </a:schemeClr>
+            </a:solidFill>
+            <a:prstDash val="solid"/>
+          </a:ln>
+          <a:effectLst/>
+        </p:spPr>
+        <p:txBody>
+          <a:bodyPr rot="0" spcFirstLastPara="0" vert="horz" wrap="square" lIns="91440" tIns="45720" rIns="91440" bIns="45720" numCol="1" spcCol="0" rtlCol="0" fromWordArt="0" anchor="ctr" anchorCtr="0" forceAA="0" compatLnSpc="1">
+            <a:prstTxWarp prst="textNoShape">
+              <a:avLst/>
+            </a:prstTxWarp>
+            <a:noAutofit/>
+          </a:bodyPr>
+          <a:lstStyle>
+            <a:defPPr>
+              <a:defRPr lang="en-US"/>
+            </a:defPPr>
+            <a:lvl1pPr marL="0" algn="l" defTabSz="914400" rtl="0" eaLnBrk="1" latinLnBrk="0" hangingPunct="1">
+              <a:defRPr sz="1800" kern="1200">
+                <a:solidFill>
+                  <a:schemeClr val="tx1"/>
+                </a:solidFill>
+                <a:latin typeface="+mn-lt"/>
+                <a:ea typeface="+mn-ea"/>
+                <a:cs typeface="+mn-cs"/>
+              </a:defRPr>
+            </a:lvl1pPr>
+            <a:lvl2pPr marL="457200" algn="l" defTabSz="914400" rtl="0" eaLnBrk="1" latinLnBrk="0" hangingPunct="1">
+              <a:defRPr sz="1800" kern="1200">
+                <a:solidFill>
+                  <a:schemeClr val="tx1"/>
+                </a:solidFill>
+                <a:latin typeface="+mn-lt"/>
+                <a:ea typeface="+mn-ea"/>
+                <a:cs typeface="+mn-cs"/>
+              </a:defRPr>
+            </a:lvl2pPr>
+            <a:lvl3pPr marL="914400" algn="l" defTabSz="914400" rtl="0" eaLnBrk="1" latinLnBrk="0" hangingPunct="1">
+              <a:defRPr sz="1800" kern="1200">
+                <a:solidFill>
+                  <a:schemeClr val="tx1"/>
+                </a:solidFill>
+                <a:latin typeface="+mn-lt"/>
+                <a:ea typeface="+mn-ea"/>
+                <a:cs typeface="+mn-cs"/>
+              </a:defRPr>
+            </a:lvl3pPr>
+            <a:lvl4pPr marL="1371600" algn="l" defTabSz="914400" rtl="0" eaLnBrk="1" latinLnBrk="0" hangingPunct="1">
+              <a:defRPr sz="1800" kern="1200">
+                <a:solidFill>
+                  <a:schemeClr val="tx1"/>
+                </a:solidFill>
+                <a:latin typeface="+mn-lt"/>
+                <a:ea typeface="+mn-ea"/>
+                <a:cs typeface="+mn-cs"/>
+              </a:defRPr>
+            </a:lvl4pPr>
+            <a:lvl5pPr marL="1828800" algn="l" defTabSz="914400" rtl="0" eaLnBrk="1" latinLnBrk="0" hangingPunct="1">
+              <a:defRPr sz="1800" kern="1200">
+                <a:solidFill>
+                  <a:schemeClr val="tx1"/>
+                </a:solidFill>
+                <a:latin typeface="+mn-lt"/>
+                <a:ea typeface="+mn-ea"/>
+                <a:cs typeface="+mn-cs"/>
+              </a:defRPr>
+            </a:lvl5pPr>
+            <a:lvl6pPr marL="2286000" algn="l" defTabSz="914400" rtl="0" eaLnBrk="1" latinLnBrk="0" hangingPunct="1">
+              <a:defRPr sz="1800" kern="1200">
+                <a:solidFill>
+                  <a:schemeClr val="tx1"/>
+                </a:solidFill>
+                <a:latin typeface="+mn-lt"/>
+                <a:ea typeface="+mn-ea"/>
+                <a:cs typeface="+mn-cs"/>
+              </a:defRPr>
+            </a:lvl6pPr>
+            <a:lvl7pPr marL="2743200" algn="l" defTabSz="914400" rtl="0" eaLnBrk="1" latinLnBrk="0" hangingPunct="1">
+              <a:defRPr sz="1800" kern="1200">
+                <a:solidFill>
+                  <a:schemeClr val="tx1"/>
+                </a:solidFill>
+                <a:latin typeface="+mn-lt"/>
+                <a:ea typeface="+mn-ea"/>
+                <a:cs typeface="+mn-cs"/>
+              </a:defRPr>
+            </a:lvl7pPr>
+            <a:lvl8pPr marL="3200400" algn="l" defTabSz="914400" rtl="0" eaLnBrk="1" latinLnBrk="0" hangingPunct="1">
+              <a:defRPr sz="1800" kern="1200">
+                <a:solidFill>
+                  <a:schemeClr val="tx1"/>
+                </a:solidFill>
+                <a:latin typeface="+mn-lt"/>
+                <a:ea typeface="+mn-ea"/>
+                <a:cs typeface="+mn-cs"/>
+              </a:defRPr>
+            </a:lvl8pPr>
+            <a:lvl9pPr marL="3657600" algn="l" defTabSz="914400" rtl="0" eaLnBrk="1" latinLnBrk="0" hangingPunct="1">
+              <a:defRPr sz="1800" kern="1200">
+                <a:solidFill>
+                  <a:schemeClr val="tx1"/>
+                </a:solidFill>
+                <a:latin typeface="+mn-lt"/>
+                <a:ea typeface="+mn-ea"/>
+                <a:cs typeface="+mn-cs"/>
+              </a:defRPr>
+            </a:lvl9pPr>
+          </a:lstStyle>
+          <a:p>
+            <a:endParaRPr lang="en-US"/>
+          </a:p>
+        </p:txBody>
+      </p:sp>
+      <p:sp>
+        <p:nvSpPr>
+          <p:cNvPr id="7" name="Rectangle 6"/>
+          <p:cNvSpPr>
+            <a:spLocks/>
+          </p:cNvSpPr>
+          <p:nvPr/>
+        </p:nvSpPr>
+        <p:spPr>
+          <a:xfrm>
+            <a:off x="5724129" y="1727622"/>
+            <a:ext cx="2088232" cy="244800"/>
+          </a:xfrm>
+          <a:prstGeom prst="rect">
+            <a:avLst/>
+          </a:prstGeom>
+          <a:solidFill>
+            <a:schemeClr val="tx1"/>
+          </a:solidFill>
+          <a:ln w="6350" cap="flat" cmpd="sng" algn="ctr">
+            <a:solidFill>
+              <a:schemeClr val="bg1">
+                <a:lumMod val="50000"/>
+              </a:schemeClr>
+            </a:solidFill>
+            <a:prstDash val="solid"/>
+          </a:ln>
+          <a:effectLst/>
+        </p:spPr>
+        <p:txBody>
+          <a:bodyPr rot="0" spcFirstLastPara="0" vert="horz" wrap="square" lIns="91440" tIns="0" rIns="91440" bIns="0" numCol="1" spcCol="0" rtlCol="0" fromWordArt="0" anchor="ctr" anchorCtr="0" forceAA="0" compatLnSpc="1">
+            <a:prstTxWarp prst="textNoShape">
+              <a:avLst/>
+            </a:prstTxWarp>
+            <a:noAutofit/>
+          </a:bodyPr>
+          <a:lstStyle>
+            <a:defPPr>
+              <a:defRPr lang="en-US"/>
+            </a:defPPr>
+            <a:lvl1pPr marL="0" algn="l" defTabSz="914400" rtl="0" eaLnBrk="1" latinLnBrk="0" hangingPunct="1">
+              <a:defRPr sz="1800" kern="1200">
+                <a:solidFill>
+                  <a:schemeClr val="tx1"/>
+                </a:solidFill>
+                <a:latin typeface="+mn-lt"/>
+                <a:ea typeface="+mn-ea"/>
+                <a:cs typeface="+mn-cs"/>
+              </a:defRPr>
+            </a:lvl1pPr>
+            <a:lvl2pPr marL="457200" algn="l" defTabSz="914400" rtl="0" eaLnBrk="1" latinLnBrk="0" hangingPunct="1">
+              <a:defRPr sz="1800" kern="1200">
+                <a:solidFill>
+                  <a:schemeClr val="tx1"/>
+                </a:solidFill>
+                <a:latin typeface="+mn-lt"/>
+                <a:ea typeface="+mn-ea"/>
+                <a:cs typeface="+mn-cs"/>
+              </a:defRPr>
+            </a:lvl2pPr>
+            <a:lvl3pPr marL="914400" algn="l" defTabSz="914400" rtl="0" eaLnBrk="1" latinLnBrk="0" hangingPunct="1">
+              <a:defRPr sz="1800" kern="1200">
+                <a:solidFill>
+                  <a:schemeClr val="tx1"/>
+                </a:solidFill>
+                <a:latin typeface="+mn-lt"/>
+                <a:ea typeface="+mn-ea"/>
+                <a:cs typeface="+mn-cs"/>
+              </a:defRPr>
+            </a:lvl3pPr>
+            <a:lvl4pPr marL="1371600" algn="l" defTabSz="914400" rtl="0" eaLnBrk="1" latinLnBrk="0" hangingPunct="1">
+              <a:defRPr sz="1800" kern="1200">
+                <a:solidFill>
+                  <a:schemeClr val="tx1"/>
+                </a:solidFill>
+                <a:latin typeface="+mn-lt"/>
+                <a:ea typeface="+mn-ea"/>
+                <a:cs typeface="+mn-cs"/>
+              </a:defRPr>
+            </a:lvl4pPr>
+            <a:lvl5pPr marL="1828800" algn="l" defTabSz="914400" rtl="0" eaLnBrk="1" latinLnBrk="0" hangingPunct="1">
+              <a:defRPr sz="1800" kern="1200">
+                <a:solidFill>
+                  <a:schemeClr val="tx1"/>
+                </a:solidFill>
+                <a:latin typeface="+mn-lt"/>
+                <a:ea typeface="+mn-ea"/>
+                <a:cs typeface="+mn-cs"/>
+              </a:defRPr>
+            </a:lvl5pPr>
+            <a:lvl6pPr marL="2286000" algn="l" defTabSz="914400" rtl="0" eaLnBrk="1" latinLnBrk="0" hangingPunct="1">
+              <a:defRPr sz="1800" kern="1200">
+                <a:solidFill>
+                  <a:schemeClr val="tx1"/>
+                </a:solidFill>
+                <a:latin typeface="+mn-lt"/>
+                <a:ea typeface="+mn-ea"/>
+                <a:cs typeface="+mn-cs"/>
+              </a:defRPr>
+            </a:lvl6pPr>
+            <a:lvl7pPr marL="2743200" algn="l" defTabSz="914400" rtl="0" eaLnBrk="1" latinLnBrk="0" hangingPunct="1">
+              <a:defRPr sz="1800" kern="1200">
+                <a:solidFill>
+                  <a:schemeClr val="tx1"/>
+                </a:solidFill>
+                <a:latin typeface="+mn-lt"/>
+                <a:ea typeface="+mn-ea"/>
+                <a:cs typeface="+mn-cs"/>
+              </a:defRPr>
+            </a:lvl7pPr>
+            <a:lvl8pPr marL="3200400" algn="l" defTabSz="914400" rtl="0" eaLnBrk="1" latinLnBrk="0" hangingPunct="1">
+              <a:defRPr sz="1800" kern="1200">
+                <a:solidFill>
+                  <a:schemeClr val="tx1"/>
+                </a:solidFill>
+                <a:latin typeface="+mn-lt"/>
+                <a:ea typeface="+mn-ea"/>
+                <a:cs typeface="+mn-cs"/>
+              </a:defRPr>
+            </a:lvl8pPr>
+            <a:lvl9pPr marL="3657600" algn="l" defTabSz="914400" rtl="0" eaLnBrk="1" latinLnBrk="0" hangingPunct="1">
+              <a:defRPr sz="1800" kern="1200">
+                <a:solidFill>
+                  <a:schemeClr val="tx1"/>
+                </a:solidFill>
+                <a:latin typeface="+mn-lt"/>
+                <a:ea typeface="+mn-ea"/>
+                <a:cs typeface="+mn-cs"/>
+              </a:defRPr>
+            </a:lvl9pPr>
+          </a:lstStyle>
+          <a:p>
+            <a:pPr algn="ctr">
+              <a:lnSpc>
+                <a:spcPct val="115000"/>
+              </a:lnSpc>
+              <a:spcAft>
+                <a:spcPts val="1000"/>
+              </a:spcAft>
+            </a:pPr>
+            <a:r>
+              <a:rPr lang="en-US" sz="1200" dirty="0">
+                <a:solidFill>
+                  <a:schemeClr val="bg1"/>
+                </a:solidFill>
+                <a:effectLst/>
+                <a:latin typeface="Verdana" pitchFamily="34" charset="0"/>
+                <a:ea typeface="Verdana" pitchFamily="34" charset="0"/>
+                <a:cs typeface="Verdana" pitchFamily="34" charset="0"/>
+              </a:rPr>
+              <a:t>Payment </a:t>
+            </a:r>
+            <a:r>
+              <a:rPr lang="en-US" sz="1200" dirty="0" smtClean="0">
+                <a:solidFill>
+                  <a:schemeClr val="bg1"/>
+                </a:solidFill>
+                <a:effectLst/>
+                <a:latin typeface="Verdana" pitchFamily="34" charset="0"/>
+                <a:ea typeface="Verdana" pitchFamily="34" charset="0"/>
+                <a:cs typeface="Verdana" pitchFamily="34" charset="0"/>
+              </a:rPr>
+              <a:t>Request</a:t>
+            </a:r>
+            <a:endParaRPr lang="en-US" sz="1200" dirty="0">
+              <a:solidFill>
+                <a:schemeClr val="bg1"/>
+              </a:solidFill>
+              <a:effectLst/>
+              <a:latin typeface="Verdana" pitchFamily="34" charset="0"/>
+              <a:ea typeface="Verdana" pitchFamily="34" charset="0"/>
+              <a:cs typeface="Verdana" pitchFamily="34" charset="0"/>
+            </a:endParaRPr>
+          </a:p>
+        </p:txBody>
+      </p:sp>
+      <p:sp>
+        <p:nvSpPr>
+          <p:cNvPr id="10" name="Rounded Rectangle 9"/>
+          <p:cNvSpPr>
+            <a:spLocks/>
+          </p:cNvSpPr>
+          <p:nvPr/>
+        </p:nvSpPr>
+        <p:spPr>
+          <a:xfrm>
+            <a:off x="7020272" y="4553966"/>
+            <a:ext cx="637200" cy="236299"/>
+          </a:xfrm>
+          <a:prstGeom prst="roundRect">
+            <a:avLst/>
+          </a:prstGeom>
+          <a:solidFill>
+            <a:sysClr val="window" lastClr="FFFFFF">
+              <a:lumMod val="95000"/>
+            </a:sysClr>
+          </a:solidFill>
+          <a:ln w="6350" cap="flat" cmpd="sng" algn="ctr">
+            <a:solidFill>
+              <a:sysClr val="windowText" lastClr="000000">
+                <a:lumMod val="50000"/>
+                <a:lumOff val="50000"/>
+              </a:sysClr>
+            </a:solidFill>
+            <a:prstDash val="solid"/>
+          </a:ln>
+          <a:effectLst/>
+          <a:scene3d>
+            <a:camera prst="orthographicFront"/>
+            <a:lightRig rig="threePt" dir="t"/>
+          </a:scene3d>
+          <a:sp3d>
+            <a:bevelT w="57150" h="57150"/>
+          </a:sp3d>
+        </p:spPr>
+        <p:txBody>
+          <a:bodyPr rot="0" spcFirstLastPara="0" vert="horz" wrap="square" lIns="0" tIns="0" rIns="0" bIns="0" numCol="1" spcCol="0" rtlCol="0" fromWordArt="0" anchor="ctr" anchorCtr="0" forceAA="0" compatLnSpc="1">
+            <a:prstTxWarp prst="textNoShape">
+              <a:avLst/>
+            </a:prstTxWarp>
+            <a:noAutofit/>
+          </a:bodyPr>
+          <a:lstStyle>
+            <a:defPPr>
+              <a:defRPr lang="en-US"/>
+            </a:defPPr>
+            <a:lvl1pPr marL="0" algn="l" defTabSz="914400" rtl="0" eaLnBrk="1" latinLnBrk="0" hangingPunct="1">
+              <a:defRPr sz="1800" kern="1200">
+                <a:solidFill>
+                  <a:schemeClr val="tx1"/>
+                </a:solidFill>
+                <a:latin typeface="+mn-lt"/>
+                <a:ea typeface="+mn-ea"/>
+                <a:cs typeface="+mn-cs"/>
+              </a:defRPr>
+            </a:lvl1pPr>
+            <a:lvl2pPr marL="457200" algn="l" defTabSz="914400" rtl="0" eaLnBrk="1" latinLnBrk="0" hangingPunct="1">
+              <a:defRPr sz="1800" kern="1200">
+                <a:solidFill>
+                  <a:schemeClr val="tx1"/>
+                </a:solidFill>
+                <a:latin typeface="+mn-lt"/>
+                <a:ea typeface="+mn-ea"/>
+                <a:cs typeface="+mn-cs"/>
+              </a:defRPr>
+            </a:lvl2pPr>
+            <a:lvl3pPr marL="914400" algn="l" defTabSz="914400" rtl="0" eaLnBrk="1" latinLnBrk="0" hangingPunct="1">
+              <a:defRPr sz="1800" kern="1200">
+                <a:solidFill>
+                  <a:schemeClr val="tx1"/>
+                </a:solidFill>
+                <a:latin typeface="+mn-lt"/>
+                <a:ea typeface="+mn-ea"/>
+                <a:cs typeface="+mn-cs"/>
+              </a:defRPr>
+            </a:lvl3pPr>
+            <a:lvl4pPr marL="1371600" algn="l" defTabSz="914400" rtl="0" eaLnBrk="1" latinLnBrk="0" hangingPunct="1">
+              <a:defRPr sz="1800" kern="1200">
+                <a:solidFill>
+                  <a:schemeClr val="tx1"/>
+                </a:solidFill>
+                <a:latin typeface="+mn-lt"/>
+                <a:ea typeface="+mn-ea"/>
+                <a:cs typeface="+mn-cs"/>
+              </a:defRPr>
+            </a:lvl4pPr>
+            <a:lvl5pPr marL="1828800" algn="l" defTabSz="914400" rtl="0" eaLnBrk="1" latinLnBrk="0" hangingPunct="1">
+              <a:defRPr sz="1800" kern="1200">
+                <a:solidFill>
+                  <a:schemeClr val="tx1"/>
+                </a:solidFill>
+                <a:latin typeface="+mn-lt"/>
+                <a:ea typeface="+mn-ea"/>
+                <a:cs typeface="+mn-cs"/>
+              </a:defRPr>
+            </a:lvl5pPr>
+            <a:lvl6pPr marL="2286000" algn="l" defTabSz="914400" rtl="0" eaLnBrk="1" latinLnBrk="0" hangingPunct="1">
+              <a:defRPr sz="1800" kern="1200">
+                <a:solidFill>
+                  <a:schemeClr val="tx1"/>
+                </a:solidFill>
+                <a:latin typeface="+mn-lt"/>
+                <a:ea typeface="+mn-ea"/>
+                <a:cs typeface="+mn-cs"/>
+              </a:defRPr>
+            </a:lvl6pPr>
+            <a:lvl7pPr marL="2743200" algn="l" defTabSz="914400" rtl="0" eaLnBrk="1" latinLnBrk="0" hangingPunct="1">
+              <a:defRPr sz="1800" kern="1200">
+                <a:solidFill>
+                  <a:schemeClr val="tx1"/>
+                </a:solidFill>
+                <a:latin typeface="+mn-lt"/>
+                <a:ea typeface="+mn-ea"/>
+                <a:cs typeface="+mn-cs"/>
+              </a:defRPr>
+            </a:lvl7pPr>
+            <a:lvl8pPr marL="3200400" algn="l" defTabSz="914400" rtl="0" eaLnBrk="1" latinLnBrk="0" hangingPunct="1">
+              <a:defRPr sz="1800" kern="1200">
+                <a:solidFill>
+                  <a:schemeClr val="tx1"/>
+                </a:solidFill>
+                <a:latin typeface="+mn-lt"/>
+                <a:ea typeface="+mn-ea"/>
+                <a:cs typeface="+mn-cs"/>
+              </a:defRPr>
+            </a:lvl8pPr>
+            <a:lvl9pPr marL="3657600" algn="l" defTabSz="914400" rtl="0" eaLnBrk="1" latinLnBrk="0" hangingPunct="1">
+              <a:defRPr sz="1800" kern="1200">
+                <a:solidFill>
+                  <a:schemeClr val="tx1"/>
+                </a:solidFill>
+                <a:latin typeface="+mn-lt"/>
+                <a:ea typeface="+mn-ea"/>
+                <a:cs typeface="+mn-cs"/>
+              </a:defRPr>
+            </a:lvl9pPr>
+          </a:lstStyle>
+          <a:p>
+            <a:pPr algn="ctr">
+              <a:lnSpc>
+                <a:spcPct val="115000"/>
+              </a:lnSpc>
+              <a:spcAft>
+                <a:spcPts val="1000"/>
+              </a:spcAft>
+            </a:pPr>
+            <a:r>
+              <a:rPr lang="en-US" sz="1000" dirty="0">
+                <a:solidFill>
+                  <a:srgbClr val="000000"/>
+                </a:solidFill>
+                <a:effectLst/>
+                <a:latin typeface="Arial"/>
+                <a:ea typeface="Calibri"/>
+                <a:cs typeface="Times New Roman"/>
+              </a:rPr>
+              <a:t>OK</a:t>
+            </a:r>
+            <a:endParaRPr lang="en-US" sz="1000" dirty="0">
+              <a:effectLst/>
+              <a:latin typeface="Calibri"/>
+              <a:ea typeface="Calibri"/>
+              <a:cs typeface="Times New Roman"/>
+            </a:endParaRPr>
+          </a:p>
+        </p:txBody>
+      </p:sp>
+      <p:sp>
+        <p:nvSpPr>
+          <p:cNvPr id="12" name="Rounded Rectangle 11"/>
+          <p:cNvSpPr>
+            <a:spLocks/>
+          </p:cNvSpPr>
+          <p:nvPr/>
+        </p:nvSpPr>
+        <p:spPr>
+          <a:xfrm>
+            <a:off x="5868144" y="4557620"/>
+            <a:ext cx="637287" cy="232645"/>
+          </a:xfrm>
+          <a:prstGeom prst="roundRect">
+            <a:avLst/>
+          </a:prstGeom>
+          <a:solidFill>
+            <a:sysClr val="window" lastClr="FFFFFF">
+              <a:lumMod val="95000"/>
+            </a:sysClr>
+          </a:solidFill>
+          <a:ln w="6350" cap="flat" cmpd="sng" algn="ctr">
+            <a:solidFill>
+              <a:sysClr val="windowText" lastClr="000000">
+                <a:lumMod val="50000"/>
+                <a:lumOff val="50000"/>
+              </a:sysClr>
+            </a:solidFill>
+            <a:prstDash val="solid"/>
+          </a:ln>
+          <a:effectLst/>
+          <a:scene3d>
+            <a:camera prst="orthographicFront"/>
+            <a:lightRig rig="threePt" dir="t"/>
+          </a:scene3d>
+          <a:sp3d>
+            <a:bevelT w="57150" h="57150"/>
+          </a:sp3d>
+        </p:spPr>
+        <p:txBody>
+          <a:bodyPr rot="0" spcFirstLastPara="0" vert="horz" wrap="square" lIns="0" tIns="0" rIns="0" bIns="0" numCol="1" spcCol="0" rtlCol="0" fromWordArt="0" anchor="ctr" anchorCtr="0" forceAA="0" compatLnSpc="1">
+            <a:prstTxWarp prst="textNoShape">
+              <a:avLst/>
+            </a:prstTxWarp>
+            <a:noAutofit/>
+          </a:bodyPr>
+          <a:lstStyle>
+            <a:defPPr>
+              <a:defRPr lang="en-US"/>
+            </a:defPPr>
+            <a:lvl1pPr marL="0" algn="l" defTabSz="914400" rtl="0" eaLnBrk="1" latinLnBrk="0" hangingPunct="1">
+              <a:defRPr sz="1800" kern="1200">
+                <a:solidFill>
+                  <a:schemeClr val="tx1"/>
+                </a:solidFill>
+                <a:latin typeface="+mn-lt"/>
+                <a:ea typeface="+mn-ea"/>
+                <a:cs typeface="+mn-cs"/>
+              </a:defRPr>
+            </a:lvl1pPr>
+            <a:lvl2pPr marL="457200" algn="l" defTabSz="914400" rtl="0" eaLnBrk="1" latinLnBrk="0" hangingPunct="1">
+              <a:defRPr sz="1800" kern="1200">
+                <a:solidFill>
+                  <a:schemeClr val="tx1"/>
+                </a:solidFill>
+                <a:latin typeface="+mn-lt"/>
+                <a:ea typeface="+mn-ea"/>
+                <a:cs typeface="+mn-cs"/>
+              </a:defRPr>
+            </a:lvl2pPr>
+            <a:lvl3pPr marL="914400" algn="l" defTabSz="914400" rtl="0" eaLnBrk="1" latinLnBrk="0" hangingPunct="1">
+              <a:defRPr sz="1800" kern="1200">
+                <a:solidFill>
+                  <a:schemeClr val="tx1"/>
+                </a:solidFill>
+                <a:latin typeface="+mn-lt"/>
+                <a:ea typeface="+mn-ea"/>
+                <a:cs typeface="+mn-cs"/>
+              </a:defRPr>
+            </a:lvl3pPr>
+            <a:lvl4pPr marL="1371600" algn="l" defTabSz="914400" rtl="0" eaLnBrk="1" latinLnBrk="0" hangingPunct="1">
+              <a:defRPr sz="1800" kern="1200">
+                <a:solidFill>
+                  <a:schemeClr val="tx1"/>
+                </a:solidFill>
+                <a:latin typeface="+mn-lt"/>
+                <a:ea typeface="+mn-ea"/>
+                <a:cs typeface="+mn-cs"/>
+              </a:defRPr>
+            </a:lvl4pPr>
+            <a:lvl5pPr marL="1828800" algn="l" defTabSz="914400" rtl="0" eaLnBrk="1" latinLnBrk="0" hangingPunct="1">
+              <a:defRPr sz="1800" kern="1200">
+                <a:solidFill>
+                  <a:schemeClr val="tx1"/>
+                </a:solidFill>
+                <a:latin typeface="+mn-lt"/>
+                <a:ea typeface="+mn-ea"/>
+                <a:cs typeface="+mn-cs"/>
+              </a:defRPr>
+            </a:lvl5pPr>
+            <a:lvl6pPr marL="2286000" algn="l" defTabSz="914400" rtl="0" eaLnBrk="1" latinLnBrk="0" hangingPunct="1">
+              <a:defRPr sz="1800" kern="1200">
+                <a:solidFill>
+                  <a:schemeClr val="tx1"/>
+                </a:solidFill>
+                <a:latin typeface="+mn-lt"/>
+                <a:ea typeface="+mn-ea"/>
+                <a:cs typeface="+mn-cs"/>
+              </a:defRPr>
+            </a:lvl6pPr>
+            <a:lvl7pPr marL="2743200" algn="l" defTabSz="914400" rtl="0" eaLnBrk="1" latinLnBrk="0" hangingPunct="1">
+              <a:defRPr sz="1800" kern="1200">
+                <a:solidFill>
+                  <a:schemeClr val="tx1"/>
+                </a:solidFill>
+                <a:latin typeface="+mn-lt"/>
+                <a:ea typeface="+mn-ea"/>
+                <a:cs typeface="+mn-cs"/>
+              </a:defRPr>
+            </a:lvl7pPr>
+            <a:lvl8pPr marL="3200400" algn="l" defTabSz="914400" rtl="0" eaLnBrk="1" latinLnBrk="0" hangingPunct="1">
+              <a:defRPr sz="1800" kern="1200">
+                <a:solidFill>
+                  <a:schemeClr val="tx1"/>
+                </a:solidFill>
+                <a:latin typeface="+mn-lt"/>
+                <a:ea typeface="+mn-ea"/>
+                <a:cs typeface="+mn-cs"/>
+              </a:defRPr>
+            </a:lvl8pPr>
+            <a:lvl9pPr marL="3657600" algn="l" defTabSz="914400" rtl="0" eaLnBrk="1" latinLnBrk="0" hangingPunct="1">
+              <a:defRPr sz="1800" kern="1200">
+                <a:solidFill>
+                  <a:schemeClr val="tx1"/>
+                </a:solidFill>
+                <a:latin typeface="+mn-lt"/>
+                <a:ea typeface="+mn-ea"/>
+                <a:cs typeface="+mn-cs"/>
+              </a:defRPr>
+            </a:lvl9pPr>
+          </a:lstStyle>
+          <a:p>
+            <a:pPr algn="ctr">
+              <a:lnSpc>
+                <a:spcPct val="115000"/>
+              </a:lnSpc>
+              <a:spcAft>
+                <a:spcPts val="1000"/>
+              </a:spcAft>
+            </a:pPr>
+            <a:r>
+              <a:rPr lang="en-US" sz="1000" dirty="0">
+                <a:solidFill>
+                  <a:srgbClr val="000000"/>
+                </a:solidFill>
+                <a:effectLst/>
+                <a:latin typeface="Arial"/>
+                <a:ea typeface="Calibri"/>
+                <a:cs typeface="Times New Roman"/>
+              </a:rPr>
+              <a:t>Cancel</a:t>
+            </a:r>
+            <a:endParaRPr lang="en-US" sz="1000" dirty="0">
+              <a:effectLst/>
+              <a:latin typeface="Times New Roman"/>
+              <a:ea typeface="Times New Roman"/>
+            </a:endParaRPr>
+          </a:p>
+        </p:txBody>
+      </p:sp>
+      <p:sp>
+        <p:nvSpPr>
+          <p:cNvPr id="13" name="Text Box 2"/>
+          <p:cNvSpPr txBox="1">
+            <a:spLocks noChangeArrowheads="1"/>
+          </p:cNvSpPr>
+          <p:nvPr/>
+        </p:nvSpPr>
+        <p:spPr bwMode="auto">
+          <a:xfrm>
+            <a:off x="5584743" y="2451506"/>
+            <a:ext cx="791155" cy="262486"/>
+          </a:xfrm>
+          <a:prstGeom prst="rect">
+            <a:avLst/>
+          </a:prstGeom>
+          <a:noFill/>
+          <a:ln w="9525">
+            <a:noFill/>
+            <a:miter lim="800000"/>
+            <a:headEnd/>
+            <a:tailEnd/>
+          </a:ln>
+        </p:spPr>
+        <p:txBody>
+          <a:bodyPr rot="0" vert="horz" wrap="square" lIns="91440" tIns="45720" rIns="91440" bIns="45720" anchor="t" anchorCtr="0">
+            <a:noAutofit/>
+          </a:bodyPr>
+          <a:lstStyle>
+            <a:defPPr>
+              <a:defRPr lang="en-US"/>
+            </a:defPPr>
+            <a:lvl1pPr marL="0" algn="l" defTabSz="914400" rtl="0" eaLnBrk="1" latinLnBrk="0" hangingPunct="1">
+              <a:defRPr sz="1800" kern="1200">
+                <a:solidFill>
+                  <a:schemeClr val="tx1"/>
+                </a:solidFill>
+                <a:latin typeface="+mn-lt"/>
+                <a:ea typeface="+mn-ea"/>
+                <a:cs typeface="+mn-cs"/>
+              </a:defRPr>
+            </a:lvl1pPr>
+            <a:lvl2pPr marL="457200" algn="l" defTabSz="914400" rtl="0" eaLnBrk="1" latinLnBrk="0" hangingPunct="1">
+              <a:defRPr sz="1800" kern="1200">
+                <a:solidFill>
+                  <a:schemeClr val="tx1"/>
+                </a:solidFill>
+                <a:latin typeface="+mn-lt"/>
+                <a:ea typeface="+mn-ea"/>
+                <a:cs typeface="+mn-cs"/>
+              </a:defRPr>
+            </a:lvl2pPr>
+            <a:lvl3pPr marL="914400" algn="l" defTabSz="914400" rtl="0" eaLnBrk="1" latinLnBrk="0" hangingPunct="1">
+              <a:defRPr sz="1800" kern="1200">
+                <a:solidFill>
+                  <a:schemeClr val="tx1"/>
+                </a:solidFill>
+                <a:latin typeface="+mn-lt"/>
+                <a:ea typeface="+mn-ea"/>
+                <a:cs typeface="+mn-cs"/>
+              </a:defRPr>
+            </a:lvl3pPr>
+            <a:lvl4pPr marL="1371600" algn="l" defTabSz="914400" rtl="0" eaLnBrk="1" latinLnBrk="0" hangingPunct="1">
+              <a:defRPr sz="1800" kern="1200">
+                <a:solidFill>
+                  <a:schemeClr val="tx1"/>
+                </a:solidFill>
+                <a:latin typeface="+mn-lt"/>
+                <a:ea typeface="+mn-ea"/>
+                <a:cs typeface="+mn-cs"/>
+              </a:defRPr>
+            </a:lvl4pPr>
+            <a:lvl5pPr marL="1828800" algn="l" defTabSz="914400" rtl="0" eaLnBrk="1" latinLnBrk="0" hangingPunct="1">
+              <a:defRPr sz="1800" kern="1200">
+                <a:solidFill>
+                  <a:schemeClr val="tx1"/>
+                </a:solidFill>
+                <a:latin typeface="+mn-lt"/>
+                <a:ea typeface="+mn-ea"/>
+                <a:cs typeface="+mn-cs"/>
+              </a:defRPr>
+            </a:lvl5pPr>
+            <a:lvl6pPr marL="2286000" algn="l" defTabSz="914400" rtl="0" eaLnBrk="1" latinLnBrk="0" hangingPunct="1">
+              <a:defRPr sz="1800" kern="1200">
+                <a:solidFill>
+                  <a:schemeClr val="tx1"/>
+                </a:solidFill>
+                <a:latin typeface="+mn-lt"/>
+                <a:ea typeface="+mn-ea"/>
+                <a:cs typeface="+mn-cs"/>
+              </a:defRPr>
+            </a:lvl6pPr>
+            <a:lvl7pPr marL="2743200" algn="l" defTabSz="914400" rtl="0" eaLnBrk="1" latinLnBrk="0" hangingPunct="1">
+              <a:defRPr sz="1800" kern="1200">
+                <a:solidFill>
+                  <a:schemeClr val="tx1"/>
+                </a:solidFill>
+                <a:latin typeface="+mn-lt"/>
+                <a:ea typeface="+mn-ea"/>
+                <a:cs typeface="+mn-cs"/>
+              </a:defRPr>
+            </a:lvl7pPr>
+            <a:lvl8pPr marL="3200400" algn="l" defTabSz="914400" rtl="0" eaLnBrk="1" latinLnBrk="0" hangingPunct="1">
+              <a:defRPr sz="1800" kern="1200">
+                <a:solidFill>
+                  <a:schemeClr val="tx1"/>
+                </a:solidFill>
+                <a:latin typeface="+mn-lt"/>
+                <a:ea typeface="+mn-ea"/>
+                <a:cs typeface="+mn-cs"/>
+              </a:defRPr>
+            </a:lvl8pPr>
+            <a:lvl9pPr marL="3657600" algn="l" defTabSz="914400" rtl="0" eaLnBrk="1" latinLnBrk="0" hangingPunct="1">
+              <a:defRPr sz="1800" kern="1200">
+                <a:solidFill>
+                  <a:schemeClr val="tx1"/>
+                </a:solidFill>
+                <a:latin typeface="+mn-lt"/>
+                <a:ea typeface="+mn-ea"/>
+                <a:cs typeface="+mn-cs"/>
+              </a:defRPr>
+            </a:lvl9pPr>
+          </a:lstStyle>
+          <a:p>
+            <a:pPr algn="r">
+              <a:lnSpc>
+                <a:spcPct val="115000"/>
+              </a:lnSpc>
+              <a:spcAft>
+                <a:spcPts val="1000"/>
+              </a:spcAft>
+            </a:pPr>
+            <a:r>
+              <a:rPr lang="en-US" sz="1000" dirty="0">
+                <a:effectLst/>
+                <a:latin typeface="Arial"/>
+                <a:ea typeface="Calibri"/>
+                <a:cs typeface="Times New Roman"/>
+              </a:rPr>
+              <a:t>Payee</a:t>
+            </a:r>
+            <a:endParaRPr lang="en-US" sz="1000" dirty="0">
+              <a:effectLst/>
+              <a:latin typeface="Times New Roman"/>
+              <a:ea typeface="Times New Roman"/>
+            </a:endParaRPr>
+          </a:p>
+        </p:txBody>
+      </p:sp>
+      <p:sp>
+        <p:nvSpPr>
+          <p:cNvPr id="14" name="Text Box 2"/>
+          <p:cNvSpPr txBox="1">
+            <a:spLocks noChangeArrowheads="1"/>
+          </p:cNvSpPr>
+          <p:nvPr/>
+        </p:nvSpPr>
+        <p:spPr bwMode="auto">
+          <a:xfrm>
+            <a:off x="5508104" y="2806474"/>
+            <a:ext cx="871921" cy="262486"/>
+          </a:xfrm>
+          <a:prstGeom prst="rect">
+            <a:avLst/>
+          </a:prstGeom>
+          <a:noFill/>
+          <a:ln w="9525">
+            <a:noFill/>
+            <a:miter lim="800000"/>
+            <a:headEnd/>
+            <a:tailEnd/>
+          </a:ln>
+        </p:spPr>
+        <p:txBody>
+          <a:bodyPr rot="0" vert="horz" wrap="square" lIns="91440" tIns="45720" rIns="91440" bIns="45720" anchor="t" anchorCtr="0">
+            <a:noAutofit/>
+          </a:bodyPr>
+          <a:lstStyle>
+            <a:defPPr>
+              <a:defRPr lang="en-US"/>
+            </a:defPPr>
+            <a:lvl1pPr marL="0" algn="l" defTabSz="914400" rtl="0" eaLnBrk="1" latinLnBrk="0" hangingPunct="1">
+              <a:defRPr sz="1800" kern="1200">
+                <a:solidFill>
+                  <a:schemeClr val="tx1"/>
+                </a:solidFill>
+                <a:latin typeface="+mn-lt"/>
+                <a:ea typeface="+mn-ea"/>
+                <a:cs typeface="+mn-cs"/>
+              </a:defRPr>
+            </a:lvl1pPr>
+            <a:lvl2pPr marL="457200" algn="l" defTabSz="914400" rtl="0" eaLnBrk="1" latinLnBrk="0" hangingPunct="1">
+              <a:defRPr sz="1800" kern="1200">
+                <a:solidFill>
+                  <a:schemeClr val="tx1"/>
+                </a:solidFill>
+                <a:latin typeface="+mn-lt"/>
+                <a:ea typeface="+mn-ea"/>
+                <a:cs typeface="+mn-cs"/>
+              </a:defRPr>
+            </a:lvl2pPr>
+            <a:lvl3pPr marL="914400" algn="l" defTabSz="914400" rtl="0" eaLnBrk="1" latinLnBrk="0" hangingPunct="1">
+              <a:defRPr sz="1800" kern="1200">
+                <a:solidFill>
+                  <a:schemeClr val="tx1"/>
+                </a:solidFill>
+                <a:latin typeface="+mn-lt"/>
+                <a:ea typeface="+mn-ea"/>
+                <a:cs typeface="+mn-cs"/>
+              </a:defRPr>
+            </a:lvl3pPr>
+            <a:lvl4pPr marL="1371600" algn="l" defTabSz="914400" rtl="0" eaLnBrk="1" latinLnBrk="0" hangingPunct="1">
+              <a:defRPr sz="1800" kern="1200">
+                <a:solidFill>
+                  <a:schemeClr val="tx1"/>
+                </a:solidFill>
+                <a:latin typeface="+mn-lt"/>
+                <a:ea typeface="+mn-ea"/>
+                <a:cs typeface="+mn-cs"/>
+              </a:defRPr>
+            </a:lvl4pPr>
+            <a:lvl5pPr marL="1828800" algn="l" defTabSz="914400" rtl="0" eaLnBrk="1" latinLnBrk="0" hangingPunct="1">
+              <a:defRPr sz="1800" kern="1200">
+                <a:solidFill>
+                  <a:schemeClr val="tx1"/>
+                </a:solidFill>
+                <a:latin typeface="+mn-lt"/>
+                <a:ea typeface="+mn-ea"/>
+                <a:cs typeface="+mn-cs"/>
+              </a:defRPr>
+            </a:lvl5pPr>
+            <a:lvl6pPr marL="2286000" algn="l" defTabSz="914400" rtl="0" eaLnBrk="1" latinLnBrk="0" hangingPunct="1">
+              <a:defRPr sz="1800" kern="1200">
+                <a:solidFill>
+                  <a:schemeClr val="tx1"/>
+                </a:solidFill>
+                <a:latin typeface="+mn-lt"/>
+                <a:ea typeface="+mn-ea"/>
+                <a:cs typeface="+mn-cs"/>
+              </a:defRPr>
+            </a:lvl6pPr>
+            <a:lvl7pPr marL="2743200" algn="l" defTabSz="914400" rtl="0" eaLnBrk="1" latinLnBrk="0" hangingPunct="1">
+              <a:defRPr sz="1800" kern="1200">
+                <a:solidFill>
+                  <a:schemeClr val="tx1"/>
+                </a:solidFill>
+                <a:latin typeface="+mn-lt"/>
+                <a:ea typeface="+mn-ea"/>
+                <a:cs typeface="+mn-cs"/>
+              </a:defRPr>
+            </a:lvl7pPr>
+            <a:lvl8pPr marL="3200400" algn="l" defTabSz="914400" rtl="0" eaLnBrk="1" latinLnBrk="0" hangingPunct="1">
+              <a:defRPr sz="1800" kern="1200">
+                <a:solidFill>
+                  <a:schemeClr val="tx1"/>
+                </a:solidFill>
+                <a:latin typeface="+mn-lt"/>
+                <a:ea typeface="+mn-ea"/>
+                <a:cs typeface="+mn-cs"/>
+              </a:defRPr>
+            </a:lvl8pPr>
+            <a:lvl9pPr marL="3657600" algn="l" defTabSz="914400" rtl="0" eaLnBrk="1" latinLnBrk="0" hangingPunct="1">
+              <a:defRPr sz="1800" kern="1200">
+                <a:solidFill>
+                  <a:schemeClr val="tx1"/>
+                </a:solidFill>
+                <a:latin typeface="+mn-lt"/>
+                <a:ea typeface="+mn-ea"/>
+                <a:cs typeface="+mn-cs"/>
+              </a:defRPr>
+            </a:lvl9pPr>
+          </a:lstStyle>
+          <a:p>
+            <a:pPr algn="r">
+              <a:lnSpc>
+                <a:spcPct val="115000"/>
+              </a:lnSpc>
+              <a:spcAft>
+                <a:spcPts val="1000"/>
+              </a:spcAft>
+            </a:pPr>
+            <a:r>
+              <a:rPr lang="en-US" sz="1000" dirty="0">
+                <a:effectLst/>
+                <a:latin typeface="Arial"/>
+                <a:ea typeface="Calibri"/>
+                <a:cs typeface="Times New Roman"/>
+              </a:rPr>
+              <a:t>Amount</a:t>
+            </a:r>
+            <a:endParaRPr lang="en-US" sz="1000" dirty="0">
+              <a:effectLst/>
+              <a:latin typeface="Times New Roman"/>
+              <a:ea typeface="Times New Roman"/>
+            </a:endParaRPr>
+          </a:p>
+        </p:txBody>
+      </p:sp>
+      <p:sp>
+        <p:nvSpPr>
+          <p:cNvPr id="15" name="Text Box 2"/>
+          <p:cNvSpPr txBox="1">
+            <a:spLocks noChangeArrowheads="1"/>
+          </p:cNvSpPr>
+          <p:nvPr/>
+        </p:nvSpPr>
+        <p:spPr bwMode="auto">
+          <a:xfrm>
+            <a:off x="6350300" y="2492919"/>
+            <a:ext cx="1272804" cy="198000"/>
+          </a:xfrm>
+          <a:prstGeom prst="rect">
+            <a:avLst/>
+          </a:prstGeom>
+          <a:solidFill>
+            <a:schemeClr val="bg1">
+              <a:lumMod val="95000"/>
+            </a:schemeClr>
+          </a:solidFill>
+          <a:ln w="6350">
+            <a:solidFill>
+              <a:sysClr val="window" lastClr="FFFFFF">
+                <a:lumMod val="65000"/>
+              </a:sysClr>
+            </a:solidFill>
+            <a:miter lim="800000"/>
+            <a:headEnd/>
+            <a:tailEnd/>
+          </a:ln>
+        </p:spPr>
+        <p:txBody>
+          <a:bodyPr rot="0" vert="horz" wrap="square" lIns="45720" tIns="0" rIns="0" bIns="10800" anchor="ctr" anchorCtr="0">
+            <a:noAutofit/>
+          </a:bodyPr>
+          <a:lstStyle>
+            <a:defPPr>
+              <a:defRPr lang="en-US"/>
+            </a:defPPr>
+            <a:lvl1pPr marL="0" algn="l" defTabSz="914400" rtl="0" eaLnBrk="1" latinLnBrk="0" hangingPunct="1">
+              <a:defRPr sz="1800" kern="1200">
+                <a:solidFill>
+                  <a:schemeClr val="tx1"/>
+                </a:solidFill>
+                <a:latin typeface="+mn-lt"/>
+                <a:ea typeface="+mn-ea"/>
+                <a:cs typeface="+mn-cs"/>
+              </a:defRPr>
+            </a:lvl1pPr>
+            <a:lvl2pPr marL="457200" algn="l" defTabSz="914400" rtl="0" eaLnBrk="1" latinLnBrk="0" hangingPunct="1">
+              <a:defRPr sz="1800" kern="1200">
+                <a:solidFill>
+                  <a:schemeClr val="tx1"/>
+                </a:solidFill>
+                <a:latin typeface="+mn-lt"/>
+                <a:ea typeface="+mn-ea"/>
+                <a:cs typeface="+mn-cs"/>
+              </a:defRPr>
+            </a:lvl2pPr>
+            <a:lvl3pPr marL="914400" algn="l" defTabSz="914400" rtl="0" eaLnBrk="1" latinLnBrk="0" hangingPunct="1">
+              <a:defRPr sz="1800" kern="1200">
+                <a:solidFill>
+                  <a:schemeClr val="tx1"/>
+                </a:solidFill>
+                <a:latin typeface="+mn-lt"/>
+                <a:ea typeface="+mn-ea"/>
+                <a:cs typeface="+mn-cs"/>
+              </a:defRPr>
+            </a:lvl3pPr>
+            <a:lvl4pPr marL="1371600" algn="l" defTabSz="914400" rtl="0" eaLnBrk="1" latinLnBrk="0" hangingPunct="1">
+              <a:defRPr sz="1800" kern="1200">
+                <a:solidFill>
+                  <a:schemeClr val="tx1"/>
+                </a:solidFill>
+                <a:latin typeface="+mn-lt"/>
+                <a:ea typeface="+mn-ea"/>
+                <a:cs typeface="+mn-cs"/>
+              </a:defRPr>
+            </a:lvl4pPr>
+            <a:lvl5pPr marL="1828800" algn="l" defTabSz="914400" rtl="0" eaLnBrk="1" latinLnBrk="0" hangingPunct="1">
+              <a:defRPr sz="1800" kern="1200">
+                <a:solidFill>
+                  <a:schemeClr val="tx1"/>
+                </a:solidFill>
+                <a:latin typeface="+mn-lt"/>
+                <a:ea typeface="+mn-ea"/>
+                <a:cs typeface="+mn-cs"/>
+              </a:defRPr>
+            </a:lvl5pPr>
+            <a:lvl6pPr marL="2286000" algn="l" defTabSz="914400" rtl="0" eaLnBrk="1" latinLnBrk="0" hangingPunct="1">
+              <a:defRPr sz="1800" kern="1200">
+                <a:solidFill>
+                  <a:schemeClr val="tx1"/>
+                </a:solidFill>
+                <a:latin typeface="+mn-lt"/>
+                <a:ea typeface="+mn-ea"/>
+                <a:cs typeface="+mn-cs"/>
+              </a:defRPr>
+            </a:lvl6pPr>
+            <a:lvl7pPr marL="2743200" algn="l" defTabSz="914400" rtl="0" eaLnBrk="1" latinLnBrk="0" hangingPunct="1">
+              <a:defRPr sz="1800" kern="1200">
+                <a:solidFill>
+                  <a:schemeClr val="tx1"/>
+                </a:solidFill>
+                <a:latin typeface="+mn-lt"/>
+                <a:ea typeface="+mn-ea"/>
+                <a:cs typeface="+mn-cs"/>
+              </a:defRPr>
+            </a:lvl7pPr>
+            <a:lvl8pPr marL="3200400" algn="l" defTabSz="914400" rtl="0" eaLnBrk="1" latinLnBrk="0" hangingPunct="1">
+              <a:defRPr sz="1800" kern="1200">
+                <a:solidFill>
+                  <a:schemeClr val="tx1"/>
+                </a:solidFill>
+                <a:latin typeface="+mn-lt"/>
+                <a:ea typeface="+mn-ea"/>
+                <a:cs typeface="+mn-cs"/>
+              </a:defRPr>
+            </a:lvl8pPr>
+            <a:lvl9pPr marL="3657600" algn="l" defTabSz="914400" rtl="0" eaLnBrk="1" latinLnBrk="0" hangingPunct="1">
+              <a:defRPr sz="1800" kern="1200">
+                <a:solidFill>
+                  <a:schemeClr val="tx1"/>
+                </a:solidFill>
+                <a:latin typeface="+mn-lt"/>
+                <a:ea typeface="+mn-ea"/>
+                <a:cs typeface="+mn-cs"/>
+              </a:defRPr>
+            </a:lvl9pPr>
+          </a:lstStyle>
+          <a:p>
+            <a:pPr>
+              <a:lnSpc>
+                <a:spcPct val="115000"/>
+              </a:lnSpc>
+              <a:spcAft>
+                <a:spcPts val="1000"/>
+              </a:spcAft>
+            </a:pPr>
+            <a:r>
+              <a:rPr lang="en-US" sz="1000" dirty="0" smtClean="0">
+                <a:latin typeface="Arial"/>
+                <a:ea typeface="Calibri"/>
+                <a:cs typeface="Times New Roman"/>
+              </a:rPr>
+              <a:t>Demo Merchant</a:t>
+            </a:r>
+            <a:endParaRPr lang="en-US" sz="1000" dirty="0">
+              <a:effectLst/>
+              <a:latin typeface="Times New Roman"/>
+              <a:ea typeface="Times New Roman"/>
+            </a:endParaRPr>
+          </a:p>
+        </p:txBody>
+      </p:sp>
+      <p:sp>
+        <p:nvSpPr>
+          <p:cNvPr id="16" name="Text Box 2"/>
+          <p:cNvSpPr txBox="1">
+            <a:spLocks noChangeArrowheads="1"/>
+          </p:cNvSpPr>
+          <p:nvPr/>
+        </p:nvSpPr>
+        <p:spPr bwMode="auto">
+          <a:xfrm>
+            <a:off x="6350300" y="2825928"/>
+            <a:ext cx="1278073" cy="247760"/>
+          </a:xfrm>
+          <a:prstGeom prst="rect">
+            <a:avLst/>
+          </a:prstGeom>
+          <a:solidFill>
+            <a:schemeClr val="bg1">
+              <a:lumMod val="95000"/>
+            </a:schemeClr>
+          </a:solidFill>
+          <a:ln w="6350">
+            <a:solidFill>
+              <a:sysClr val="window" lastClr="FFFFFF">
+                <a:lumMod val="65000"/>
+              </a:sysClr>
+            </a:solidFill>
+            <a:miter lim="800000"/>
+            <a:headEnd/>
+            <a:tailEnd/>
+          </a:ln>
+        </p:spPr>
+        <p:txBody>
+          <a:bodyPr rot="0" vert="horz" wrap="square" lIns="36000" tIns="0" rIns="36000" bIns="0" anchor="ctr" anchorCtr="0">
+            <a:spAutoFit/>
+          </a:bodyPr>
+          <a:lstStyle>
+            <a:defPPr>
+              <a:defRPr lang="en-US"/>
+            </a:defPPr>
+            <a:lvl1pPr marL="0" algn="l" defTabSz="914400" rtl="0" eaLnBrk="1" latinLnBrk="0" hangingPunct="1">
+              <a:defRPr sz="1800" kern="1200">
+                <a:solidFill>
+                  <a:schemeClr val="tx1"/>
+                </a:solidFill>
+                <a:latin typeface="+mn-lt"/>
+                <a:ea typeface="+mn-ea"/>
+                <a:cs typeface="+mn-cs"/>
+              </a:defRPr>
+            </a:lvl1pPr>
+            <a:lvl2pPr marL="457200" algn="l" defTabSz="914400" rtl="0" eaLnBrk="1" latinLnBrk="0" hangingPunct="1">
+              <a:defRPr sz="1800" kern="1200">
+                <a:solidFill>
+                  <a:schemeClr val="tx1"/>
+                </a:solidFill>
+                <a:latin typeface="+mn-lt"/>
+                <a:ea typeface="+mn-ea"/>
+                <a:cs typeface="+mn-cs"/>
+              </a:defRPr>
+            </a:lvl2pPr>
+            <a:lvl3pPr marL="914400" algn="l" defTabSz="914400" rtl="0" eaLnBrk="1" latinLnBrk="0" hangingPunct="1">
+              <a:defRPr sz="1800" kern="1200">
+                <a:solidFill>
+                  <a:schemeClr val="tx1"/>
+                </a:solidFill>
+                <a:latin typeface="+mn-lt"/>
+                <a:ea typeface="+mn-ea"/>
+                <a:cs typeface="+mn-cs"/>
+              </a:defRPr>
+            </a:lvl3pPr>
+            <a:lvl4pPr marL="1371600" algn="l" defTabSz="914400" rtl="0" eaLnBrk="1" latinLnBrk="0" hangingPunct="1">
+              <a:defRPr sz="1800" kern="1200">
+                <a:solidFill>
+                  <a:schemeClr val="tx1"/>
+                </a:solidFill>
+                <a:latin typeface="+mn-lt"/>
+                <a:ea typeface="+mn-ea"/>
+                <a:cs typeface="+mn-cs"/>
+              </a:defRPr>
+            </a:lvl4pPr>
+            <a:lvl5pPr marL="1828800" algn="l" defTabSz="914400" rtl="0" eaLnBrk="1" latinLnBrk="0" hangingPunct="1">
+              <a:defRPr sz="1800" kern="1200">
+                <a:solidFill>
+                  <a:schemeClr val="tx1"/>
+                </a:solidFill>
+                <a:latin typeface="+mn-lt"/>
+                <a:ea typeface="+mn-ea"/>
+                <a:cs typeface="+mn-cs"/>
+              </a:defRPr>
+            </a:lvl5pPr>
+            <a:lvl6pPr marL="2286000" algn="l" defTabSz="914400" rtl="0" eaLnBrk="1" latinLnBrk="0" hangingPunct="1">
+              <a:defRPr sz="1800" kern="1200">
+                <a:solidFill>
+                  <a:schemeClr val="tx1"/>
+                </a:solidFill>
+                <a:latin typeface="+mn-lt"/>
+                <a:ea typeface="+mn-ea"/>
+                <a:cs typeface="+mn-cs"/>
+              </a:defRPr>
+            </a:lvl6pPr>
+            <a:lvl7pPr marL="2743200" algn="l" defTabSz="914400" rtl="0" eaLnBrk="1" latinLnBrk="0" hangingPunct="1">
+              <a:defRPr sz="1800" kern="1200">
+                <a:solidFill>
+                  <a:schemeClr val="tx1"/>
+                </a:solidFill>
+                <a:latin typeface="+mn-lt"/>
+                <a:ea typeface="+mn-ea"/>
+                <a:cs typeface="+mn-cs"/>
+              </a:defRPr>
+            </a:lvl7pPr>
+            <a:lvl8pPr marL="3200400" algn="l" defTabSz="914400" rtl="0" eaLnBrk="1" latinLnBrk="0" hangingPunct="1">
+              <a:defRPr sz="1800" kern="1200">
+                <a:solidFill>
+                  <a:schemeClr val="tx1"/>
+                </a:solidFill>
+                <a:latin typeface="+mn-lt"/>
+                <a:ea typeface="+mn-ea"/>
+                <a:cs typeface="+mn-cs"/>
+              </a:defRPr>
+            </a:lvl8pPr>
+            <a:lvl9pPr marL="3657600" algn="l" defTabSz="914400" rtl="0" eaLnBrk="1" latinLnBrk="0" hangingPunct="1">
+              <a:defRPr sz="1800" kern="1200">
+                <a:solidFill>
+                  <a:schemeClr val="tx1"/>
+                </a:solidFill>
+                <a:latin typeface="+mn-lt"/>
+                <a:ea typeface="+mn-ea"/>
+                <a:cs typeface="+mn-cs"/>
+              </a:defRPr>
+            </a:lvl9pPr>
+          </a:lstStyle>
+          <a:p>
+            <a:pPr>
+              <a:lnSpc>
+                <a:spcPct val="115000"/>
+              </a:lnSpc>
+              <a:spcAft>
+                <a:spcPts val="1000"/>
+              </a:spcAft>
+            </a:pPr>
+            <a:r>
+              <a:rPr lang="en-US" sz="1400" dirty="0">
+                <a:effectLst/>
+                <a:latin typeface="Arial"/>
+                <a:ea typeface="Calibri"/>
+                <a:cs typeface="Times New Roman"/>
+              </a:rPr>
+              <a:t>$275.00</a:t>
+            </a:r>
+            <a:endParaRPr lang="en-US" sz="1400" dirty="0">
+              <a:effectLst/>
+              <a:latin typeface="Times New Roman"/>
+              <a:ea typeface="Times New Roman"/>
+            </a:endParaRPr>
+          </a:p>
+        </p:txBody>
+      </p:sp>
+      <p:sp>
+        <p:nvSpPr>
+          <p:cNvPr id="17" name="Text Box 2"/>
+          <p:cNvSpPr txBox="1">
+            <a:spLocks noChangeArrowheads="1"/>
+          </p:cNvSpPr>
+          <p:nvPr/>
+        </p:nvSpPr>
+        <p:spPr bwMode="auto">
+          <a:xfrm>
+            <a:off x="5456151" y="4077072"/>
+            <a:ext cx="871921" cy="262486"/>
+          </a:xfrm>
+          <a:prstGeom prst="rect">
+            <a:avLst/>
+          </a:prstGeom>
+          <a:noFill/>
+          <a:ln w="9525">
+            <a:noFill/>
+            <a:miter lim="800000"/>
+            <a:headEnd/>
+            <a:tailEnd/>
+          </a:ln>
+        </p:spPr>
+        <p:txBody>
+          <a:bodyPr rot="0" vert="horz" wrap="square" lIns="91440" tIns="45720" rIns="91440" bIns="45720" anchor="t" anchorCtr="0">
+            <a:noAutofit/>
+          </a:bodyPr>
+          <a:lstStyle>
+            <a:defPPr>
+              <a:defRPr lang="en-US"/>
+            </a:defPPr>
+            <a:lvl1pPr marL="0" algn="l" defTabSz="914400" rtl="0" eaLnBrk="1" latinLnBrk="0" hangingPunct="1">
+              <a:defRPr sz="1800" kern="1200">
+                <a:solidFill>
+                  <a:schemeClr val="tx1"/>
+                </a:solidFill>
+                <a:latin typeface="+mn-lt"/>
+                <a:ea typeface="+mn-ea"/>
+                <a:cs typeface="+mn-cs"/>
+              </a:defRPr>
+            </a:lvl1pPr>
+            <a:lvl2pPr marL="457200" algn="l" defTabSz="914400" rtl="0" eaLnBrk="1" latinLnBrk="0" hangingPunct="1">
+              <a:defRPr sz="1800" kern="1200">
+                <a:solidFill>
+                  <a:schemeClr val="tx1"/>
+                </a:solidFill>
+                <a:latin typeface="+mn-lt"/>
+                <a:ea typeface="+mn-ea"/>
+                <a:cs typeface="+mn-cs"/>
+              </a:defRPr>
+            </a:lvl2pPr>
+            <a:lvl3pPr marL="914400" algn="l" defTabSz="914400" rtl="0" eaLnBrk="1" latinLnBrk="0" hangingPunct="1">
+              <a:defRPr sz="1800" kern="1200">
+                <a:solidFill>
+                  <a:schemeClr val="tx1"/>
+                </a:solidFill>
+                <a:latin typeface="+mn-lt"/>
+                <a:ea typeface="+mn-ea"/>
+                <a:cs typeface="+mn-cs"/>
+              </a:defRPr>
+            </a:lvl3pPr>
+            <a:lvl4pPr marL="1371600" algn="l" defTabSz="914400" rtl="0" eaLnBrk="1" latinLnBrk="0" hangingPunct="1">
+              <a:defRPr sz="1800" kern="1200">
+                <a:solidFill>
+                  <a:schemeClr val="tx1"/>
+                </a:solidFill>
+                <a:latin typeface="+mn-lt"/>
+                <a:ea typeface="+mn-ea"/>
+                <a:cs typeface="+mn-cs"/>
+              </a:defRPr>
+            </a:lvl4pPr>
+            <a:lvl5pPr marL="1828800" algn="l" defTabSz="914400" rtl="0" eaLnBrk="1" latinLnBrk="0" hangingPunct="1">
+              <a:defRPr sz="1800" kern="1200">
+                <a:solidFill>
+                  <a:schemeClr val="tx1"/>
+                </a:solidFill>
+                <a:latin typeface="+mn-lt"/>
+                <a:ea typeface="+mn-ea"/>
+                <a:cs typeface="+mn-cs"/>
+              </a:defRPr>
+            </a:lvl5pPr>
+            <a:lvl6pPr marL="2286000" algn="l" defTabSz="914400" rtl="0" eaLnBrk="1" latinLnBrk="0" hangingPunct="1">
+              <a:defRPr sz="1800" kern="1200">
+                <a:solidFill>
+                  <a:schemeClr val="tx1"/>
+                </a:solidFill>
+                <a:latin typeface="+mn-lt"/>
+                <a:ea typeface="+mn-ea"/>
+                <a:cs typeface="+mn-cs"/>
+              </a:defRPr>
+            </a:lvl6pPr>
+            <a:lvl7pPr marL="2743200" algn="l" defTabSz="914400" rtl="0" eaLnBrk="1" latinLnBrk="0" hangingPunct="1">
+              <a:defRPr sz="1800" kern="1200">
+                <a:solidFill>
+                  <a:schemeClr val="tx1"/>
+                </a:solidFill>
+                <a:latin typeface="+mn-lt"/>
+                <a:ea typeface="+mn-ea"/>
+                <a:cs typeface="+mn-cs"/>
+              </a:defRPr>
+            </a:lvl7pPr>
+            <a:lvl8pPr marL="3200400" algn="l" defTabSz="914400" rtl="0" eaLnBrk="1" latinLnBrk="0" hangingPunct="1">
+              <a:defRPr sz="1800" kern="1200">
+                <a:solidFill>
+                  <a:schemeClr val="tx1"/>
+                </a:solidFill>
+                <a:latin typeface="+mn-lt"/>
+                <a:ea typeface="+mn-ea"/>
+                <a:cs typeface="+mn-cs"/>
+              </a:defRPr>
+            </a:lvl8pPr>
+            <a:lvl9pPr marL="3657600" algn="l" defTabSz="914400" rtl="0" eaLnBrk="1" latinLnBrk="0" hangingPunct="1">
+              <a:defRPr sz="1800" kern="1200">
+                <a:solidFill>
+                  <a:schemeClr val="tx1"/>
+                </a:solidFill>
+                <a:latin typeface="+mn-lt"/>
+                <a:ea typeface="+mn-ea"/>
+                <a:cs typeface="+mn-cs"/>
+              </a:defRPr>
+            </a:lvl9pPr>
+          </a:lstStyle>
+          <a:p>
+            <a:pPr algn="r">
+              <a:lnSpc>
+                <a:spcPct val="115000"/>
+              </a:lnSpc>
+              <a:spcAft>
+                <a:spcPts val="1000"/>
+              </a:spcAft>
+            </a:pPr>
+            <a:r>
+              <a:rPr lang="en-US" sz="1000" dirty="0">
+                <a:effectLst/>
+                <a:latin typeface="Arial"/>
+                <a:ea typeface="Calibri"/>
+                <a:cs typeface="Times New Roman"/>
+              </a:rPr>
+              <a:t>PIN</a:t>
+            </a:r>
+            <a:endParaRPr lang="en-US" sz="1000" dirty="0">
+              <a:effectLst/>
+              <a:latin typeface="Times New Roman"/>
+              <a:ea typeface="Times New Roman"/>
+            </a:endParaRPr>
+          </a:p>
+        </p:txBody>
+      </p:sp>
+      <p:sp>
+        <p:nvSpPr>
+          <p:cNvPr id="18" name="Text Box 2"/>
+          <p:cNvSpPr txBox="1">
+            <a:spLocks noChangeArrowheads="1"/>
+          </p:cNvSpPr>
+          <p:nvPr/>
+        </p:nvSpPr>
+        <p:spPr bwMode="auto">
+          <a:xfrm>
+            <a:off x="6294810" y="4112394"/>
+            <a:ext cx="941486" cy="198000"/>
+          </a:xfrm>
+          <a:prstGeom prst="rect">
+            <a:avLst/>
+          </a:prstGeom>
+          <a:solidFill>
+            <a:sysClr val="window" lastClr="FFFFFF"/>
+          </a:solidFill>
+          <a:ln w="6350">
+            <a:solidFill>
+              <a:sysClr val="window" lastClr="FFFFFF">
+                <a:lumMod val="65000"/>
+              </a:sysClr>
+            </a:solidFill>
+            <a:miter lim="800000"/>
+            <a:headEnd/>
+            <a:tailEnd/>
+          </a:ln>
+        </p:spPr>
+        <p:txBody>
+          <a:bodyPr rot="0" vert="horz" wrap="none" lIns="45720" tIns="21600" rIns="91440" bIns="0" anchor="t" anchorCtr="0">
+            <a:noAutofit/>
+          </a:bodyPr>
+          <a:lstStyle>
+            <a:defPPr>
+              <a:defRPr lang="en-US"/>
+            </a:defPPr>
+            <a:lvl1pPr marL="0" algn="l" defTabSz="914400" rtl="0" eaLnBrk="1" latinLnBrk="0" hangingPunct="1">
+              <a:defRPr sz="1800" kern="1200">
+                <a:solidFill>
+                  <a:schemeClr val="tx1"/>
+                </a:solidFill>
+                <a:latin typeface="+mn-lt"/>
+                <a:ea typeface="+mn-ea"/>
+                <a:cs typeface="+mn-cs"/>
+              </a:defRPr>
+            </a:lvl1pPr>
+            <a:lvl2pPr marL="457200" algn="l" defTabSz="914400" rtl="0" eaLnBrk="1" latinLnBrk="0" hangingPunct="1">
+              <a:defRPr sz="1800" kern="1200">
+                <a:solidFill>
+                  <a:schemeClr val="tx1"/>
+                </a:solidFill>
+                <a:latin typeface="+mn-lt"/>
+                <a:ea typeface="+mn-ea"/>
+                <a:cs typeface="+mn-cs"/>
+              </a:defRPr>
+            </a:lvl2pPr>
+            <a:lvl3pPr marL="914400" algn="l" defTabSz="914400" rtl="0" eaLnBrk="1" latinLnBrk="0" hangingPunct="1">
+              <a:defRPr sz="1800" kern="1200">
+                <a:solidFill>
+                  <a:schemeClr val="tx1"/>
+                </a:solidFill>
+                <a:latin typeface="+mn-lt"/>
+                <a:ea typeface="+mn-ea"/>
+                <a:cs typeface="+mn-cs"/>
+              </a:defRPr>
+            </a:lvl3pPr>
+            <a:lvl4pPr marL="1371600" algn="l" defTabSz="914400" rtl="0" eaLnBrk="1" latinLnBrk="0" hangingPunct="1">
+              <a:defRPr sz="1800" kern="1200">
+                <a:solidFill>
+                  <a:schemeClr val="tx1"/>
+                </a:solidFill>
+                <a:latin typeface="+mn-lt"/>
+                <a:ea typeface="+mn-ea"/>
+                <a:cs typeface="+mn-cs"/>
+              </a:defRPr>
+            </a:lvl4pPr>
+            <a:lvl5pPr marL="1828800" algn="l" defTabSz="914400" rtl="0" eaLnBrk="1" latinLnBrk="0" hangingPunct="1">
+              <a:defRPr sz="1800" kern="1200">
+                <a:solidFill>
+                  <a:schemeClr val="tx1"/>
+                </a:solidFill>
+                <a:latin typeface="+mn-lt"/>
+                <a:ea typeface="+mn-ea"/>
+                <a:cs typeface="+mn-cs"/>
+              </a:defRPr>
+            </a:lvl5pPr>
+            <a:lvl6pPr marL="2286000" algn="l" defTabSz="914400" rtl="0" eaLnBrk="1" latinLnBrk="0" hangingPunct="1">
+              <a:defRPr sz="1800" kern="1200">
+                <a:solidFill>
+                  <a:schemeClr val="tx1"/>
+                </a:solidFill>
+                <a:latin typeface="+mn-lt"/>
+                <a:ea typeface="+mn-ea"/>
+                <a:cs typeface="+mn-cs"/>
+              </a:defRPr>
+            </a:lvl6pPr>
+            <a:lvl7pPr marL="2743200" algn="l" defTabSz="914400" rtl="0" eaLnBrk="1" latinLnBrk="0" hangingPunct="1">
+              <a:defRPr sz="1800" kern="1200">
+                <a:solidFill>
+                  <a:schemeClr val="tx1"/>
+                </a:solidFill>
+                <a:latin typeface="+mn-lt"/>
+                <a:ea typeface="+mn-ea"/>
+                <a:cs typeface="+mn-cs"/>
+              </a:defRPr>
+            </a:lvl7pPr>
+            <a:lvl8pPr marL="3200400" algn="l" defTabSz="914400" rtl="0" eaLnBrk="1" latinLnBrk="0" hangingPunct="1">
+              <a:defRPr sz="1800" kern="1200">
+                <a:solidFill>
+                  <a:schemeClr val="tx1"/>
+                </a:solidFill>
+                <a:latin typeface="+mn-lt"/>
+                <a:ea typeface="+mn-ea"/>
+                <a:cs typeface="+mn-cs"/>
+              </a:defRPr>
+            </a:lvl8pPr>
+            <a:lvl9pPr marL="3657600" algn="l" defTabSz="914400" rtl="0" eaLnBrk="1" latinLnBrk="0" hangingPunct="1">
+              <a:defRPr sz="1800" kern="1200">
+                <a:solidFill>
+                  <a:schemeClr val="tx1"/>
+                </a:solidFill>
+                <a:latin typeface="+mn-lt"/>
+                <a:ea typeface="+mn-ea"/>
+                <a:cs typeface="+mn-cs"/>
+              </a:defRPr>
+            </a:lvl9pPr>
+          </a:lstStyle>
+          <a:p>
+            <a:pPr>
+              <a:lnSpc>
+                <a:spcPct val="115000"/>
+              </a:lnSpc>
+              <a:spcAft>
+                <a:spcPts val="1000"/>
+              </a:spcAft>
+            </a:pPr>
+            <a:r>
+              <a:rPr lang="en-US" sz="800" dirty="0">
+                <a:effectLst/>
+                <a:latin typeface="Arial"/>
+                <a:ea typeface="Calibri"/>
+              </a:rPr>
+              <a:t>● ● ● ● ●</a:t>
+            </a:r>
+            <a:endParaRPr lang="en-US" sz="1200" dirty="0">
+              <a:effectLst/>
+              <a:latin typeface="Times New Roman"/>
+              <a:ea typeface="Times New Roman"/>
+            </a:endParaRPr>
+          </a:p>
+          <a:p>
+            <a:pPr>
+              <a:lnSpc>
+                <a:spcPct val="115000"/>
+              </a:lnSpc>
+              <a:spcAft>
+                <a:spcPts val="1000"/>
+              </a:spcAft>
+            </a:pPr>
+            <a:r>
+              <a:rPr lang="en-US" sz="1000" dirty="0">
+                <a:effectLst/>
+                <a:latin typeface="Times New Roman"/>
+                <a:ea typeface="Times New Roman"/>
+              </a:rPr>
+              <a:t> </a:t>
+            </a:r>
+            <a:endParaRPr lang="en-US" sz="1200" dirty="0">
+              <a:effectLst/>
+              <a:latin typeface="Times New Roman"/>
+              <a:ea typeface="Times New Roman"/>
+            </a:endParaRPr>
+          </a:p>
+        </p:txBody>
+      </p:sp>
       <p:grpSp>
         <p:nvGrpSpPr>
-          <p:cNvPr id="46" name="Group 45"/>
+          <p:cNvPr id="9" name="Group 8"/>
           <p:cNvGrpSpPr/>
           <p:nvPr/>
         </p:nvGrpSpPr>
         <p:grpSpPr>
           <a:xfrm>
-            <a:off x="5456151" y="1322233"/>
-            <a:ext cx="2572233" cy="4194999"/>
-            <a:chOff x="5456151" y="1322233"/>
-            <a:chExt cx="2572233" cy="4194999"/>
-          </a:xfrm>
+            <a:off x="6156177" y="3257019"/>
+            <a:ext cx="1224135" cy="670213"/>
+            <a:chOff x="6660233" y="4342963"/>
+            <a:chExt cx="1224135" cy="670213"/>
+          </a:xfrm>
+          <a:effectLst>
+            <a:outerShdw blurRad="50800" dist="38100" dir="2700000" algn="tl" rotWithShape="0">
+              <a:prstClr val="black">
+                <a:alpha val="40000"/>
+              </a:prstClr>
+            </a:outerShdw>
+          </a:effectLst>
         </p:grpSpPr>
         <p:sp>
           <p:nvSpPr>
-            <p:cNvPr id="8" name="Rounded Rectangle 7"/>
+            <p:cNvPr id="31" name="Rounded Rectangle 30"/>
             <p:cNvSpPr/>
             <p:nvPr/>
           </p:nvSpPr>
           <p:spPr>
             <a:xfrm>
-              <a:off x="5527695" y="1322233"/>
-              <a:ext cx="2500689" cy="4194999"/>
+              <a:off x="6660233" y="4342963"/>
+              <a:ext cx="1178345" cy="670213"/>
             </a:xfrm>
             <a:prstGeom prst="roundRect">
               <a:avLst/>
             </a:prstGeom>
-            <a:solidFill>
-              <a:schemeClr val="bg1"/>
-            </a:solidFill>
+            <a:gradFill flip="none" rotWithShape="1">
+              <a:gsLst>
+                <a:gs pos="0">
+                  <a:srgbClr val="FFB115"/>
+                </a:gs>
+                <a:gs pos="50000">
+                  <a:srgbClr val="FFFF00"/>
+                </a:gs>
+                <a:gs pos="100000">
+                  <a:srgbClr val="FFC000"/>
+                </a:gs>
+              </a:gsLst>
+              <a:lin ang="13500000" scaled="1"/>
+              <a:tileRect/>
+            </a:gradFill>
             <a:ln w="6350">
-              <a:solidFill>
-                <a:schemeClr val="bg1">
-                  <a:lumMod val="65000"/>
-                </a:schemeClr>
-              </a:solidFill>
-            </a:ln>
-            <a:effectLst>
-              <a:outerShdw blurRad="50800" dist="38100" dir="2700000" algn="tl" rotWithShape="0">
-                <a:prstClr val="black">
-                  <a:alpha val="40000"/>
-                </a:prstClr>
-              </a:outerShdw>
-            </a:effectLst>
-            <a:scene3d>
-              <a:camera prst="orthographicFront"/>
-              <a:lightRig rig="threePt" dir="t"/>
-            </a:scene3d>
-            <a:sp3d>
-              <a:bevelT/>
-            </a:sp3d>
-          </p:spPr>
-          <p:style>
-            <a:lnRef idx="2">
-              <a:schemeClr val="accent1">
-                <a:shade val="50000"/>
-              </a:schemeClr>
-            </a:lnRef>
-            <a:fillRef idx="1">
-              <a:schemeClr val="accent1"/>
-            </a:fillRef>
-            <a:effectRef idx="0">
-              <a:schemeClr val="accent1"/>
-            </a:effectRef>
-            <a:fontRef idx="minor">
-              <a:schemeClr val="lt1"/>
-            </a:fontRef>
-          </p:style>
-          <p:txBody>
-            <a:bodyPr rtlCol="0" anchor="ctr"/>
-            <a:lstStyle/>
-            <a:p>
-              <a:pPr algn="ctr"/>
-              <a:endParaRPr lang="en-US" dirty="0" smtClean="0">
-                <a:latin typeface="Arial" panose="020B0604020202020204" pitchFamily="34" charset="0"/>
-                <a:cs typeface="Arial" panose="020B0604020202020204" pitchFamily="34" charset="0"/>
-              </a:endParaRPr>
-            </a:p>
-          </p:txBody>
-        </p:sp>
-        <p:sp>
-          <p:nvSpPr>
-            <p:cNvPr id="6" name="Rectangle 5"/>
-            <p:cNvSpPr>
-              <a:spLocks/>
-            </p:cNvSpPr>
-            <p:nvPr/>
-          </p:nvSpPr>
-          <p:spPr>
-            <a:xfrm>
-              <a:off x="5716753" y="1727622"/>
-              <a:ext cx="2095607" cy="3237899"/>
-            </a:xfrm>
-            <a:prstGeom prst="rect">
-              <a:avLst/>
-            </a:prstGeom>
-            <a:solidFill>
-              <a:sysClr val="window" lastClr="FFFFFF">
-                <a:lumMod val="95000"/>
-              </a:sysClr>
-            </a:solidFill>
-            <a:ln w="15875" cap="flat" cmpd="sng" algn="ctr">
-              <a:solidFill>
-                <a:schemeClr val="bg1">
-                  <a:lumMod val="50000"/>
-                </a:schemeClr>
-              </a:solidFill>
-              <a:prstDash val="solid"/>
-            </a:ln>
-            <a:effectLst/>
-          </p:spPr>
-          <p:txBody>
-            <a:bodyPr rot="0" spcFirstLastPara="0" vert="horz" wrap="square" lIns="91440" tIns="45720" rIns="91440" bIns="45720" numCol="1" spcCol="0" rtlCol="0" fromWordArt="0" anchor="ctr" anchorCtr="0" forceAA="0" compatLnSpc="1">
-              <a:prstTxWarp prst="textNoShape">
-                <a:avLst/>
-              </a:prstTxWarp>
-              <a:noAutofit/>
-            </a:bodyPr>
-            <a:lstStyle>
-              <a:defPPr>
-                <a:defRPr lang="en-US"/>
-              </a:defPPr>
-              <a:lvl1pPr marL="0" algn="l" defTabSz="914400" rtl="0" eaLnBrk="1" latinLnBrk="0" hangingPunct="1">
-                <a:defRPr sz="1800" kern="1200">
-                  <a:solidFill>
-                    <a:schemeClr val="tx1"/>
-                  </a:solidFill>
-                  <a:latin typeface="+mn-lt"/>
-                  <a:ea typeface="+mn-ea"/>
-                  <a:cs typeface="+mn-cs"/>
-                </a:defRPr>
-              </a:lvl1pPr>
-              <a:lvl2pPr marL="457200" algn="l" defTabSz="914400" rtl="0" eaLnBrk="1" latinLnBrk="0" hangingPunct="1">
-                <a:defRPr sz="1800" kern="1200">
-                  <a:solidFill>
-                    <a:schemeClr val="tx1"/>
-                  </a:solidFill>
-                  <a:latin typeface="+mn-lt"/>
-                  <a:ea typeface="+mn-ea"/>
-                  <a:cs typeface="+mn-cs"/>
-                </a:defRPr>
-              </a:lvl2pPr>
-              <a:lvl3pPr marL="914400" algn="l" defTabSz="914400" rtl="0" eaLnBrk="1" latinLnBrk="0" hangingPunct="1">
-                <a:defRPr sz="1800" kern="1200">
-                  <a:solidFill>
-                    <a:schemeClr val="tx1"/>
-                  </a:solidFill>
-                  <a:latin typeface="+mn-lt"/>
-                  <a:ea typeface="+mn-ea"/>
-                  <a:cs typeface="+mn-cs"/>
-                </a:defRPr>
-              </a:lvl3pPr>
-              <a:lvl4pPr marL="1371600" algn="l" defTabSz="914400" rtl="0" eaLnBrk="1" latinLnBrk="0" hangingPunct="1">
-                <a:defRPr sz="1800" kern="1200">
-                  <a:solidFill>
-                    <a:schemeClr val="tx1"/>
-                  </a:solidFill>
-                  <a:latin typeface="+mn-lt"/>
-                  <a:ea typeface="+mn-ea"/>
-                  <a:cs typeface="+mn-cs"/>
-                </a:defRPr>
-              </a:lvl4pPr>
-              <a:lvl5pPr marL="1828800" algn="l" defTabSz="914400" rtl="0" eaLnBrk="1" latinLnBrk="0" hangingPunct="1">
-                <a:defRPr sz="1800" kern="1200">
-                  <a:solidFill>
-                    <a:schemeClr val="tx1"/>
-                  </a:solidFill>
-                  <a:latin typeface="+mn-lt"/>
-                  <a:ea typeface="+mn-ea"/>
-                  <a:cs typeface="+mn-cs"/>
-                </a:defRPr>
-              </a:lvl5pPr>
-              <a:lvl6pPr marL="2286000" algn="l" defTabSz="914400" rtl="0" eaLnBrk="1" latinLnBrk="0" hangingPunct="1">
-                <a:defRPr sz="1800" kern="1200">
-                  <a:solidFill>
-                    <a:schemeClr val="tx1"/>
-                  </a:solidFill>
-                  <a:latin typeface="+mn-lt"/>
-                  <a:ea typeface="+mn-ea"/>
-                  <a:cs typeface="+mn-cs"/>
-                </a:defRPr>
-              </a:lvl6pPr>
-              <a:lvl7pPr marL="2743200" algn="l" defTabSz="914400" rtl="0" eaLnBrk="1" latinLnBrk="0" hangingPunct="1">
-                <a:defRPr sz="1800" kern="1200">
-                  <a:solidFill>
-                    <a:schemeClr val="tx1"/>
-                  </a:solidFill>
-                  <a:latin typeface="+mn-lt"/>
-                  <a:ea typeface="+mn-ea"/>
-                  <a:cs typeface="+mn-cs"/>
-                </a:defRPr>
-              </a:lvl7pPr>
-              <a:lvl8pPr marL="3200400" algn="l" defTabSz="914400" rtl="0" eaLnBrk="1" latinLnBrk="0" hangingPunct="1">
-                <a:defRPr sz="1800" kern="1200">
-                  <a:solidFill>
-                    <a:schemeClr val="tx1"/>
-                  </a:solidFill>
-                  <a:latin typeface="+mn-lt"/>
-                  <a:ea typeface="+mn-ea"/>
-                  <a:cs typeface="+mn-cs"/>
-                </a:defRPr>
-              </a:lvl8pPr>
-              <a:lvl9pPr marL="3657600" algn="l" defTabSz="914400" rtl="0" eaLnBrk="1" latinLnBrk="0" hangingPunct="1">
-                <a:defRPr sz="1800" kern="1200">
-                  <a:solidFill>
-                    <a:schemeClr val="tx1"/>
-                  </a:solidFill>
-                  <a:latin typeface="+mn-lt"/>
-                  <a:ea typeface="+mn-ea"/>
-                  <a:cs typeface="+mn-cs"/>
-                </a:defRPr>
-              </a:lvl9pPr>
-            </a:lstStyle>
-            <a:p>
-              <a:endParaRPr lang="en-US"/>
-            </a:p>
-          </p:txBody>
-        </p:sp>
-        <p:sp>
-          <p:nvSpPr>
-            <p:cNvPr id="7" name="Rectangle 6"/>
-            <p:cNvSpPr>
-              <a:spLocks/>
-            </p:cNvSpPr>
-            <p:nvPr/>
-          </p:nvSpPr>
-          <p:spPr>
-            <a:xfrm>
-              <a:off x="5724129" y="1727622"/>
-              <a:ext cx="2088232" cy="244800"/>
-            </a:xfrm>
-            <a:prstGeom prst="rect">
-              <a:avLst/>
-            </a:prstGeom>
-            <a:solidFill>
-              <a:schemeClr val="tx1"/>
-            </a:solidFill>
-            <a:ln w="6350" cap="flat" cmpd="sng" algn="ctr">
-              <a:solidFill>
-                <a:schemeClr val="bg1">
-                  <a:lumMod val="50000"/>
-                </a:schemeClr>
-              </a:solidFill>
-              <a:prstDash val="solid"/>
-            </a:ln>
-            <a:effectLst/>
-          </p:spPr>
-          <p:txBody>
-            <a:bodyPr rot="0" spcFirstLastPara="0" vert="horz" wrap="square" lIns="91440" tIns="0" rIns="91440" bIns="0" numCol="1" spcCol="0" rtlCol="0" fromWordArt="0" anchor="ctr" anchorCtr="0" forceAA="0" compatLnSpc="1">
-              <a:prstTxWarp prst="textNoShape">
-                <a:avLst/>
-              </a:prstTxWarp>
-              <a:noAutofit/>
-            </a:bodyPr>
-            <a:lstStyle>
-              <a:defPPr>
-                <a:defRPr lang="en-US"/>
-              </a:defPPr>
-              <a:lvl1pPr marL="0" algn="l" defTabSz="914400" rtl="0" eaLnBrk="1" latinLnBrk="0" hangingPunct="1">
-                <a:defRPr sz="1800" kern="1200">
-                  <a:solidFill>
-                    <a:schemeClr val="tx1"/>
-                  </a:solidFill>
-                  <a:latin typeface="+mn-lt"/>
-                  <a:ea typeface="+mn-ea"/>
-                  <a:cs typeface="+mn-cs"/>
-                </a:defRPr>
-              </a:lvl1pPr>
-              <a:lvl2pPr marL="457200" algn="l" defTabSz="914400" rtl="0" eaLnBrk="1" latinLnBrk="0" hangingPunct="1">
-                <a:defRPr sz="1800" kern="1200">
-                  <a:solidFill>
-                    <a:schemeClr val="tx1"/>
-                  </a:solidFill>
-                  <a:latin typeface="+mn-lt"/>
-                  <a:ea typeface="+mn-ea"/>
-                  <a:cs typeface="+mn-cs"/>
-                </a:defRPr>
-              </a:lvl2pPr>
-              <a:lvl3pPr marL="914400" algn="l" defTabSz="914400" rtl="0" eaLnBrk="1" latinLnBrk="0" hangingPunct="1">
-                <a:defRPr sz="1800" kern="1200">
-                  <a:solidFill>
-                    <a:schemeClr val="tx1"/>
-                  </a:solidFill>
-                  <a:latin typeface="+mn-lt"/>
-                  <a:ea typeface="+mn-ea"/>
-                  <a:cs typeface="+mn-cs"/>
-                </a:defRPr>
-              </a:lvl3pPr>
-              <a:lvl4pPr marL="1371600" algn="l" defTabSz="914400" rtl="0" eaLnBrk="1" latinLnBrk="0" hangingPunct="1">
-                <a:defRPr sz="1800" kern="1200">
-                  <a:solidFill>
-                    <a:schemeClr val="tx1"/>
-                  </a:solidFill>
-                  <a:latin typeface="+mn-lt"/>
-                  <a:ea typeface="+mn-ea"/>
-                  <a:cs typeface="+mn-cs"/>
-                </a:defRPr>
-              </a:lvl4pPr>
-              <a:lvl5pPr marL="1828800" algn="l" defTabSz="914400" rtl="0" eaLnBrk="1" latinLnBrk="0" hangingPunct="1">
-                <a:defRPr sz="1800" kern="1200">
-                  <a:solidFill>
-                    <a:schemeClr val="tx1"/>
-                  </a:solidFill>
-                  <a:latin typeface="+mn-lt"/>
-                  <a:ea typeface="+mn-ea"/>
-                  <a:cs typeface="+mn-cs"/>
-                </a:defRPr>
-              </a:lvl5pPr>
-              <a:lvl6pPr marL="2286000" algn="l" defTabSz="914400" rtl="0" eaLnBrk="1" latinLnBrk="0" hangingPunct="1">
-                <a:defRPr sz="1800" kern="1200">
-                  <a:solidFill>
-                    <a:schemeClr val="tx1"/>
-                  </a:solidFill>
-                  <a:latin typeface="+mn-lt"/>
-                  <a:ea typeface="+mn-ea"/>
-                  <a:cs typeface="+mn-cs"/>
-                </a:defRPr>
-              </a:lvl6pPr>
-              <a:lvl7pPr marL="2743200" algn="l" defTabSz="914400" rtl="0" eaLnBrk="1" latinLnBrk="0" hangingPunct="1">
-                <a:defRPr sz="1800" kern="1200">
-                  <a:solidFill>
-                    <a:schemeClr val="tx1"/>
-                  </a:solidFill>
-                  <a:latin typeface="+mn-lt"/>
-                  <a:ea typeface="+mn-ea"/>
-                  <a:cs typeface="+mn-cs"/>
-                </a:defRPr>
-              </a:lvl7pPr>
-              <a:lvl8pPr marL="3200400" algn="l" defTabSz="914400" rtl="0" eaLnBrk="1" latinLnBrk="0" hangingPunct="1">
-                <a:defRPr sz="1800" kern="1200">
-                  <a:solidFill>
-                    <a:schemeClr val="tx1"/>
-                  </a:solidFill>
-                  <a:latin typeface="+mn-lt"/>
-                  <a:ea typeface="+mn-ea"/>
-                  <a:cs typeface="+mn-cs"/>
-                </a:defRPr>
-              </a:lvl8pPr>
-              <a:lvl9pPr marL="3657600" algn="l" defTabSz="914400" rtl="0" eaLnBrk="1" latinLnBrk="0" hangingPunct="1">
-                <a:defRPr sz="1800" kern="1200">
-                  <a:solidFill>
-                    <a:schemeClr val="tx1"/>
-                  </a:solidFill>
-                  <a:latin typeface="+mn-lt"/>
-                  <a:ea typeface="+mn-ea"/>
-                  <a:cs typeface="+mn-cs"/>
-                </a:defRPr>
-              </a:lvl9pPr>
-            </a:lstStyle>
-            <a:p>
-              <a:pPr algn="ctr">
-                <a:lnSpc>
-                  <a:spcPct val="115000"/>
-                </a:lnSpc>
-                <a:spcAft>
-                  <a:spcPts val="1000"/>
-                </a:spcAft>
-              </a:pPr>
-              <a:r>
-                <a:rPr lang="en-US" sz="1200" dirty="0">
-                  <a:solidFill>
-                    <a:schemeClr val="bg1"/>
-                  </a:solidFill>
-                  <a:effectLst/>
-                  <a:latin typeface="Verdana" pitchFamily="34" charset="0"/>
-                  <a:ea typeface="Verdana" pitchFamily="34" charset="0"/>
-                  <a:cs typeface="Verdana" pitchFamily="34" charset="0"/>
-                </a:rPr>
-                <a:t>Payment </a:t>
-              </a:r>
-              <a:r>
-                <a:rPr lang="en-US" sz="1200" dirty="0" smtClean="0">
-                  <a:solidFill>
-                    <a:schemeClr val="bg1"/>
-                  </a:solidFill>
-                  <a:effectLst/>
-                  <a:latin typeface="Verdana" pitchFamily="34" charset="0"/>
-                  <a:ea typeface="Verdana" pitchFamily="34" charset="0"/>
-                  <a:cs typeface="Verdana" pitchFamily="34" charset="0"/>
-                </a:rPr>
-                <a:t>Request</a:t>
-              </a:r>
-              <a:endParaRPr lang="en-US" sz="1200" dirty="0">
-                <a:solidFill>
-                  <a:schemeClr val="bg1"/>
-                </a:solidFill>
-                <a:effectLst/>
-                <a:latin typeface="Verdana" pitchFamily="34" charset="0"/>
-                <a:ea typeface="Verdana" pitchFamily="34" charset="0"/>
-                <a:cs typeface="Verdana" pitchFamily="34" charset="0"/>
-              </a:endParaRPr>
-            </a:p>
-          </p:txBody>
-        </p:sp>
-        <p:sp>
-          <p:nvSpPr>
-            <p:cNvPr id="10" name="Bevel 9"/>
-            <p:cNvSpPr>
-              <a:spLocks/>
-            </p:cNvSpPr>
-            <p:nvPr/>
-          </p:nvSpPr>
-          <p:spPr>
-            <a:xfrm>
-              <a:off x="7020272" y="4553966"/>
-              <a:ext cx="637200" cy="236299"/>
-            </a:xfrm>
-            <a:prstGeom prst="bevel">
-              <a:avLst>
-                <a:gd name="adj" fmla="val 14066"/>
-              </a:avLst>
-            </a:prstGeom>
-            <a:solidFill>
-              <a:sysClr val="window" lastClr="FFFFFF">
-                <a:lumMod val="95000"/>
-              </a:sysClr>
-            </a:solidFill>
-            <a:ln w="6350" cap="flat" cmpd="sng" algn="ctr">
-              <a:solidFill>
-                <a:sysClr val="windowText" lastClr="000000">
-                  <a:lumMod val="50000"/>
-                  <a:lumOff val="50000"/>
-                </a:sysClr>
-              </a:solidFill>
-              <a:prstDash val="solid"/>
-            </a:ln>
-            <a:effectLst/>
-          </p:spPr>
-          <p:txBody>
-            <a:bodyPr rot="0" spcFirstLastPara="0" vert="horz" wrap="square" lIns="0" tIns="0" rIns="0" bIns="0" numCol="1" spcCol="0" rtlCol="0" fromWordArt="0" anchor="ctr" anchorCtr="0" forceAA="0" compatLnSpc="1">
-              <a:prstTxWarp prst="textNoShape">
-                <a:avLst/>
-              </a:prstTxWarp>
-              <a:noAutofit/>
-            </a:bodyPr>
-            <a:lstStyle>
-              <a:defPPr>
-                <a:defRPr lang="en-US"/>
-              </a:defPPr>
-              <a:lvl1pPr marL="0" algn="l" defTabSz="914400" rtl="0" eaLnBrk="1" latinLnBrk="0" hangingPunct="1">
-                <a:defRPr sz="1800" kern="1200">
-                  <a:solidFill>
-                    <a:schemeClr val="tx1"/>
-                  </a:solidFill>
-                  <a:latin typeface="+mn-lt"/>
-                  <a:ea typeface="+mn-ea"/>
-                  <a:cs typeface="+mn-cs"/>
-                </a:defRPr>
-              </a:lvl1pPr>
-              <a:lvl2pPr marL="457200" algn="l" defTabSz="914400" rtl="0" eaLnBrk="1" latinLnBrk="0" hangingPunct="1">
-                <a:defRPr sz="1800" kern="1200">
-                  <a:solidFill>
-                    <a:schemeClr val="tx1"/>
-                  </a:solidFill>
-                  <a:latin typeface="+mn-lt"/>
-                  <a:ea typeface="+mn-ea"/>
-                  <a:cs typeface="+mn-cs"/>
-                </a:defRPr>
-              </a:lvl2pPr>
-              <a:lvl3pPr marL="914400" algn="l" defTabSz="914400" rtl="0" eaLnBrk="1" latinLnBrk="0" hangingPunct="1">
-                <a:defRPr sz="1800" kern="1200">
-                  <a:solidFill>
-                    <a:schemeClr val="tx1"/>
-                  </a:solidFill>
-                  <a:latin typeface="+mn-lt"/>
-                  <a:ea typeface="+mn-ea"/>
-                  <a:cs typeface="+mn-cs"/>
-                </a:defRPr>
-              </a:lvl3pPr>
-              <a:lvl4pPr marL="1371600" algn="l" defTabSz="914400" rtl="0" eaLnBrk="1" latinLnBrk="0" hangingPunct="1">
-                <a:defRPr sz="1800" kern="1200">
-                  <a:solidFill>
-                    <a:schemeClr val="tx1"/>
-                  </a:solidFill>
-                  <a:latin typeface="+mn-lt"/>
-                  <a:ea typeface="+mn-ea"/>
-                  <a:cs typeface="+mn-cs"/>
-                </a:defRPr>
-              </a:lvl4pPr>
-              <a:lvl5pPr marL="1828800" algn="l" defTabSz="914400" rtl="0" eaLnBrk="1" latinLnBrk="0" hangingPunct="1">
-                <a:defRPr sz="1800" kern="1200">
-                  <a:solidFill>
-                    <a:schemeClr val="tx1"/>
-                  </a:solidFill>
-                  <a:latin typeface="+mn-lt"/>
-                  <a:ea typeface="+mn-ea"/>
-                  <a:cs typeface="+mn-cs"/>
-                </a:defRPr>
-              </a:lvl5pPr>
-              <a:lvl6pPr marL="2286000" algn="l" defTabSz="914400" rtl="0" eaLnBrk="1" latinLnBrk="0" hangingPunct="1">
-                <a:defRPr sz="1800" kern="1200">
-                  <a:solidFill>
-                    <a:schemeClr val="tx1"/>
-                  </a:solidFill>
-                  <a:latin typeface="+mn-lt"/>
-                  <a:ea typeface="+mn-ea"/>
-                  <a:cs typeface="+mn-cs"/>
-                </a:defRPr>
-              </a:lvl6pPr>
-              <a:lvl7pPr marL="2743200" algn="l" defTabSz="914400" rtl="0" eaLnBrk="1" latinLnBrk="0" hangingPunct="1">
-                <a:defRPr sz="1800" kern="1200">
-                  <a:solidFill>
-                    <a:schemeClr val="tx1"/>
-                  </a:solidFill>
-                  <a:latin typeface="+mn-lt"/>
-                  <a:ea typeface="+mn-ea"/>
-                  <a:cs typeface="+mn-cs"/>
-                </a:defRPr>
-              </a:lvl7pPr>
-              <a:lvl8pPr marL="3200400" algn="l" defTabSz="914400" rtl="0" eaLnBrk="1" latinLnBrk="0" hangingPunct="1">
-                <a:defRPr sz="1800" kern="1200">
-                  <a:solidFill>
-                    <a:schemeClr val="tx1"/>
-                  </a:solidFill>
-                  <a:latin typeface="+mn-lt"/>
-                  <a:ea typeface="+mn-ea"/>
-                  <a:cs typeface="+mn-cs"/>
-                </a:defRPr>
-              </a:lvl8pPr>
-              <a:lvl9pPr marL="3657600" algn="l" defTabSz="914400" rtl="0" eaLnBrk="1" latinLnBrk="0" hangingPunct="1">
-                <a:defRPr sz="1800" kern="1200">
-                  <a:solidFill>
-                    <a:schemeClr val="tx1"/>
-                  </a:solidFill>
-                  <a:latin typeface="+mn-lt"/>
-                  <a:ea typeface="+mn-ea"/>
-                  <a:cs typeface="+mn-cs"/>
-                </a:defRPr>
-              </a:lvl9pPr>
-            </a:lstStyle>
-            <a:p>
-              <a:pPr algn="ctr">
-                <a:lnSpc>
-                  <a:spcPct val="115000"/>
-                </a:lnSpc>
-                <a:spcAft>
-                  <a:spcPts val="1000"/>
-                </a:spcAft>
-              </a:pPr>
-              <a:r>
-                <a:rPr lang="en-US" sz="1000" dirty="0">
-                  <a:solidFill>
-                    <a:srgbClr val="000000"/>
-                  </a:solidFill>
-                  <a:effectLst/>
-                  <a:latin typeface="Arial"/>
-                  <a:ea typeface="Calibri"/>
-                  <a:cs typeface="Times New Roman"/>
-                </a:rPr>
-                <a:t>OK</a:t>
-              </a:r>
-              <a:endParaRPr lang="en-US" sz="1000" dirty="0">
-                <a:effectLst/>
-                <a:latin typeface="Calibri"/>
-                <a:ea typeface="Calibri"/>
-                <a:cs typeface="Times New Roman"/>
-              </a:endParaRPr>
-            </a:p>
-          </p:txBody>
-        </p:sp>
-        <p:sp>
-          <p:nvSpPr>
-            <p:cNvPr id="12" name="Bevel 11"/>
-            <p:cNvSpPr>
-              <a:spLocks/>
-            </p:cNvSpPr>
-            <p:nvPr/>
-          </p:nvSpPr>
-          <p:spPr>
-            <a:xfrm>
-              <a:off x="5868144" y="4557620"/>
-              <a:ext cx="637287" cy="232645"/>
-            </a:xfrm>
-            <a:prstGeom prst="bevel">
-              <a:avLst>
-                <a:gd name="adj" fmla="val 14066"/>
-              </a:avLst>
-            </a:prstGeom>
-            <a:solidFill>
-              <a:sysClr val="window" lastClr="FFFFFF">
-                <a:lumMod val="95000"/>
-              </a:sysClr>
-            </a:solidFill>
-            <a:ln w="6350" cap="flat" cmpd="sng" algn="ctr">
-              <a:solidFill>
-                <a:sysClr val="windowText" lastClr="000000">
-                  <a:lumMod val="50000"/>
-                  <a:lumOff val="50000"/>
-                </a:sysClr>
-              </a:solidFill>
-              <a:prstDash val="solid"/>
-            </a:ln>
-            <a:effectLst/>
-          </p:spPr>
-          <p:txBody>
-            <a:bodyPr rot="0" spcFirstLastPara="0" vert="horz" wrap="square" lIns="0" tIns="0" rIns="0" bIns="0" numCol="1" spcCol="0" rtlCol="0" fromWordArt="0" anchor="ctr" anchorCtr="0" forceAA="0" compatLnSpc="1">
-              <a:prstTxWarp prst="textNoShape">
-                <a:avLst/>
-              </a:prstTxWarp>
-              <a:noAutofit/>
-            </a:bodyPr>
-            <a:lstStyle>
-              <a:defPPr>
-                <a:defRPr lang="en-US"/>
-              </a:defPPr>
-              <a:lvl1pPr marL="0" algn="l" defTabSz="914400" rtl="0" eaLnBrk="1" latinLnBrk="0" hangingPunct="1">
-                <a:defRPr sz="1800" kern="1200">
-                  <a:solidFill>
-                    <a:schemeClr val="tx1"/>
-                  </a:solidFill>
-                  <a:latin typeface="+mn-lt"/>
-                  <a:ea typeface="+mn-ea"/>
-                  <a:cs typeface="+mn-cs"/>
-                </a:defRPr>
-              </a:lvl1pPr>
-              <a:lvl2pPr marL="457200" algn="l" defTabSz="914400" rtl="0" eaLnBrk="1" latinLnBrk="0" hangingPunct="1">
-                <a:defRPr sz="1800" kern="1200">
-                  <a:solidFill>
-                    <a:schemeClr val="tx1"/>
-                  </a:solidFill>
-                  <a:latin typeface="+mn-lt"/>
-                  <a:ea typeface="+mn-ea"/>
-                  <a:cs typeface="+mn-cs"/>
-                </a:defRPr>
-              </a:lvl2pPr>
-              <a:lvl3pPr marL="914400" algn="l" defTabSz="914400" rtl="0" eaLnBrk="1" latinLnBrk="0" hangingPunct="1">
-                <a:defRPr sz="1800" kern="1200">
-                  <a:solidFill>
-                    <a:schemeClr val="tx1"/>
-                  </a:solidFill>
-                  <a:latin typeface="+mn-lt"/>
-                  <a:ea typeface="+mn-ea"/>
-                  <a:cs typeface="+mn-cs"/>
-                </a:defRPr>
-              </a:lvl3pPr>
-              <a:lvl4pPr marL="1371600" algn="l" defTabSz="914400" rtl="0" eaLnBrk="1" latinLnBrk="0" hangingPunct="1">
-                <a:defRPr sz="1800" kern="1200">
-                  <a:solidFill>
-                    <a:schemeClr val="tx1"/>
-                  </a:solidFill>
-                  <a:latin typeface="+mn-lt"/>
-                  <a:ea typeface="+mn-ea"/>
-                  <a:cs typeface="+mn-cs"/>
-                </a:defRPr>
-              </a:lvl4pPr>
-              <a:lvl5pPr marL="1828800" algn="l" defTabSz="914400" rtl="0" eaLnBrk="1" latinLnBrk="0" hangingPunct="1">
-                <a:defRPr sz="1800" kern="1200">
-                  <a:solidFill>
-                    <a:schemeClr val="tx1"/>
-                  </a:solidFill>
-                  <a:latin typeface="+mn-lt"/>
-                  <a:ea typeface="+mn-ea"/>
-                  <a:cs typeface="+mn-cs"/>
-                </a:defRPr>
-              </a:lvl5pPr>
-              <a:lvl6pPr marL="2286000" algn="l" defTabSz="914400" rtl="0" eaLnBrk="1" latinLnBrk="0" hangingPunct="1">
-                <a:defRPr sz="1800" kern="1200">
-                  <a:solidFill>
-                    <a:schemeClr val="tx1"/>
-                  </a:solidFill>
-                  <a:latin typeface="+mn-lt"/>
-                  <a:ea typeface="+mn-ea"/>
-                  <a:cs typeface="+mn-cs"/>
-                </a:defRPr>
-              </a:lvl6pPr>
-              <a:lvl7pPr marL="2743200" algn="l" defTabSz="914400" rtl="0" eaLnBrk="1" latinLnBrk="0" hangingPunct="1">
-                <a:defRPr sz="1800" kern="1200">
-                  <a:solidFill>
-                    <a:schemeClr val="tx1"/>
-                  </a:solidFill>
-                  <a:latin typeface="+mn-lt"/>
-                  <a:ea typeface="+mn-ea"/>
-                  <a:cs typeface="+mn-cs"/>
-                </a:defRPr>
-              </a:lvl7pPr>
-              <a:lvl8pPr marL="3200400" algn="l" defTabSz="914400" rtl="0" eaLnBrk="1" latinLnBrk="0" hangingPunct="1">
-                <a:defRPr sz="1800" kern="1200">
-                  <a:solidFill>
-                    <a:schemeClr val="tx1"/>
-                  </a:solidFill>
-                  <a:latin typeface="+mn-lt"/>
-                  <a:ea typeface="+mn-ea"/>
-                  <a:cs typeface="+mn-cs"/>
-                </a:defRPr>
-              </a:lvl8pPr>
-              <a:lvl9pPr marL="3657600" algn="l" defTabSz="914400" rtl="0" eaLnBrk="1" latinLnBrk="0" hangingPunct="1">
-                <a:defRPr sz="1800" kern="1200">
-                  <a:solidFill>
-                    <a:schemeClr val="tx1"/>
-                  </a:solidFill>
-                  <a:latin typeface="+mn-lt"/>
-                  <a:ea typeface="+mn-ea"/>
-                  <a:cs typeface="+mn-cs"/>
-                </a:defRPr>
-              </a:lvl9pPr>
-            </a:lstStyle>
-            <a:p>
-              <a:pPr algn="ctr">
-                <a:lnSpc>
-                  <a:spcPct val="115000"/>
-                </a:lnSpc>
-                <a:spcAft>
-                  <a:spcPts val="1000"/>
-                </a:spcAft>
-              </a:pPr>
-              <a:r>
-                <a:rPr lang="en-US" sz="1000" dirty="0">
-                  <a:solidFill>
-                    <a:srgbClr val="000000"/>
-                  </a:solidFill>
-                  <a:effectLst/>
-                  <a:latin typeface="Arial"/>
-                  <a:ea typeface="Calibri"/>
-                  <a:cs typeface="Times New Roman"/>
-                </a:rPr>
-                <a:t>Cancel</a:t>
-              </a:r>
-              <a:endParaRPr lang="en-US" sz="1000" dirty="0">
-                <a:effectLst/>
-                <a:latin typeface="Times New Roman"/>
-                <a:ea typeface="Times New Roman"/>
-              </a:endParaRPr>
-            </a:p>
-          </p:txBody>
-        </p:sp>
-        <p:sp>
-          <p:nvSpPr>
-            <p:cNvPr id="13" name="Text Box 2"/>
-            <p:cNvSpPr txBox="1">
-              <a:spLocks noChangeArrowheads="1"/>
-            </p:cNvSpPr>
-            <p:nvPr/>
-          </p:nvSpPr>
-          <p:spPr bwMode="auto">
-            <a:xfrm>
-              <a:off x="5584743" y="2451506"/>
-              <a:ext cx="791155" cy="262486"/>
-            </a:xfrm>
-            <a:prstGeom prst="rect">
-              <a:avLst/>
-            </a:prstGeom>
-            <a:noFill/>
-            <a:ln w="9525">
-              <a:noFill/>
-              <a:miter lim="800000"/>
-              <a:headEnd/>
-              <a:tailEnd/>
-            </a:ln>
-          </p:spPr>
-          <p:txBody>
-            <a:bodyPr rot="0" vert="horz" wrap="square" lIns="91440" tIns="45720" rIns="91440" bIns="45720" anchor="t" anchorCtr="0">
-              <a:noAutofit/>
-            </a:bodyPr>
-            <a:lstStyle>
-              <a:defPPr>
-                <a:defRPr lang="en-US"/>
-              </a:defPPr>
-              <a:lvl1pPr marL="0" algn="l" defTabSz="914400" rtl="0" eaLnBrk="1" latinLnBrk="0" hangingPunct="1">
-                <a:defRPr sz="1800" kern="1200">
-                  <a:solidFill>
-                    <a:schemeClr val="tx1"/>
-                  </a:solidFill>
-                  <a:latin typeface="+mn-lt"/>
-                  <a:ea typeface="+mn-ea"/>
-                  <a:cs typeface="+mn-cs"/>
-                </a:defRPr>
-              </a:lvl1pPr>
-              <a:lvl2pPr marL="457200" algn="l" defTabSz="914400" rtl="0" eaLnBrk="1" latinLnBrk="0" hangingPunct="1">
-                <a:defRPr sz="1800" kern="1200">
-                  <a:solidFill>
-                    <a:schemeClr val="tx1"/>
-                  </a:solidFill>
-                  <a:latin typeface="+mn-lt"/>
-                  <a:ea typeface="+mn-ea"/>
-                  <a:cs typeface="+mn-cs"/>
-                </a:defRPr>
-              </a:lvl2pPr>
-              <a:lvl3pPr marL="914400" algn="l" defTabSz="914400" rtl="0" eaLnBrk="1" latinLnBrk="0" hangingPunct="1">
-                <a:defRPr sz="1800" kern="1200">
-                  <a:solidFill>
-                    <a:schemeClr val="tx1"/>
-                  </a:solidFill>
-                  <a:latin typeface="+mn-lt"/>
-                  <a:ea typeface="+mn-ea"/>
-                  <a:cs typeface="+mn-cs"/>
-                </a:defRPr>
-              </a:lvl3pPr>
-              <a:lvl4pPr marL="1371600" algn="l" defTabSz="914400" rtl="0" eaLnBrk="1" latinLnBrk="0" hangingPunct="1">
-                <a:defRPr sz="1800" kern="1200">
-                  <a:solidFill>
-                    <a:schemeClr val="tx1"/>
-                  </a:solidFill>
-                  <a:latin typeface="+mn-lt"/>
-                  <a:ea typeface="+mn-ea"/>
-                  <a:cs typeface="+mn-cs"/>
-                </a:defRPr>
-              </a:lvl4pPr>
-              <a:lvl5pPr marL="1828800" algn="l" defTabSz="914400" rtl="0" eaLnBrk="1" latinLnBrk="0" hangingPunct="1">
-                <a:defRPr sz="1800" kern="1200">
-                  <a:solidFill>
-                    <a:schemeClr val="tx1"/>
-                  </a:solidFill>
-                  <a:latin typeface="+mn-lt"/>
-                  <a:ea typeface="+mn-ea"/>
-                  <a:cs typeface="+mn-cs"/>
-                </a:defRPr>
-              </a:lvl5pPr>
-              <a:lvl6pPr marL="2286000" algn="l" defTabSz="914400" rtl="0" eaLnBrk="1" latinLnBrk="0" hangingPunct="1">
-                <a:defRPr sz="1800" kern="1200">
-                  <a:solidFill>
-                    <a:schemeClr val="tx1"/>
-                  </a:solidFill>
-                  <a:latin typeface="+mn-lt"/>
-                  <a:ea typeface="+mn-ea"/>
-                  <a:cs typeface="+mn-cs"/>
-                </a:defRPr>
-              </a:lvl6pPr>
-              <a:lvl7pPr marL="2743200" algn="l" defTabSz="914400" rtl="0" eaLnBrk="1" latinLnBrk="0" hangingPunct="1">
-                <a:defRPr sz="1800" kern="1200">
-                  <a:solidFill>
-                    <a:schemeClr val="tx1"/>
-                  </a:solidFill>
-                  <a:latin typeface="+mn-lt"/>
-                  <a:ea typeface="+mn-ea"/>
-                  <a:cs typeface="+mn-cs"/>
-                </a:defRPr>
-              </a:lvl7pPr>
-              <a:lvl8pPr marL="3200400" algn="l" defTabSz="914400" rtl="0" eaLnBrk="1" latinLnBrk="0" hangingPunct="1">
-                <a:defRPr sz="1800" kern="1200">
-                  <a:solidFill>
-                    <a:schemeClr val="tx1"/>
-                  </a:solidFill>
-                  <a:latin typeface="+mn-lt"/>
-                  <a:ea typeface="+mn-ea"/>
-                  <a:cs typeface="+mn-cs"/>
-                </a:defRPr>
-              </a:lvl8pPr>
-              <a:lvl9pPr marL="3657600" algn="l" defTabSz="914400" rtl="0" eaLnBrk="1" latinLnBrk="0" hangingPunct="1">
-                <a:defRPr sz="1800" kern="1200">
-                  <a:solidFill>
-                    <a:schemeClr val="tx1"/>
-                  </a:solidFill>
-                  <a:latin typeface="+mn-lt"/>
-                  <a:ea typeface="+mn-ea"/>
-                  <a:cs typeface="+mn-cs"/>
-                </a:defRPr>
-              </a:lvl9pPr>
-            </a:lstStyle>
-            <a:p>
-              <a:pPr algn="r">
-                <a:lnSpc>
-                  <a:spcPct val="115000"/>
-                </a:lnSpc>
-                <a:spcAft>
-                  <a:spcPts val="1000"/>
-                </a:spcAft>
-              </a:pPr>
-              <a:r>
-                <a:rPr lang="en-US" sz="1000" dirty="0">
-                  <a:effectLst/>
-                  <a:latin typeface="Arial"/>
-                  <a:ea typeface="Calibri"/>
-                  <a:cs typeface="Times New Roman"/>
-                </a:rPr>
-                <a:t>Payee</a:t>
-              </a:r>
-              <a:endParaRPr lang="en-US" sz="1000" dirty="0">
-                <a:effectLst/>
-                <a:latin typeface="Times New Roman"/>
-                <a:ea typeface="Times New Roman"/>
-              </a:endParaRPr>
-            </a:p>
-          </p:txBody>
-        </p:sp>
-        <p:sp>
-          <p:nvSpPr>
-            <p:cNvPr id="14" name="Text Box 2"/>
-            <p:cNvSpPr txBox="1">
-              <a:spLocks noChangeArrowheads="1"/>
-            </p:cNvSpPr>
-            <p:nvPr/>
-          </p:nvSpPr>
-          <p:spPr bwMode="auto">
-            <a:xfrm>
-              <a:off x="5508104" y="2806474"/>
-              <a:ext cx="871921" cy="262486"/>
-            </a:xfrm>
-            <a:prstGeom prst="rect">
-              <a:avLst/>
-            </a:prstGeom>
-            <a:noFill/>
-            <a:ln w="9525">
-              <a:noFill/>
-              <a:miter lim="800000"/>
-              <a:headEnd/>
-              <a:tailEnd/>
-            </a:ln>
-          </p:spPr>
-          <p:txBody>
-            <a:bodyPr rot="0" vert="horz" wrap="square" lIns="91440" tIns="45720" rIns="91440" bIns="45720" anchor="t" anchorCtr="0">
-              <a:noAutofit/>
-            </a:bodyPr>
-            <a:lstStyle>
-              <a:defPPr>
-                <a:defRPr lang="en-US"/>
-              </a:defPPr>
-              <a:lvl1pPr marL="0" algn="l" defTabSz="914400" rtl="0" eaLnBrk="1" latinLnBrk="0" hangingPunct="1">
-                <a:defRPr sz="1800" kern="1200">
-                  <a:solidFill>
-                    <a:schemeClr val="tx1"/>
-                  </a:solidFill>
-                  <a:latin typeface="+mn-lt"/>
-                  <a:ea typeface="+mn-ea"/>
-                  <a:cs typeface="+mn-cs"/>
-                </a:defRPr>
-              </a:lvl1pPr>
-              <a:lvl2pPr marL="457200" algn="l" defTabSz="914400" rtl="0" eaLnBrk="1" latinLnBrk="0" hangingPunct="1">
-                <a:defRPr sz="1800" kern="1200">
-                  <a:solidFill>
-                    <a:schemeClr val="tx1"/>
-                  </a:solidFill>
-                  <a:latin typeface="+mn-lt"/>
-                  <a:ea typeface="+mn-ea"/>
-                  <a:cs typeface="+mn-cs"/>
-                </a:defRPr>
-              </a:lvl2pPr>
-              <a:lvl3pPr marL="914400" algn="l" defTabSz="914400" rtl="0" eaLnBrk="1" latinLnBrk="0" hangingPunct="1">
-                <a:defRPr sz="1800" kern="1200">
-                  <a:solidFill>
-                    <a:schemeClr val="tx1"/>
-                  </a:solidFill>
-                  <a:latin typeface="+mn-lt"/>
-                  <a:ea typeface="+mn-ea"/>
-                  <a:cs typeface="+mn-cs"/>
-                </a:defRPr>
-              </a:lvl3pPr>
-              <a:lvl4pPr marL="1371600" algn="l" defTabSz="914400" rtl="0" eaLnBrk="1" latinLnBrk="0" hangingPunct="1">
-                <a:defRPr sz="1800" kern="1200">
-                  <a:solidFill>
-                    <a:schemeClr val="tx1"/>
-                  </a:solidFill>
-                  <a:latin typeface="+mn-lt"/>
-                  <a:ea typeface="+mn-ea"/>
-                  <a:cs typeface="+mn-cs"/>
-                </a:defRPr>
-              </a:lvl4pPr>
-              <a:lvl5pPr marL="1828800" algn="l" defTabSz="914400" rtl="0" eaLnBrk="1" latinLnBrk="0" hangingPunct="1">
-                <a:defRPr sz="1800" kern="1200">
-                  <a:solidFill>
-                    <a:schemeClr val="tx1"/>
-                  </a:solidFill>
-                  <a:latin typeface="+mn-lt"/>
-                  <a:ea typeface="+mn-ea"/>
-                  <a:cs typeface="+mn-cs"/>
-                </a:defRPr>
-              </a:lvl5pPr>
-              <a:lvl6pPr marL="2286000" algn="l" defTabSz="914400" rtl="0" eaLnBrk="1" latinLnBrk="0" hangingPunct="1">
-                <a:defRPr sz="1800" kern="1200">
-                  <a:solidFill>
-                    <a:schemeClr val="tx1"/>
-                  </a:solidFill>
-                  <a:latin typeface="+mn-lt"/>
-                  <a:ea typeface="+mn-ea"/>
-                  <a:cs typeface="+mn-cs"/>
-                </a:defRPr>
-              </a:lvl6pPr>
-              <a:lvl7pPr marL="2743200" algn="l" defTabSz="914400" rtl="0" eaLnBrk="1" latinLnBrk="0" hangingPunct="1">
-                <a:defRPr sz="1800" kern="1200">
-                  <a:solidFill>
-                    <a:schemeClr val="tx1"/>
-                  </a:solidFill>
-                  <a:latin typeface="+mn-lt"/>
-                  <a:ea typeface="+mn-ea"/>
-                  <a:cs typeface="+mn-cs"/>
-                </a:defRPr>
-              </a:lvl7pPr>
-              <a:lvl8pPr marL="3200400" algn="l" defTabSz="914400" rtl="0" eaLnBrk="1" latinLnBrk="0" hangingPunct="1">
-                <a:defRPr sz="1800" kern="1200">
-                  <a:solidFill>
-                    <a:schemeClr val="tx1"/>
-                  </a:solidFill>
-                  <a:latin typeface="+mn-lt"/>
-                  <a:ea typeface="+mn-ea"/>
-                  <a:cs typeface="+mn-cs"/>
-                </a:defRPr>
-              </a:lvl8pPr>
-              <a:lvl9pPr marL="3657600" algn="l" defTabSz="914400" rtl="0" eaLnBrk="1" latinLnBrk="0" hangingPunct="1">
-                <a:defRPr sz="1800" kern="1200">
-                  <a:solidFill>
-                    <a:schemeClr val="tx1"/>
-                  </a:solidFill>
-                  <a:latin typeface="+mn-lt"/>
-                  <a:ea typeface="+mn-ea"/>
-                  <a:cs typeface="+mn-cs"/>
-                </a:defRPr>
-              </a:lvl9pPr>
-            </a:lstStyle>
-            <a:p>
-              <a:pPr algn="r">
-                <a:lnSpc>
-                  <a:spcPct val="115000"/>
-                </a:lnSpc>
-                <a:spcAft>
-                  <a:spcPts val="1000"/>
-                </a:spcAft>
-              </a:pPr>
-              <a:r>
-                <a:rPr lang="en-US" sz="1000" dirty="0">
-                  <a:effectLst/>
-                  <a:latin typeface="Arial"/>
-                  <a:ea typeface="Calibri"/>
-                  <a:cs typeface="Times New Roman"/>
-                </a:rPr>
-                <a:t>Amount</a:t>
-              </a:r>
-              <a:endParaRPr lang="en-US" sz="1000" dirty="0">
-                <a:effectLst/>
-                <a:latin typeface="Times New Roman"/>
-                <a:ea typeface="Times New Roman"/>
-              </a:endParaRPr>
-            </a:p>
-          </p:txBody>
-        </p:sp>
-        <p:sp>
-          <p:nvSpPr>
-            <p:cNvPr id="15" name="Text Box 2"/>
-            <p:cNvSpPr txBox="1">
-              <a:spLocks noChangeArrowheads="1"/>
-            </p:cNvSpPr>
-            <p:nvPr/>
-          </p:nvSpPr>
-          <p:spPr bwMode="auto">
-            <a:xfrm>
-              <a:off x="6350300" y="2492919"/>
-              <a:ext cx="1272804" cy="198000"/>
-            </a:xfrm>
-            <a:prstGeom prst="rect">
-              <a:avLst/>
-            </a:prstGeom>
-            <a:solidFill>
-              <a:schemeClr val="bg1">
-                <a:lumMod val="95000"/>
-              </a:schemeClr>
-            </a:solidFill>
-            <a:ln w="6350">
-              <a:solidFill>
-                <a:sysClr val="window" lastClr="FFFFFF">
-                  <a:lumMod val="65000"/>
-                </a:sysClr>
-              </a:solidFill>
-              <a:miter lim="800000"/>
-              <a:headEnd/>
-              <a:tailEnd/>
-            </a:ln>
-          </p:spPr>
-          <p:txBody>
-            <a:bodyPr rot="0" vert="horz" wrap="square" lIns="45720" tIns="0" rIns="0" bIns="10800" anchor="ctr" anchorCtr="0">
-              <a:noAutofit/>
-            </a:bodyPr>
-            <a:lstStyle>
-              <a:defPPr>
-                <a:defRPr lang="en-US"/>
-              </a:defPPr>
-              <a:lvl1pPr marL="0" algn="l" defTabSz="914400" rtl="0" eaLnBrk="1" latinLnBrk="0" hangingPunct="1">
-                <a:defRPr sz="1800" kern="1200">
-                  <a:solidFill>
-                    <a:schemeClr val="tx1"/>
-                  </a:solidFill>
-                  <a:latin typeface="+mn-lt"/>
-                  <a:ea typeface="+mn-ea"/>
-                  <a:cs typeface="+mn-cs"/>
-                </a:defRPr>
-              </a:lvl1pPr>
-              <a:lvl2pPr marL="457200" algn="l" defTabSz="914400" rtl="0" eaLnBrk="1" latinLnBrk="0" hangingPunct="1">
-                <a:defRPr sz="1800" kern="1200">
-                  <a:solidFill>
-                    <a:schemeClr val="tx1"/>
-                  </a:solidFill>
-                  <a:latin typeface="+mn-lt"/>
-                  <a:ea typeface="+mn-ea"/>
-                  <a:cs typeface="+mn-cs"/>
-                </a:defRPr>
-              </a:lvl2pPr>
-              <a:lvl3pPr marL="914400" algn="l" defTabSz="914400" rtl="0" eaLnBrk="1" latinLnBrk="0" hangingPunct="1">
-                <a:defRPr sz="1800" kern="1200">
-                  <a:solidFill>
-                    <a:schemeClr val="tx1"/>
-                  </a:solidFill>
-                  <a:latin typeface="+mn-lt"/>
-                  <a:ea typeface="+mn-ea"/>
-                  <a:cs typeface="+mn-cs"/>
-                </a:defRPr>
-              </a:lvl3pPr>
-              <a:lvl4pPr marL="1371600" algn="l" defTabSz="914400" rtl="0" eaLnBrk="1" latinLnBrk="0" hangingPunct="1">
-                <a:defRPr sz="1800" kern="1200">
-                  <a:solidFill>
-                    <a:schemeClr val="tx1"/>
-                  </a:solidFill>
-                  <a:latin typeface="+mn-lt"/>
-                  <a:ea typeface="+mn-ea"/>
-                  <a:cs typeface="+mn-cs"/>
-                </a:defRPr>
-              </a:lvl4pPr>
-              <a:lvl5pPr marL="1828800" algn="l" defTabSz="914400" rtl="0" eaLnBrk="1" latinLnBrk="0" hangingPunct="1">
-                <a:defRPr sz="1800" kern="1200">
-                  <a:solidFill>
-                    <a:schemeClr val="tx1"/>
-                  </a:solidFill>
-                  <a:latin typeface="+mn-lt"/>
-                  <a:ea typeface="+mn-ea"/>
-                  <a:cs typeface="+mn-cs"/>
-                </a:defRPr>
-              </a:lvl5pPr>
-              <a:lvl6pPr marL="2286000" algn="l" defTabSz="914400" rtl="0" eaLnBrk="1" latinLnBrk="0" hangingPunct="1">
-                <a:defRPr sz="1800" kern="1200">
-                  <a:solidFill>
-                    <a:schemeClr val="tx1"/>
-                  </a:solidFill>
-                  <a:latin typeface="+mn-lt"/>
-                  <a:ea typeface="+mn-ea"/>
-                  <a:cs typeface="+mn-cs"/>
-                </a:defRPr>
-              </a:lvl6pPr>
-              <a:lvl7pPr marL="2743200" algn="l" defTabSz="914400" rtl="0" eaLnBrk="1" latinLnBrk="0" hangingPunct="1">
-                <a:defRPr sz="1800" kern="1200">
-                  <a:solidFill>
-                    <a:schemeClr val="tx1"/>
-                  </a:solidFill>
-                  <a:latin typeface="+mn-lt"/>
-                  <a:ea typeface="+mn-ea"/>
-                  <a:cs typeface="+mn-cs"/>
-                </a:defRPr>
-              </a:lvl7pPr>
-              <a:lvl8pPr marL="3200400" algn="l" defTabSz="914400" rtl="0" eaLnBrk="1" latinLnBrk="0" hangingPunct="1">
-                <a:defRPr sz="1800" kern="1200">
-                  <a:solidFill>
-                    <a:schemeClr val="tx1"/>
-                  </a:solidFill>
-                  <a:latin typeface="+mn-lt"/>
-                  <a:ea typeface="+mn-ea"/>
-                  <a:cs typeface="+mn-cs"/>
-                </a:defRPr>
-              </a:lvl8pPr>
-              <a:lvl9pPr marL="3657600" algn="l" defTabSz="914400" rtl="0" eaLnBrk="1" latinLnBrk="0" hangingPunct="1">
-                <a:defRPr sz="1800" kern="1200">
-                  <a:solidFill>
-                    <a:schemeClr val="tx1"/>
-                  </a:solidFill>
-                  <a:latin typeface="+mn-lt"/>
-                  <a:ea typeface="+mn-ea"/>
-                  <a:cs typeface="+mn-cs"/>
-                </a:defRPr>
-              </a:lvl9pPr>
-            </a:lstStyle>
-            <a:p>
-              <a:pPr>
-                <a:lnSpc>
-                  <a:spcPct val="115000"/>
-                </a:lnSpc>
-                <a:spcAft>
-                  <a:spcPts val="1000"/>
-                </a:spcAft>
-              </a:pPr>
-              <a:r>
-                <a:rPr lang="en-US" sz="1000" dirty="0" smtClean="0">
-                  <a:latin typeface="Arial"/>
-                  <a:ea typeface="Calibri"/>
-                  <a:cs typeface="Times New Roman"/>
-                </a:rPr>
-                <a:t>Demo Merchant</a:t>
-              </a:r>
-              <a:endParaRPr lang="en-US" sz="1000" dirty="0">
-                <a:effectLst/>
-                <a:latin typeface="Times New Roman"/>
-                <a:ea typeface="Times New Roman"/>
-              </a:endParaRPr>
-            </a:p>
-          </p:txBody>
-        </p:sp>
-        <p:sp>
-          <p:nvSpPr>
-            <p:cNvPr id="16" name="Text Box 2"/>
-            <p:cNvSpPr txBox="1">
-              <a:spLocks noChangeArrowheads="1"/>
-            </p:cNvSpPr>
-            <p:nvPr/>
-          </p:nvSpPr>
-          <p:spPr bwMode="auto">
-            <a:xfrm>
-              <a:off x="6350300" y="2825928"/>
-              <a:ext cx="1278073" cy="247760"/>
-            </a:xfrm>
-            <a:prstGeom prst="rect">
-              <a:avLst/>
-            </a:prstGeom>
-            <a:solidFill>
-              <a:schemeClr val="bg1">
-                <a:lumMod val="95000"/>
-              </a:schemeClr>
-            </a:solidFill>
-            <a:ln w="6350">
-              <a:solidFill>
-                <a:sysClr val="window" lastClr="FFFFFF">
-                  <a:lumMod val="65000"/>
-                </a:sysClr>
-              </a:solidFill>
-              <a:miter lim="800000"/>
-              <a:headEnd/>
-              <a:tailEnd/>
-            </a:ln>
-          </p:spPr>
-          <p:txBody>
-            <a:bodyPr rot="0" vert="horz" wrap="square" lIns="36000" tIns="0" rIns="36000" bIns="0" anchor="ctr" anchorCtr="0">
-              <a:spAutoFit/>
-            </a:bodyPr>
-            <a:lstStyle>
-              <a:defPPr>
-                <a:defRPr lang="en-US"/>
-              </a:defPPr>
-              <a:lvl1pPr marL="0" algn="l" defTabSz="914400" rtl="0" eaLnBrk="1" latinLnBrk="0" hangingPunct="1">
-                <a:defRPr sz="1800" kern="1200">
-                  <a:solidFill>
-                    <a:schemeClr val="tx1"/>
-                  </a:solidFill>
-                  <a:latin typeface="+mn-lt"/>
-                  <a:ea typeface="+mn-ea"/>
-                  <a:cs typeface="+mn-cs"/>
-                </a:defRPr>
-              </a:lvl1pPr>
-              <a:lvl2pPr marL="457200" algn="l" defTabSz="914400" rtl="0" eaLnBrk="1" latinLnBrk="0" hangingPunct="1">
-                <a:defRPr sz="1800" kern="1200">
-                  <a:solidFill>
-                    <a:schemeClr val="tx1"/>
-                  </a:solidFill>
-                  <a:latin typeface="+mn-lt"/>
-                  <a:ea typeface="+mn-ea"/>
-                  <a:cs typeface="+mn-cs"/>
-                </a:defRPr>
-              </a:lvl2pPr>
-              <a:lvl3pPr marL="914400" algn="l" defTabSz="914400" rtl="0" eaLnBrk="1" latinLnBrk="0" hangingPunct="1">
-                <a:defRPr sz="1800" kern="1200">
-                  <a:solidFill>
-                    <a:schemeClr val="tx1"/>
-                  </a:solidFill>
-                  <a:latin typeface="+mn-lt"/>
-                  <a:ea typeface="+mn-ea"/>
-                  <a:cs typeface="+mn-cs"/>
-                </a:defRPr>
-              </a:lvl3pPr>
-              <a:lvl4pPr marL="1371600" algn="l" defTabSz="914400" rtl="0" eaLnBrk="1" latinLnBrk="0" hangingPunct="1">
-                <a:defRPr sz="1800" kern="1200">
-                  <a:solidFill>
-                    <a:schemeClr val="tx1"/>
-                  </a:solidFill>
-                  <a:latin typeface="+mn-lt"/>
-                  <a:ea typeface="+mn-ea"/>
-                  <a:cs typeface="+mn-cs"/>
-                </a:defRPr>
-              </a:lvl4pPr>
-              <a:lvl5pPr marL="1828800" algn="l" defTabSz="914400" rtl="0" eaLnBrk="1" latinLnBrk="0" hangingPunct="1">
-                <a:defRPr sz="1800" kern="1200">
-                  <a:solidFill>
-                    <a:schemeClr val="tx1"/>
-                  </a:solidFill>
-                  <a:latin typeface="+mn-lt"/>
-                  <a:ea typeface="+mn-ea"/>
-                  <a:cs typeface="+mn-cs"/>
-                </a:defRPr>
-              </a:lvl5pPr>
-              <a:lvl6pPr marL="2286000" algn="l" defTabSz="914400" rtl="0" eaLnBrk="1" latinLnBrk="0" hangingPunct="1">
-                <a:defRPr sz="1800" kern="1200">
-                  <a:solidFill>
-                    <a:schemeClr val="tx1"/>
-                  </a:solidFill>
-                  <a:latin typeface="+mn-lt"/>
-                  <a:ea typeface="+mn-ea"/>
-                  <a:cs typeface="+mn-cs"/>
-                </a:defRPr>
-              </a:lvl6pPr>
-              <a:lvl7pPr marL="2743200" algn="l" defTabSz="914400" rtl="0" eaLnBrk="1" latinLnBrk="0" hangingPunct="1">
-                <a:defRPr sz="1800" kern="1200">
-                  <a:solidFill>
-                    <a:schemeClr val="tx1"/>
-                  </a:solidFill>
-                  <a:latin typeface="+mn-lt"/>
-                  <a:ea typeface="+mn-ea"/>
-                  <a:cs typeface="+mn-cs"/>
-                </a:defRPr>
-              </a:lvl7pPr>
-              <a:lvl8pPr marL="3200400" algn="l" defTabSz="914400" rtl="0" eaLnBrk="1" latinLnBrk="0" hangingPunct="1">
-                <a:defRPr sz="1800" kern="1200">
-                  <a:solidFill>
-                    <a:schemeClr val="tx1"/>
-                  </a:solidFill>
-                  <a:latin typeface="+mn-lt"/>
-                  <a:ea typeface="+mn-ea"/>
-                  <a:cs typeface="+mn-cs"/>
-                </a:defRPr>
-              </a:lvl8pPr>
-              <a:lvl9pPr marL="3657600" algn="l" defTabSz="914400" rtl="0" eaLnBrk="1" latinLnBrk="0" hangingPunct="1">
-                <a:defRPr sz="1800" kern="1200">
-                  <a:solidFill>
-                    <a:schemeClr val="tx1"/>
-                  </a:solidFill>
-                  <a:latin typeface="+mn-lt"/>
-                  <a:ea typeface="+mn-ea"/>
-                  <a:cs typeface="+mn-cs"/>
-                </a:defRPr>
-              </a:lvl9pPr>
-            </a:lstStyle>
-            <a:p>
-              <a:pPr>
-                <a:lnSpc>
-                  <a:spcPct val="115000"/>
-                </a:lnSpc>
-                <a:spcAft>
-                  <a:spcPts val="1000"/>
-                </a:spcAft>
-              </a:pPr>
-              <a:r>
-                <a:rPr lang="en-US" sz="1400" dirty="0">
-                  <a:effectLst/>
-                  <a:latin typeface="Arial"/>
-                  <a:ea typeface="Calibri"/>
-                  <a:cs typeface="Times New Roman"/>
-                </a:rPr>
-                <a:t>$275.00</a:t>
-              </a:r>
-              <a:endParaRPr lang="en-US" sz="1400" dirty="0">
-                <a:effectLst/>
-                <a:latin typeface="Times New Roman"/>
-                <a:ea typeface="Times New Roman"/>
-              </a:endParaRPr>
-            </a:p>
-          </p:txBody>
-        </p:sp>
-        <p:sp>
-          <p:nvSpPr>
-            <p:cNvPr id="17" name="Text Box 2"/>
-            <p:cNvSpPr txBox="1">
-              <a:spLocks noChangeArrowheads="1"/>
-            </p:cNvSpPr>
-            <p:nvPr/>
-          </p:nvSpPr>
-          <p:spPr bwMode="auto">
-            <a:xfrm>
-              <a:off x="5456151" y="4077072"/>
-              <a:ext cx="871921" cy="262486"/>
-            </a:xfrm>
-            <a:prstGeom prst="rect">
-              <a:avLst/>
-            </a:prstGeom>
-            <a:noFill/>
-            <a:ln w="9525">
-              <a:noFill/>
-              <a:miter lim="800000"/>
-              <a:headEnd/>
-              <a:tailEnd/>
-            </a:ln>
-          </p:spPr>
-          <p:txBody>
-            <a:bodyPr rot="0" vert="horz" wrap="square" lIns="91440" tIns="45720" rIns="91440" bIns="45720" anchor="t" anchorCtr="0">
-              <a:noAutofit/>
-            </a:bodyPr>
-            <a:lstStyle>
-              <a:defPPr>
-                <a:defRPr lang="en-US"/>
-              </a:defPPr>
-              <a:lvl1pPr marL="0" algn="l" defTabSz="914400" rtl="0" eaLnBrk="1" latinLnBrk="0" hangingPunct="1">
-                <a:defRPr sz="1800" kern="1200">
-                  <a:solidFill>
-                    <a:schemeClr val="tx1"/>
-                  </a:solidFill>
-                  <a:latin typeface="+mn-lt"/>
-                  <a:ea typeface="+mn-ea"/>
-                  <a:cs typeface="+mn-cs"/>
-                </a:defRPr>
-              </a:lvl1pPr>
-              <a:lvl2pPr marL="457200" algn="l" defTabSz="914400" rtl="0" eaLnBrk="1" latinLnBrk="0" hangingPunct="1">
-                <a:defRPr sz="1800" kern="1200">
-                  <a:solidFill>
-                    <a:schemeClr val="tx1"/>
-                  </a:solidFill>
-                  <a:latin typeface="+mn-lt"/>
-                  <a:ea typeface="+mn-ea"/>
-                  <a:cs typeface="+mn-cs"/>
-                </a:defRPr>
-              </a:lvl2pPr>
-              <a:lvl3pPr marL="914400" algn="l" defTabSz="914400" rtl="0" eaLnBrk="1" latinLnBrk="0" hangingPunct="1">
-                <a:defRPr sz="1800" kern="1200">
-                  <a:solidFill>
-                    <a:schemeClr val="tx1"/>
-                  </a:solidFill>
-                  <a:latin typeface="+mn-lt"/>
-                  <a:ea typeface="+mn-ea"/>
-                  <a:cs typeface="+mn-cs"/>
-                </a:defRPr>
-              </a:lvl3pPr>
-              <a:lvl4pPr marL="1371600" algn="l" defTabSz="914400" rtl="0" eaLnBrk="1" latinLnBrk="0" hangingPunct="1">
-                <a:defRPr sz="1800" kern="1200">
-                  <a:solidFill>
-                    <a:schemeClr val="tx1"/>
-                  </a:solidFill>
-                  <a:latin typeface="+mn-lt"/>
-                  <a:ea typeface="+mn-ea"/>
-                  <a:cs typeface="+mn-cs"/>
-                </a:defRPr>
-              </a:lvl4pPr>
-              <a:lvl5pPr marL="1828800" algn="l" defTabSz="914400" rtl="0" eaLnBrk="1" latinLnBrk="0" hangingPunct="1">
-                <a:defRPr sz="1800" kern="1200">
-                  <a:solidFill>
-                    <a:schemeClr val="tx1"/>
-                  </a:solidFill>
-                  <a:latin typeface="+mn-lt"/>
-                  <a:ea typeface="+mn-ea"/>
-                  <a:cs typeface="+mn-cs"/>
-                </a:defRPr>
-              </a:lvl5pPr>
-              <a:lvl6pPr marL="2286000" algn="l" defTabSz="914400" rtl="0" eaLnBrk="1" latinLnBrk="0" hangingPunct="1">
-                <a:defRPr sz="1800" kern="1200">
-                  <a:solidFill>
-                    <a:schemeClr val="tx1"/>
-                  </a:solidFill>
-                  <a:latin typeface="+mn-lt"/>
-                  <a:ea typeface="+mn-ea"/>
-                  <a:cs typeface="+mn-cs"/>
-                </a:defRPr>
-              </a:lvl6pPr>
-              <a:lvl7pPr marL="2743200" algn="l" defTabSz="914400" rtl="0" eaLnBrk="1" latinLnBrk="0" hangingPunct="1">
-                <a:defRPr sz="1800" kern="1200">
-                  <a:solidFill>
-                    <a:schemeClr val="tx1"/>
-                  </a:solidFill>
-                  <a:latin typeface="+mn-lt"/>
-                  <a:ea typeface="+mn-ea"/>
-                  <a:cs typeface="+mn-cs"/>
-                </a:defRPr>
-              </a:lvl7pPr>
-              <a:lvl8pPr marL="3200400" algn="l" defTabSz="914400" rtl="0" eaLnBrk="1" latinLnBrk="0" hangingPunct="1">
-                <a:defRPr sz="1800" kern="1200">
-                  <a:solidFill>
-                    <a:schemeClr val="tx1"/>
-                  </a:solidFill>
-                  <a:latin typeface="+mn-lt"/>
-                  <a:ea typeface="+mn-ea"/>
-                  <a:cs typeface="+mn-cs"/>
-                </a:defRPr>
-              </a:lvl8pPr>
-              <a:lvl9pPr marL="3657600" algn="l" defTabSz="914400" rtl="0" eaLnBrk="1" latinLnBrk="0" hangingPunct="1">
-                <a:defRPr sz="1800" kern="1200">
-                  <a:solidFill>
-                    <a:schemeClr val="tx1"/>
-                  </a:solidFill>
-                  <a:latin typeface="+mn-lt"/>
-                  <a:ea typeface="+mn-ea"/>
-                  <a:cs typeface="+mn-cs"/>
-                </a:defRPr>
-              </a:lvl9pPr>
-            </a:lstStyle>
-            <a:p>
-              <a:pPr algn="r">
-                <a:lnSpc>
-                  <a:spcPct val="115000"/>
-                </a:lnSpc>
-                <a:spcAft>
-                  <a:spcPts val="1000"/>
-                </a:spcAft>
-              </a:pPr>
-              <a:r>
-                <a:rPr lang="en-US" sz="1000" dirty="0">
-                  <a:effectLst/>
-                  <a:latin typeface="Arial"/>
-                  <a:ea typeface="Calibri"/>
-                  <a:cs typeface="Times New Roman"/>
-                </a:rPr>
-                <a:t>PIN</a:t>
-              </a:r>
-              <a:endParaRPr lang="en-US" sz="1000" dirty="0">
-                <a:effectLst/>
-                <a:latin typeface="Times New Roman"/>
-                <a:ea typeface="Times New Roman"/>
-              </a:endParaRPr>
-            </a:p>
-          </p:txBody>
-        </p:sp>
-        <p:sp>
-          <p:nvSpPr>
-            <p:cNvPr id="18" name="Text Box 2"/>
-            <p:cNvSpPr txBox="1">
-              <a:spLocks noChangeArrowheads="1"/>
-            </p:cNvSpPr>
-            <p:nvPr/>
-          </p:nvSpPr>
-          <p:spPr bwMode="auto">
-            <a:xfrm>
-              <a:off x="6294810" y="4112394"/>
-              <a:ext cx="941486" cy="198000"/>
-            </a:xfrm>
-            <a:prstGeom prst="rect">
-              <a:avLst/>
-            </a:prstGeom>
-            <a:solidFill>
-              <a:sysClr val="window" lastClr="FFFFFF"/>
-            </a:solidFill>
-            <a:ln w="6350">
-              <a:solidFill>
-                <a:sysClr val="window" lastClr="FFFFFF">
-                  <a:lumMod val="65000"/>
-                </a:sysClr>
-              </a:solidFill>
-              <a:miter lim="800000"/>
-              <a:headEnd/>
-              <a:tailEnd/>
-            </a:ln>
-          </p:spPr>
-          <p:txBody>
-            <a:bodyPr rot="0" vert="horz" wrap="none" lIns="45720" tIns="21600" rIns="91440" bIns="0" anchor="t" anchorCtr="0">
-              <a:noAutofit/>
-            </a:bodyPr>
-            <a:lstStyle>
-              <a:defPPr>
-                <a:defRPr lang="en-US"/>
-              </a:defPPr>
-              <a:lvl1pPr marL="0" algn="l" defTabSz="914400" rtl="0" eaLnBrk="1" latinLnBrk="0" hangingPunct="1">
-                <a:defRPr sz="1800" kern="1200">
-                  <a:solidFill>
-                    <a:schemeClr val="tx1"/>
-                  </a:solidFill>
-                  <a:latin typeface="+mn-lt"/>
-                  <a:ea typeface="+mn-ea"/>
-                  <a:cs typeface="+mn-cs"/>
-                </a:defRPr>
-              </a:lvl1pPr>
-              <a:lvl2pPr marL="457200" algn="l" defTabSz="914400" rtl="0" eaLnBrk="1" latinLnBrk="0" hangingPunct="1">
-                <a:defRPr sz="1800" kern="1200">
-                  <a:solidFill>
-                    <a:schemeClr val="tx1"/>
-                  </a:solidFill>
-                  <a:latin typeface="+mn-lt"/>
-                  <a:ea typeface="+mn-ea"/>
-                  <a:cs typeface="+mn-cs"/>
-                </a:defRPr>
-              </a:lvl2pPr>
-              <a:lvl3pPr marL="914400" algn="l" defTabSz="914400" rtl="0" eaLnBrk="1" latinLnBrk="0" hangingPunct="1">
-                <a:defRPr sz="1800" kern="1200">
-                  <a:solidFill>
-                    <a:schemeClr val="tx1"/>
-                  </a:solidFill>
-                  <a:latin typeface="+mn-lt"/>
-                  <a:ea typeface="+mn-ea"/>
-                  <a:cs typeface="+mn-cs"/>
-                </a:defRPr>
-              </a:lvl3pPr>
-              <a:lvl4pPr marL="1371600" algn="l" defTabSz="914400" rtl="0" eaLnBrk="1" latinLnBrk="0" hangingPunct="1">
-                <a:defRPr sz="1800" kern="1200">
-                  <a:solidFill>
-                    <a:schemeClr val="tx1"/>
-                  </a:solidFill>
-                  <a:latin typeface="+mn-lt"/>
-                  <a:ea typeface="+mn-ea"/>
-                  <a:cs typeface="+mn-cs"/>
-                </a:defRPr>
-              </a:lvl4pPr>
-              <a:lvl5pPr marL="1828800" algn="l" defTabSz="914400" rtl="0" eaLnBrk="1" latinLnBrk="0" hangingPunct="1">
-                <a:defRPr sz="1800" kern="1200">
-                  <a:solidFill>
-                    <a:schemeClr val="tx1"/>
-                  </a:solidFill>
-                  <a:latin typeface="+mn-lt"/>
-                  <a:ea typeface="+mn-ea"/>
-                  <a:cs typeface="+mn-cs"/>
-                </a:defRPr>
-              </a:lvl5pPr>
-              <a:lvl6pPr marL="2286000" algn="l" defTabSz="914400" rtl="0" eaLnBrk="1" latinLnBrk="0" hangingPunct="1">
-                <a:defRPr sz="1800" kern="1200">
-                  <a:solidFill>
-                    <a:schemeClr val="tx1"/>
-                  </a:solidFill>
-                  <a:latin typeface="+mn-lt"/>
-                  <a:ea typeface="+mn-ea"/>
-                  <a:cs typeface="+mn-cs"/>
-                </a:defRPr>
-              </a:lvl6pPr>
-              <a:lvl7pPr marL="2743200" algn="l" defTabSz="914400" rtl="0" eaLnBrk="1" latinLnBrk="0" hangingPunct="1">
-                <a:defRPr sz="1800" kern="1200">
-                  <a:solidFill>
-                    <a:schemeClr val="tx1"/>
-                  </a:solidFill>
-                  <a:latin typeface="+mn-lt"/>
-                  <a:ea typeface="+mn-ea"/>
-                  <a:cs typeface="+mn-cs"/>
-                </a:defRPr>
-              </a:lvl7pPr>
-              <a:lvl8pPr marL="3200400" algn="l" defTabSz="914400" rtl="0" eaLnBrk="1" latinLnBrk="0" hangingPunct="1">
-                <a:defRPr sz="1800" kern="1200">
-                  <a:solidFill>
-                    <a:schemeClr val="tx1"/>
-                  </a:solidFill>
-                  <a:latin typeface="+mn-lt"/>
-                  <a:ea typeface="+mn-ea"/>
-                  <a:cs typeface="+mn-cs"/>
-                </a:defRPr>
-              </a:lvl8pPr>
-              <a:lvl9pPr marL="3657600" algn="l" defTabSz="914400" rtl="0" eaLnBrk="1" latinLnBrk="0" hangingPunct="1">
-                <a:defRPr sz="1800" kern="1200">
-                  <a:solidFill>
-                    <a:schemeClr val="tx1"/>
-                  </a:solidFill>
-                  <a:latin typeface="+mn-lt"/>
-                  <a:ea typeface="+mn-ea"/>
-                  <a:cs typeface="+mn-cs"/>
-                </a:defRPr>
-              </a:lvl9pPr>
-            </a:lstStyle>
-            <a:p>
-              <a:pPr>
-                <a:lnSpc>
-                  <a:spcPct val="115000"/>
-                </a:lnSpc>
-                <a:spcAft>
-                  <a:spcPts val="1000"/>
-                </a:spcAft>
-              </a:pPr>
-              <a:r>
-                <a:rPr lang="en-US" sz="800" dirty="0">
-                  <a:effectLst/>
-                  <a:latin typeface="Arial"/>
-                  <a:ea typeface="Calibri"/>
-                </a:rPr>
-                <a:t>● ● ● ● ●</a:t>
-              </a:r>
-              <a:endParaRPr lang="en-US" sz="1200" dirty="0">
-                <a:effectLst/>
-                <a:latin typeface="Times New Roman"/>
-                <a:ea typeface="Times New Roman"/>
-              </a:endParaRPr>
-            </a:p>
-            <a:p>
-              <a:pPr>
-                <a:lnSpc>
-                  <a:spcPct val="115000"/>
-                </a:lnSpc>
-                <a:spcAft>
-                  <a:spcPts val="1000"/>
-                </a:spcAft>
-              </a:pPr>
-              <a:r>
-                <a:rPr lang="en-US" sz="1000" dirty="0">
-                  <a:effectLst/>
-                  <a:latin typeface="Times New Roman"/>
-                  <a:ea typeface="Times New Roman"/>
-                </a:rPr>
-                <a:t> </a:t>
-              </a:r>
-              <a:endParaRPr lang="en-US" sz="1200" dirty="0">
-                <a:effectLst/>
-                <a:latin typeface="Times New Roman"/>
-                <a:ea typeface="Times New Roman"/>
-              </a:endParaRPr>
-            </a:p>
-          </p:txBody>
-        </p:sp>
-        <p:grpSp>
-          <p:nvGrpSpPr>
-            <p:cNvPr id="9" name="Group 8"/>
-            <p:cNvGrpSpPr/>
-            <p:nvPr/>
-          </p:nvGrpSpPr>
-          <p:grpSpPr>
-            <a:xfrm>
-              <a:off x="6156177" y="3257019"/>
-              <a:ext cx="1224135" cy="670213"/>
-              <a:chOff x="6660233" y="4342963"/>
-              <a:chExt cx="1224135" cy="670213"/>
-            </a:xfrm>
-            <a:effectLst>
-              <a:outerShdw blurRad="50800" dist="38100" dir="2700000" algn="tl" rotWithShape="0">
-                <a:prstClr val="black">
-                  <a:alpha val="40000"/>
-                </a:prstClr>
-              </a:outerShdw>
-            </a:effectLst>
-          </p:grpSpPr>
-          <p:sp>
-            <p:nvSpPr>
-              <p:cNvPr id="31" name="Rounded Rectangle 30"/>
-              <p:cNvSpPr/>
-              <p:nvPr/>
-            </p:nvSpPr>
-            <p:spPr>
-              <a:xfrm>
-                <a:off x="6660233" y="4342963"/>
-                <a:ext cx="1178345" cy="670213"/>
-              </a:xfrm>
-              <a:prstGeom prst="roundRect">
-                <a:avLst/>
-              </a:prstGeom>
-              <a:gradFill flip="none" rotWithShape="1">
-                <a:gsLst>
-                  <a:gs pos="0">
-                    <a:srgbClr val="FFB115"/>
-                  </a:gs>
-                  <a:gs pos="50000">
-                    <a:srgbClr val="FFFF00"/>
-                  </a:gs>
-                  <a:gs pos="100000">
-                    <a:srgbClr val="FFC000"/>
-                  </a:gs>
-                </a:gsLst>
-                <a:lin ang="13500000" scaled="1"/>
-                <a:tileRect/>
-              </a:gradFill>
-              <a:ln w="6350">
-                <a:solidFill>
-                  <a:schemeClr val="bg1">
-                    <a:lumMod val="65000"/>
-                  </a:schemeClr>
-                </a:solidFill>
-              </a:ln>
-              <a:effectLst/>
-            </p:spPr>
-            <p:style>
-              <a:lnRef idx="2">
-                <a:schemeClr val="accent1">
-                  <a:shade val="50000"/>
-                </a:schemeClr>
-              </a:lnRef>
-              <a:fillRef idx="1">
-                <a:schemeClr val="accent1"/>
-              </a:fillRef>
-              <a:effectRef idx="0">
-                <a:schemeClr val="accent1"/>
-              </a:effectRef>
-              <a:fontRef idx="minor">
-                <a:schemeClr val="lt1"/>
-              </a:fontRef>
-            </p:style>
-            <p:txBody>
-              <a:bodyPr rtlCol="0" anchor="ctr"/>
-              <a:lstStyle/>
-              <a:p>
-                <a:pPr algn="ctr"/>
-                <a:endParaRPr lang="en-US" sz="5400" b="1" dirty="0">
-                  <a:solidFill>
-                    <a:srgbClr val="6D8838"/>
-                  </a:solidFill>
-                  <a:latin typeface="Sylfaen" panose="010A0502050306030303" pitchFamily="18" charset="0"/>
-                  <a:ea typeface="Verdana" panose="020B0604030504040204" pitchFamily="34" charset="0"/>
-                  <a:cs typeface="Verdana" panose="020B0604030504040204" pitchFamily="34" charset="0"/>
-                </a:endParaRPr>
-              </a:p>
-            </p:txBody>
-          </p:sp>
-          <p:sp>
-            <p:nvSpPr>
-              <p:cNvPr id="32" name="TextBox 31"/>
-              <p:cNvSpPr txBox="1"/>
-              <p:nvPr/>
-            </p:nvSpPr>
-            <p:spPr>
-              <a:xfrm>
-                <a:off x="6674872" y="4406214"/>
-                <a:ext cx="295274" cy="276999"/>
-              </a:xfrm>
-              <a:prstGeom prst="rect">
-                <a:avLst/>
-              </a:prstGeom>
-              <a:noFill/>
-            </p:spPr>
-            <p:txBody>
-              <a:bodyPr wrap="none" tIns="0" bIns="0" rtlCol="0" anchor="ctr" anchorCtr="1">
-                <a:noAutofit/>
-              </a:bodyPr>
-              <a:lstStyle/>
-              <a:p>
-                <a:pPr algn="ctr"/>
-                <a:r>
-                  <a:rPr lang="en-US" b="1" dirty="0" smtClean="0">
-                    <a:solidFill>
-                      <a:srgbClr val="9E0A11"/>
-                    </a:solidFill>
-                    <a:latin typeface="Sylfaen" panose="010A0502050306030303" pitchFamily="18" charset="0"/>
-                    <a:ea typeface="Verdana" panose="020B0604030504040204" pitchFamily="34" charset="0"/>
-                    <a:cs typeface="Verdana" panose="020B0604030504040204" pitchFamily="34" charset="0"/>
-                  </a:rPr>
-                  <a:t>S</a:t>
-                </a:r>
-                <a:endParaRPr lang="en-US" b="1" dirty="0">
-                  <a:solidFill>
-                    <a:srgbClr val="9E0A11"/>
-                  </a:solidFill>
-                  <a:latin typeface="Sylfaen" panose="010A0502050306030303" pitchFamily="18" charset="0"/>
-                  <a:ea typeface="Verdana" panose="020B0604030504040204" pitchFamily="34" charset="0"/>
-                  <a:cs typeface="Verdana" panose="020B0604030504040204" pitchFamily="34" charset="0"/>
-                </a:endParaRPr>
-              </a:p>
-            </p:txBody>
-          </p:sp>
-          <p:sp>
-            <p:nvSpPr>
-              <p:cNvPr id="33" name="Rectangle 32"/>
-              <p:cNvSpPr/>
-              <p:nvPr/>
-            </p:nvSpPr>
-            <p:spPr>
-              <a:xfrm>
-                <a:off x="6734525" y="4430957"/>
-                <a:ext cx="165600" cy="216000"/>
-              </a:xfrm>
-              <a:prstGeom prst="rect">
-                <a:avLst/>
-              </a:prstGeom>
-              <a:noFill/>
-              <a:ln w="9525">
-                <a:solidFill>
-                  <a:schemeClr val="accent5">
-                    <a:lumMod val="75000"/>
-                  </a:schemeClr>
-                </a:solidFill>
-              </a:ln>
-            </p:spPr>
-            <p:style>
-              <a:lnRef idx="2">
-                <a:schemeClr val="accent1">
-                  <a:shade val="50000"/>
-                </a:schemeClr>
-              </a:lnRef>
-              <a:fillRef idx="1">
-                <a:schemeClr val="accent1"/>
-              </a:fillRef>
-              <a:effectRef idx="0">
-                <a:schemeClr val="accent1"/>
-              </a:effectRef>
-              <a:fontRef idx="minor">
-                <a:schemeClr val="lt1"/>
-              </a:fontRef>
-            </p:style>
-            <p:txBody>
-              <a:bodyPr rtlCol="0" anchor="ctr"/>
-              <a:lstStyle/>
-              <a:p>
-                <a:pPr algn="ctr"/>
-                <a:endParaRPr lang="en-US"/>
-              </a:p>
-            </p:txBody>
-          </p:sp>
-          <p:sp>
-            <p:nvSpPr>
-              <p:cNvPr id="34" name="TextBox 33"/>
-              <p:cNvSpPr txBox="1"/>
-              <p:nvPr/>
-            </p:nvSpPr>
-            <p:spPr>
-              <a:xfrm>
-                <a:off x="6844849" y="4426003"/>
-                <a:ext cx="1039519" cy="276999"/>
-              </a:xfrm>
-              <a:prstGeom prst="rect">
-                <a:avLst/>
-              </a:prstGeom>
-              <a:noFill/>
-            </p:spPr>
-            <p:txBody>
-              <a:bodyPr wrap="square" rtlCol="0">
-                <a:spAutoFit/>
-              </a:bodyPr>
-              <a:lstStyle/>
-              <a:p>
-                <a:r>
-                  <a:rPr lang="en-US" sz="1200" b="1" spc="100" dirty="0" err="1" smtClean="0">
-                    <a:solidFill>
-                      <a:srgbClr val="6D8838"/>
-                    </a:solidFill>
-                    <a:latin typeface="Sylfaen" panose="010A0502050306030303" pitchFamily="18" charset="0"/>
-                    <a:ea typeface="Verdana" panose="020B0604030504040204" pitchFamily="34" charset="0"/>
-                    <a:cs typeface="Verdana" panose="020B0604030504040204" pitchFamily="34" charset="0"/>
-                  </a:rPr>
-                  <a:t>uperCard</a:t>
-                </a:r>
-                <a:r>
-                  <a:rPr lang="en-US" sz="800" b="1" spc="100" baseline="70000" dirty="0" err="1" smtClean="0">
-                    <a:solidFill>
-                      <a:srgbClr val="6D8838"/>
-                    </a:solidFill>
-                    <a:latin typeface="Arial" panose="020B0604020202020204" pitchFamily="34" charset="0"/>
-                    <a:ea typeface="Verdana" panose="020B0604030504040204" pitchFamily="34" charset="0"/>
-                    <a:cs typeface="Arial" panose="020B0604020202020204" pitchFamily="34" charset="0"/>
-                  </a:rPr>
-                  <a:t>TM</a:t>
-                </a:r>
-                <a:endParaRPr lang="en-US" sz="800" b="1" spc="100" baseline="70000" dirty="0">
-                  <a:latin typeface="Arial" panose="020B0604020202020204" pitchFamily="34" charset="0"/>
-                  <a:cs typeface="Arial" panose="020B0604020202020204" pitchFamily="34" charset="0"/>
-                </a:endParaRPr>
-              </a:p>
-            </p:txBody>
-          </p:sp>
-          <p:sp>
-            <p:nvSpPr>
-              <p:cNvPr id="4" name="TextBox 3"/>
-              <p:cNvSpPr txBox="1"/>
-              <p:nvPr/>
-            </p:nvSpPr>
-            <p:spPr>
-              <a:xfrm>
-                <a:off x="6700314" y="4727353"/>
-                <a:ext cx="1099981" cy="230832"/>
-              </a:xfrm>
-              <a:prstGeom prst="rect">
-                <a:avLst/>
-              </a:prstGeom>
-              <a:noFill/>
-            </p:spPr>
-            <p:txBody>
-              <a:bodyPr wrap="none" rtlCol="0">
-                <a:spAutoFit/>
-              </a:bodyPr>
-              <a:lstStyle/>
-              <a:p>
-                <a:pPr algn="ctr"/>
-                <a:r>
-                  <a:rPr lang="en-US" sz="900" dirty="0" smtClean="0">
-                    <a:latin typeface="Verdana" panose="020B0604030504040204" pitchFamily="34" charset="0"/>
-                    <a:ea typeface="Verdana" panose="020B0604030504040204" pitchFamily="34" charset="0"/>
-                    <a:cs typeface="Verdana" panose="020B0604030504040204" pitchFamily="34" charset="0"/>
-                  </a:rPr>
-                  <a:t>Luke Skywalker</a:t>
-                </a:r>
-                <a:endParaRPr lang="en-US" sz="900" dirty="0">
-                  <a:latin typeface="Verdana" panose="020B0604030504040204" pitchFamily="34" charset="0"/>
-                  <a:ea typeface="Verdana" panose="020B0604030504040204" pitchFamily="34" charset="0"/>
-                  <a:cs typeface="Verdana" panose="020B0604030504040204" pitchFamily="34" charset="0"/>
-                </a:endParaRPr>
-              </a:p>
-            </p:txBody>
-          </p:sp>
-        </p:grpSp>
-        <p:sp>
-          <p:nvSpPr>
-            <p:cNvPr id="42" name="Text Box 2"/>
-            <p:cNvSpPr txBox="1">
-              <a:spLocks noChangeArrowheads="1"/>
-            </p:cNvSpPr>
-            <p:nvPr/>
-          </p:nvSpPr>
-          <p:spPr bwMode="auto">
-            <a:xfrm>
-              <a:off x="5604972" y="2159591"/>
-              <a:ext cx="791155" cy="262486"/>
-            </a:xfrm>
-            <a:prstGeom prst="rect">
-              <a:avLst/>
-            </a:prstGeom>
-            <a:noFill/>
-            <a:ln w="9525">
-              <a:noFill/>
-              <a:miter lim="800000"/>
-              <a:headEnd/>
-              <a:tailEnd/>
-            </a:ln>
-          </p:spPr>
-          <p:txBody>
-            <a:bodyPr rot="0" vert="horz" wrap="square" lIns="91440" tIns="45720" rIns="91440" bIns="45720" anchor="t" anchorCtr="0">
-              <a:noAutofit/>
-            </a:bodyPr>
-            <a:lstStyle>
-              <a:defPPr>
-                <a:defRPr lang="en-US"/>
-              </a:defPPr>
-              <a:lvl1pPr marL="0" algn="l" defTabSz="914400" rtl="0" eaLnBrk="1" latinLnBrk="0" hangingPunct="1">
-                <a:defRPr sz="1800" kern="1200">
-                  <a:solidFill>
-                    <a:schemeClr val="tx1"/>
-                  </a:solidFill>
-                  <a:latin typeface="+mn-lt"/>
-                  <a:ea typeface="+mn-ea"/>
-                  <a:cs typeface="+mn-cs"/>
-                </a:defRPr>
-              </a:lvl1pPr>
-              <a:lvl2pPr marL="457200" algn="l" defTabSz="914400" rtl="0" eaLnBrk="1" latinLnBrk="0" hangingPunct="1">
-                <a:defRPr sz="1800" kern="1200">
-                  <a:solidFill>
-                    <a:schemeClr val="tx1"/>
-                  </a:solidFill>
-                  <a:latin typeface="+mn-lt"/>
-                  <a:ea typeface="+mn-ea"/>
-                  <a:cs typeface="+mn-cs"/>
-                </a:defRPr>
-              </a:lvl2pPr>
-              <a:lvl3pPr marL="914400" algn="l" defTabSz="914400" rtl="0" eaLnBrk="1" latinLnBrk="0" hangingPunct="1">
-                <a:defRPr sz="1800" kern="1200">
-                  <a:solidFill>
-                    <a:schemeClr val="tx1"/>
-                  </a:solidFill>
-                  <a:latin typeface="+mn-lt"/>
-                  <a:ea typeface="+mn-ea"/>
-                  <a:cs typeface="+mn-cs"/>
-                </a:defRPr>
-              </a:lvl3pPr>
-              <a:lvl4pPr marL="1371600" algn="l" defTabSz="914400" rtl="0" eaLnBrk="1" latinLnBrk="0" hangingPunct="1">
-                <a:defRPr sz="1800" kern="1200">
-                  <a:solidFill>
-                    <a:schemeClr val="tx1"/>
-                  </a:solidFill>
-                  <a:latin typeface="+mn-lt"/>
-                  <a:ea typeface="+mn-ea"/>
-                  <a:cs typeface="+mn-cs"/>
-                </a:defRPr>
-              </a:lvl4pPr>
-              <a:lvl5pPr marL="1828800" algn="l" defTabSz="914400" rtl="0" eaLnBrk="1" latinLnBrk="0" hangingPunct="1">
-                <a:defRPr sz="1800" kern="1200">
-                  <a:solidFill>
-                    <a:schemeClr val="tx1"/>
-                  </a:solidFill>
-                  <a:latin typeface="+mn-lt"/>
-                  <a:ea typeface="+mn-ea"/>
-                  <a:cs typeface="+mn-cs"/>
-                </a:defRPr>
-              </a:lvl5pPr>
-              <a:lvl6pPr marL="2286000" algn="l" defTabSz="914400" rtl="0" eaLnBrk="1" latinLnBrk="0" hangingPunct="1">
-                <a:defRPr sz="1800" kern="1200">
-                  <a:solidFill>
-                    <a:schemeClr val="tx1"/>
-                  </a:solidFill>
-                  <a:latin typeface="+mn-lt"/>
-                  <a:ea typeface="+mn-ea"/>
-                  <a:cs typeface="+mn-cs"/>
-                </a:defRPr>
-              </a:lvl6pPr>
-              <a:lvl7pPr marL="2743200" algn="l" defTabSz="914400" rtl="0" eaLnBrk="1" latinLnBrk="0" hangingPunct="1">
-                <a:defRPr sz="1800" kern="1200">
-                  <a:solidFill>
-                    <a:schemeClr val="tx1"/>
-                  </a:solidFill>
-                  <a:latin typeface="+mn-lt"/>
-                  <a:ea typeface="+mn-ea"/>
-                  <a:cs typeface="+mn-cs"/>
-                </a:defRPr>
-              </a:lvl7pPr>
-              <a:lvl8pPr marL="3200400" algn="l" defTabSz="914400" rtl="0" eaLnBrk="1" latinLnBrk="0" hangingPunct="1">
-                <a:defRPr sz="1800" kern="1200">
-                  <a:solidFill>
-                    <a:schemeClr val="tx1"/>
-                  </a:solidFill>
-                  <a:latin typeface="+mn-lt"/>
-                  <a:ea typeface="+mn-ea"/>
-                  <a:cs typeface="+mn-cs"/>
-                </a:defRPr>
-              </a:lvl8pPr>
-              <a:lvl9pPr marL="3657600" algn="l" defTabSz="914400" rtl="0" eaLnBrk="1" latinLnBrk="0" hangingPunct="1">
-                <a:defRPr sz="1800" kern="1200">
-                  <a:solidFill>
-                    <a:schemeClr val="tx1"/>
-                  </a:solidFill>
-                  <a:latin typeface="+mn-lt"/>
-                  <a:ea typeface="+mn-ea"/>
-                  <a:cs typeface="+mn-cs"/>
-                </a:defRPr>
-              </a:lvl9pPr>
-            </a:lstStyle>
-            <a:p>
-              <a:pPr algn="r">
-                <a:lnSpc>
-                  <a:spcPct val="115000"/>
-                </a:lnSpc>
-                <a:spcAft>
-                  <a:spcPts val="1000"/>
-                </a:spcAft>
-              </a:pPr>
-              <a:r>
-                <a:rPr lang="en-US" sz="1000" dirty="0" smtClean="0">
-                  <a:latin typeface="Arial"/>
-                  <a:ea typeface="Times New Roman"/>
-                  <a:cs typeface="Times New Roman"/>
-                </a:rPr>
-                <a:t>Domain</a:t>
-              </a:r>
-              <a:endParaRPr lang="en-US" sz="1000" dirty="0">
-                <a:effectLst/>
-                <a:latin typeface="Times New Roman"/>
-                <a:ea typeface="Times New Roman"/>
-              </a:endParaRPr>
-            </a:p>
-          </p:txBody>
-        </p:sp>
-        <p:sp>
-          <p:nvSpPr>
-            <p:cNvPr id="43" name="Text Box 2"/>
-            <p:cNvSpPr txBox="1">
-              <a:spLocks noChangeArrowheads="1"/>
-            </p:cNvSpPr>
-            <p:nvPr/>
-          </p:nvSpPr>
-          <p:spPr bwMode="auto">
-            <a:xfrm>
-              <a:off x="6355569" y="2201004"/>
-              <a:ext cx="1272804" cy="198000"/>
-            </a:xfrm>
-            <a:prstGeom prst="rect">
-              <a:avLst/>
-            </a:prstGeom>
-            <a:solidFill>
-              <a:schemeClr val="bg1">
-                <a:lumMod val="95000"/>
-              </a:schemeClr>
-            </a:solidFill>
-            <a:ln w="6350">
-              <a:solidFill>
-                <a:sysClr val="window" lastClr="FFFFFF">
-                  <a:lumMod val="65000"/>
-                </a:sysClr>
-              </a:solidFill>
-              <a:miter lim="800000"/>
-              <a:headEnd/>
-              <a:tailEnd/>
-            </a:ln>
-          </p:spPr>
-          <p:txBody>
-            <a:bodyPr rot="0" vert="horz" wrap="square" lIns="45720" tIns="0" rIns="0" bIns="10800" anchor="ctr" anchorCtr="0">
-              <a:noAutofit/>
-            </a:bodyPr>
-            <a:lstStyle>
-              <a:defPPr>
-                <a:defRPr lang="en-US"/>
-              </a:defPPr>
-              <a:lvl1pPr marL="0" algn="l" defTabSz="914400" rtl="0" eaLnBrk="1" latinLnBrk="0" hangingPunct="1">
-                <a:defRPr sz="1800" kern="1200">
-                  <a:solidFill>
-                    <a:schemeClr val="tx1"/>
-                  </a:solidFill>
-                  <a:latin typeface="+mn-lt"/>
-                  <a:ea typeface="+mn-ea"/>
-                  <a:cs typeface="+mn-cs"/>
-                </a:defRPr>
-              </a:lvl1pPr>
-              <a:lvl2pPr marL="457200" algn="l" defTabSz="914400" rtl="0" eaLnBrk="1" latinLnBrk="0" hangingPunct="1">
-                <a:defRPr sz="1800" kern="1200">
-                  <a:solidFill>
-                    <a:schemeClr val="tx1"/>
-                  </a:solidFill>
-                  <a:latin typeface="+mn-lt"/>
-                  <a:ea typeface="+mn-ea"/>
-                  <a:cs typeface="+mn-cs"/>
-                </a:defRPr>
-              </a:lvl2pPr>
-              <a:lvl3pPr marL="914400" algn="l" defTabSz="914400" rtl="0" eaLnBrk="1" latinLnBrk="0" hangingPunct="1">
-                <a:defRPr sz="1800" kern="1200">
-                  <a:solidFill>
-                    <a:schemeClr val="tx1"/>
-                  </a:solidFill>
-                  <a:latin typeface="+mn-lt"/>
-                  <a:ea typeface="+mn-ea"/>
-                  <a:cs typeface="+mn-cs"/>
-                </a:defRPr>
-              </a:lvl3pPr>
-              <a:lvl4pPr marL="1371600" algn="l" defTabSz="914400" rtl="0" eaLnBrk="1" latinLnBrk="0" hangingPunct="1">
-                <a:defRPr sz="1800" kern="1200">
-                  <a:solidFill>
-                    <a:schemeClr val="tx1"/>
-                  </a:solidFill>
-                  <a:latin typeface="+mn-lt"/>
-                  <a:ea typeface="+mn-ea"/>
-                  <a:cs typeface="+mn-cs"/>
-                </a:defRPr>
-              </a:lvl4pPr>
-              <a:lvl5pPr marL="1828800" algn="l" defTabSz="914400" rtl="0" eaLnBrk="1" latinLnBrk="0" hangingPunct="1">
-                <a:defRPr sz="1800" kern="1200">
-                  <a:solidFill>
-                    <a:schemeClr val="tx1"/>
-                  </a:solidFill>
-                  <a:latin typeface="+mn-lt"/>
-                  <a:ea typeface="+mn-ea"/>
-                  <a:cs typeface="+mn-cs"/>
-                </a:defRPr>
-              </a:lvl5pPr>
-              <a:lvl6pPr marL="2286000" algn="l" defTabSz="914400" rtl="0" eaLnBrk="1" latinLnBrk="0" hangingPunct="1">
-                <a:defRPr sz="1800" kern="1200">
-                  <a:solidFill>
-                    <a:schemeClr val="tx1"/>
-                  </a:solidFill>
-                  <a:latin typeface="+mn-lt"/>
-                  <a:ea typeface="+mn-ea"/>
-                  <a:cs typeface="+mn-cs"/>
-                </a:defRPr>
-              </a:lvl6pPr>
-              <a:lvl7pPr marL="2743200" algn="l" defTabSz="914400" rtl="0" eaLnBrk="1" latinLnBrk="0" hangingPunct="1">
-                <a:defRPr sz="1800" kern="1200">
-                  <a:solidFill>
-                    <a:schemeClr val="tx1"/>
-                  </a:solidFill>
-                  <a:latin typeface="+mn-lt"/>
-                  <a:ea typeface="+mn-ea"/>
-                  <a:cs typeface="+mn-cs"/>
-                </a:defRPr>
-              </a:lvl7pPr>
-              <a:lvl8pPr marL="3200400" algn="l" defTabSz="914400" rtl="0" eaLnBrk="1" latinLnBrk="0" hangingPunct="1">
-                <a:defRPr sz="1800" kern="1200">
-                  <a:solidFill>
-                    <a:schemeClr val="tx1"/>
-                  </a:solidFill>
-                  <a:latin typeface="+mn-lt"/>
-                  <a:ea typeface="+mn-ea"/>
-                  <a:cs typeface="+mn-cs"/>
-                </a:defRPr>
-              </a:lvl8pPr>
-              <a:lvl9pPr marL="3657600" algn="l" defTabSz="914400" rtl="0" eaLnBrk="1" latinLnBrk="0" hangingPunct="1">
-                <a:defRPr sz="1800" kern="1200">
-                  <a:solidFill>
-                    <a:schemeClr val="tx1"/>
-                  </a:solidFill>
-                  <a:latin typeface="+mn-lt"/>
-                  <a:ea typeface="+mn-ea"/>
-                  <a:cs typeface="+mn-cs"/>
-                </a:defRPr>
-              </a:lvl9pPr>
-            </a:lstStyle>
-            <a:p>
-              <a:pPr>
-                <a:lnSpc>
-                  <a:spcPct val="115000"/>
-                </a:lnSpc>
-                <a:spcAft>
-                  <a:spcPts val="1000"/>
-                </a:spcAft>
-              </a:pPr>
-              <a:r>
-                <a:rPr lang="en-US" sz="1000" dirty="0" smtClean="0">
-                  <a:latin typeface="Arial"/>
-                  <a:ea typeface="Calibri"/>
-                  <a:cs typeface="Times New Roman"/>
-                </a:rPr>
-                <a:t>merchant.com</a:t>
-              </a:r>
-              <a:endParaRPr lang="en-US" sz="1000" dirty="0">
-                <a:effectLst/>
-                <a:latin typeface="Times New Roman"/>
-                <a:ea typeface="Times New Roman"/>
-              </a:endParaRPr>
-            </a:p>
-          </p:txBody>
-        </p:sp>
-        <p:sp>
-          <p:nvSpPr>
-            <p:cNvPr id="20" name="Rounded Rectangle 19"/>
-            <p:cNvSpPr/>
-            <p:nvPr/>
-          </p:nvSpPr>
-          <p:spPr>
-            <a:xfrm>
-              <a:off x="6491563" y="5127009"/>
-              <a:ext cx="600717" cy="216024"/>
-            </a:xfrm>
-            <a:prstGeom prst="roundRect">
-              <a:avLst/>
-            </a:prstGeom>
-            <a:solidFill>
-              <a:schemeClr val="bg1"/>
-            </a:solidFill>
-            <a:ln w="34925" cmpd="dbl">
               <a:solidFill>
                 <a:schemeClr val="bg1">
                   <a:lumMod val="65000"/>
@@ -6955,45 +6380,84 @@
             <a:lstStyle/>
             <a:p>
               <a:pPr algn="ctr"/>
-              <a:endParaRPr lang="en-US" dirty="0" smtClean="0">
-                <a:latin typeface="Arial" panose="020B0604020202020204" pitchFamily="34" charset="0"/>
-                <a:cs typeface="Arial" panose="020B0604020202020204" pitchFamily="34" charset="0"/>
+              <a:endParaRPr lang="en-US" sz="5400" b="1" dirty="0">
+                <a:solidFill>
+                  <a:srgbClr val="6D8838"/>
+                </a:solidFill>
+                <a:latin typeface="Sylfaen" panose="010A0502050306030303" pitchFamily="18" charset="0"/>
+                <a:ea typeface="Verdana" panose="020B0604030504040204" pitchFamily="34" charset="0"/>
+                <a:cs typeface="Verdana" panose="020B0604030504040204" pitchFamily="34" charset="0"/>
               </a:endParaRPr>
             </a:p>
           </p:txBody>
         </p:sp>
         <p:sp>
           <p:nvSpPr>
-            <p:cNvPr id="25" name="Rounded Rectangle 24"/>
+            <p:cNvPr id="32" name="TextBox 31"/>
+            <p:cNvSpPr txBox="1"/>
+            <p:nvPr/>
+          </p:nvSpPr>
+          <p:spPr>
+            <a:xfrm>
+              <a:off x="6674872" y="4406214"/>
+              <a:ext cx="295274" cy="276999"/>
+            </a:xfrm>
+            <a:prstGeom prst="rect">
+              <a:avLst/>
+            </a:prstGeom>
+            <a:noFill/>
+          </p:spPr>
+          <p:txBody>
+            <a:bodyPr wrap="none" tIns="0" bIns="0" rtlCol="0" anchor="ctr" anchorCtr="1">
+              <a:noAutofit/>
+            </a:bodyPr>
+            <a:lstStyle/>
+            <a:p>
+              <a:pPr algn="ctr"/>
+              <a:r>
+                <a:rPr lang="en-US" b="1" dirty="0" smtClean="0">
+                  <a:solidFill>
+                    <a:srgbClr val="9E0A11"/>
+                  </a:solidFill>
+                  <a:latin typeface="Sylfaen" panose="010A0502050306030303" pitchFamily="18" charset="0"/>
+                  <a:ea typeface="Verdana" panose="020B0604030504040204" pitchFamily="34" charset="0"/>
+                  <a:cs typeface="Verdana" panose="020B0604030504040204" pitchFamily="34" charset="0"/>
+                </a:rPr>
+                <a:t>S</a:t>
+              </a:r>
+              <a:endParaRPr lang="en-US" b="1" dirty="0">
+                <a:solidFill>
+                  <a:srgbClr val="9E0A11"/>
+                </a:solidFill>
+                <a:latin typeface="Sylfaen" panose="010A0502050306030303" pitchFamily="18" charset="0"/>
+                <a:ea typeface="Verdana" panose="020B0604030504040204" pitchFamily="34" charset="0"/>
+                <a:cs typeface="Verdana" panose="020B0604030504040204" pitchFamily="34" charset="0"/>
+              </a:endParaRPr>
+            </a:p>
+          </p:txBody>
+        </p:sp>
+        <p:sp>
+          <p:nvSpPr>
+            <p:cNvPr id="33" name="Rectangle 32"/>
             <p:cNvSpPr/>
             <p:nvPr/>
           </p:nvSpPr>
           <p:spPr>
             <a:xfrm>
-              <a:off x="6341790" y="1476834"/>
-              <a:ext cx="838474" cy="54000"/>
+              <a:off x="6734525" y="4430957"/>
+              <a:ext cx="165600" cy="216000"/>
             </a:xfrm>
-            <a:prstGeom prst="roundRect">
-              <a:avLst>
-                <a:gd name="adj" fmla="val 50000"/>
-              </a:avLst>
+            <a:prstGeom prst="rect">
+              <a:avLst/>
             </a:prstGeom>
-            <a:pattFill prst="pct30">
-              <a:fgClr>
-                <a:schemeClr val="accent1"/>
-              </a:fgClr>
-              <a:bgClr>
-                <a:schemeClr val="bg1"/>
-              </a:bgClr>
-            </a:pattFill>
+            <a:noFill/>
             <a:ln w="9525">
               <a:solidFill>
-                <a:schemeClr val="bg1">
-                  <a:lumMod val="65000"/>
+                <a:schemeClr val="accent5">
+                  <a:lumMod val="75000"/>
                 </a:schemeClr>
               </a:solidFill>
             </a:ln>
-            <a:effectLst/>
           </p:spPr>
           <p:style>
             <a:lnRef idx="2">
@@ -7016,14 +6480,520 @@
             <a:lstStyle/>
             <a:p>
               <a:pPr algn="ctr"/>
-              <a:endParaRPr lang="en-US" dirty="0" smtClean="0">
+              <a:endParaRPr lang="en-US"/>
+            </a:p>
+          </p:txBody>
+        </p:sp>
+        <p:sp>
+          <p:nvSpPr>
+            <p:cNvPr id="34" name="TextBox 33"/>
+            <p:cNvSpPr txBox="1"/>
+            <p:nvPr/>
+          </p:nvSpPr>
+          <p:spPr>
+            <a:xfrm>
+              <a:off x="6844849" y="4426003"/>
+              <a:ext cx="1039519" cy="276999"/>
+            </a:xfrm>
+            <a:prstGeom prst="rect">
+              <a:avLst/>
+            </a:prstGeom>
+            <a:noFill/>
+          </p:spPr>
+          <p:txBody>
+            <a:bodyPr wrap="square" rtlCol="0">
+              <a:spAutoFit/>
+            </a:bodyPr>
+            <a:lstStyle/>
+            <a:p>
+              <a:r>
+                <a:rPr lang="en-US" sz="1200" b="1" spc="100" dirty="0" err="1" smtClean="0">
+                  <a:solidFill>
+                    <a:srgbClr val="6D8838"/>
+                  </a:solidFill>
+                  <a:latin typeface="Sylfaen" panose="010A0502050306030303" pitchFamily="18" charset="0"/>
+                  <a:ea typeface="Verdana" panose="020B0604030504040204" pitchFamily="34" charset="0"/>
+                  <a:cs typeface="Verdana" panose="020B0604030504040204" pitchFamily="34" charset="0"/>
+                </a:rPr>
+                <a:t>uperCard</a:t>
+              </a:r>
+              <a:r>
+                <a:rPr lang="en-US" sz="800" b="1" spc="100" baseline="70000" dirty="0" err="1" smtClean="0">
+                  <a:solidFill>
+                    <a:srgbClr val="6D8838"/>
+                  </a:solidFill>
+                  <a:latin typeface="Arial" panose="020B0604020202020204" pitchFamily="34" charset="0"/>
+                  <a:ea typeface="Verdana" panose="020B0604030504040204" pitchFamily="34" charset="0"/>
+                  <a:cs typeface="Arial" panose="020B0604020202020204" pitchFamily="34" charset="0"/>
+                </a:rPr>
+                <a:t>TM</a:t>
+              </a:r>
+              <a:endParaRPr lang="en-US" sz="800" b="1" spc="100" baseline="70000" dirty="0">
                 <a:latin typeface="Arial" panose="020B0604020202020204" pitchFamily="34" charset="0"/>
                 <a:cs typeface="Arial" panose="020B0604020202020204" pitchFamily="34" charset="0"/>
               </a:endParaRPr>
             </a:p>
           </p:txBody>
         </p:sp>
+        <p:sp>
+          <p:nvSpPr>
+            <p:cNvPr id="4" name="TextBox 3"/>
+            <p:cNvSpPr txBox="1"/>
+            <p:nvPr/>
+          </p:nvSpPr>
+          <p:spPr>
+            <a:xfrm>
+              <a:off x="6700314" y="4727353"/>
+              <a:ext cx="1099981" cy="230832"/>
+            </a:xfrm>
+            <a:prstGeom prst="rect">
+              <a:avLst/>
+            </a:prstGeom>
+            <a:noFill/>
+          </p:spPr>
+          <p:txBody>
+            <a:bodyPr wrap="none" rtlCol="0">
+              <a:spAutoFit/>
+            </a:bodyPr>
+            <a:lstStyle/>
+            <a:p>
+              <a:pPr algn="ctr"/>
+              <a:r>
+                <a:rPr lang="en-US" sz="900" dirty="0" smtClean="0">
+                  <a:latin typeface="Verdana" panose="020B0604030504040204" pitchFamily="34" charset="0"/>
+                  <a:ea typeface="Verdana" panose="020B0604030504040204" pitchFamily="34" charset="0"/>
+                  <a:cs typeface="Verdana" panose="020B0604030504040204" pitchFamily="34" charset="0"/>
+                </a:rPr>
+                <a:t>Luke Skywalker</a:t>
+              </a:r>
+              <a:endParaRPr lang="en-US" sz="900" dirty="0">
+                <a:latin typeface="Verdana" panose="020B0604030504040204" pitchFamily="34" charset="0"/>
+                <a:ea typeface="Verdana" panose="020B0604030504040204" pitchFamily="34" charset="0"/>
+                <a:cs typeface="Verdana" panose="020B0604030504040204" pitchFamily="34" charset="0"/>
+              </a:endParaRPr>
+            </a:p>
+          </p:txBody>
+        </p:sp>
       </p:grpSp>
+      <p:sp>
+        <p:nvSpPr>
+          <p:cNvPr id="42" name="Text Box 2"/>
+          <p:cNvSpPr txBox="1">
+            <a:spLocks noChangeArrowheads="1"/>
+          </p:cNvSpPr>
+          <p:nvPr/>
+        </p:nvSpPr>
+        <p:spPr bwMode="auto">
+          <a:xfrm>
+            <a:off x="5604972" y="2159591"/>
+            <a:ext cx="791155" cy="262486"/>
+          </a:xfrm>
+          <a:prstGeom prst="rect">
+            <a:avLst/>
+          </a:prstGeom>
+          <a:noFill/>
+          <a:ln w="9525">
+            <a:noFill/>
+            <a:miter lim="800000"/>
+            <a:headEnd/>
+            <a:tailEnd/>
+          </a:ln>
+        </p:spPr>
+        <p:txBody>
+          <a:bodyPr rot="0" vert="horz" wrap="square" lIns="91440" tIns="45720" rIns="91440" bIns="45720" anchor="t" anchorCtr="0">
+            <a:noAutofit/>
+          </a:bodyPr>
+          <a:lstStyle>
+            <a:defPPr>
+              <a:defRPr lang="en-US"/>
+            </a:defPPr>
+            <a:lvl1pPr marL="0" algn="l" defTabSz="914400" rtl="0" eaLnBrk="1" latinLnBrk="0" hangingPunct="1">
+              <a:defRPr sz="1800" kern="1200">
+                <a:solidFill>
+                  <a:schemeClr val="tx1"/>
+                </a:solidFill>
+                <a:latin typeface="+mn-lt"/>
+                <a:ea typeface="+mn-ea"/>
+                <a:cs typeface="+mn-cs"/>
+              </a:defRPr>
+            </a:lvl1pPr>
+            <a:lvl2pPr marL="457200" algn="l" defTabSz="914400" rtl="0" eaLnBrk="1" latinLnBrk="0" hangingPunct="1">
+              <a:defRPr sz="1800" kern="1200">
+                <a:solidFill>
+                  <a:schemeClr val="tx1"/>
+                </a:solidFill>
+                <a:latin typeface="+mn-lt"/>
+                <a:ea typeface="+mn-ea"/>
+                <a:cs typeface="+mn-cs"/>
+              </a:defRPr>
+            </a:lvl2pPr>
+            <a:lvl3pPr marL="914400" algn="l" defTabSz="914400" rtl="0" eaLnBrk="1" latinLnBrk="0" hangingPunct="1">
+              <a:defRPr sz="1800" kern="1200">
+                <a:solidFill>
+                  <a:schemeClr val="tx1"/>
+                </a:solidFill>
+                <a:latin typeface="+mn-lt"/>
+                <a:ea typeface="+mn-ea"/>
+                <a:cs typeface="+mn-cs"/>
+              </a:defRPr>
+            </a:lvl3pPr>
+            <a:lvl4pPr marL="1371600" algn="l" defTabSz="914400" rtl="0" eaLnBrk="1" latinLnBrk="0" hangingPunct="1">
+              <a:defRPr sz="1800" kern="1200">
+                <a:solidFill>
+                  <a:schemeClr val="tx1"/>
+                </a:solidFill>
+                <a:latin typeface="+mn-lt"/>
+                <a:ea typeface="+mn-ea"/>
+                <a:cs typeface="+mn-cs"/>
+              </a:defRPr>
+            </a:lvl4pPr>
+            <a:lvl5pPr marL="1828800" algn="l" defTabSz="914400" rtl="0" eaLnBrk="1" latinLnBrk="0" hangingPunct="1">
+              <a:defRPr sz="1800" kern="1200">
+                <a:solidFill>
+                  <a:schemeClr val="tx1"/>
+                </a:solidFill>
+                <a:latin typeface="+mn-lt"/>
+                <a:ea typeface="+mn-ea"/>
+                <a:cs typeface="+mn-cs"/>
+              </a:defRPr>
+            </a:lvl5pPr>
+            <a:lvl6pPr marL="2286000" algn="l" defTabSz="914400" rtl="0" eaLnBrk="1" latinLnBrk="0" hangingPunct="1">
+              <a:defRPr sz="1800" kern="1200">
+                <a:solidFill>
+                  <a:schemeClr val="tx1"/>
+                </a:solidFill>
+                <a:latin typeface="+mn-lt"/>
+                <a:ea typeface="+mn-ea"/>
+                <a:cs typeface="+mn-cs"/>
+              </a:defRPr>
+            </a:lvl6pPr>
+            <a:lvl7pPr marL="2743200" algn="l" defTabSz="914400" rtl="0" eaLnBrk="1" latinLnBrk="0" hangingPunct="1">
+              <a:defRPr sz="1800" kern="1200">
+                <a:solidFill>
+                  <a:schemeClr val="tx1"/>
+                </a:solidFill>
+                <a:latin typeface="+mn-lt"/>
+                <a:ea typeface="+mn-ea"/>
+                <a:cs typeface="+mn-cs"/>
+              </a:defRPr>
+            </a:lvl7pPr>
+            <a:lvl8pPr marL="3200400" algn="l" defTabSz="914400" rtl="0" eaLnBrk="1" latinLnBrk="0" hangingPunct="1">
+              <a:defRPr sz="1800" kern="1200">
+                <a:solidFill>
+                  <a:schemeClr val="tx1"/>
+                </a:solidFill>
+                <a:latin typeface="+mn-lt"/>
+                <a:ea typeface="+mn-ea"/>
+                <a:cs typeface="+mn-cs"/>
+              </a:defRPr>
+            </a:lvl8pPr>
+            <a:lvl9pPr marL="3657600" algn="l" defTabSz="914400" rtl="0" eaLnBrk="1" latinLnBrk="0" hangingPunct="1">
+              <a:defRPr sz="1800" kern="1200">
+                <a:solidFill>
+                  <a:schemeClr val="tx1"/>
+                </a:solidFill>
+                <a:latin typeface="+mn-lt"/>
+                <a:ea typeface="+mn-ea"/>
+                <a:cs typeface="+mn-cs"/>
+              </a:defRPr>
+            </a:lvl9pPr>
+          </a:lstStyle>
+          <a:p>
+            <a:pPr algn="r">
+              <a:lnSpc>
+                <a:spcPct val="115000"/>
+              </a:lnSpc>
+              <a:spcAft>
+                <a:spcPts val="1000"/>
+              </a:spcAft>
+            </a:pPr>
+            <a:r>
+              <a:rPr lang="en-US" sz="1000" dirty="0" smtClean="0">
+                <a:latin typeface="Arial"/>
+                <a:ea typeface="Times New Roman"/>
+                <a:cs typeface="Times New Roman"/>
+              </a:rPr>
+              <a:t>Domain</a:t>
+            </a:r>
+            <a:endParaRPr lang="en-US" sz="1000" dirty="0">
+              <a:effectLst/>
+              <a:latin typeface="Times New Roman"/>
+              <a:ea typeface="Times New Roman"/>
+            </a:endParaRPr>
+          </a:p>
+        </p:txBody>
+      </p:sp>
+      <p:sp>
+        <p:nvSpPr>
+          <p:cNvPr id="43" name="Text Box 2"/>
+          <p:cNvSpPr txBox="1">
+            <a:spLocks noChangeArrowheads="1"/>
+          </p:cNvSpPr>
+          <p:nvPr/>
+        </p:nvSpPr>
+        <p:spPr bwMode="auto">
+          <a:xfrm>
+            <a:off x="6355569" y="2201004"/>
+            <a:ext cx="1272804" cy="198000"/>
+          </a:xfrm>
+          <a:prstGeom prst="rect">
+            <a:avLst/>
+          </a:prstGeom>
+          <a:solidFill>
+            <a:schemeClr val="bg1">
+              <a:lumMod val="95000"/>
+            </a:schemeClr>
+          </a:solidFill>
+          <a:ln w="6350">
+            <a:solidFill>
+              <a:sysClr val="window" lastClr="FFFFFF">
+                <a:lumMod val="65000"/>
+              </a:sysClr>
+            </a:solidFill>
+            <a:miter lim="800000"/>
+            <a:headEnd/>
+            <a:tailEnd/>
+          </a:ln>
+        </p:spPr>
+        <p:txBody>
+          <a:bodyPr rot="0" vert="horz" wrap="square" lIns="45720" tIns="0" rIns="0" bIns="10800" anchor="ctr" anchorCtr="0">
+            <a:noAutofit/>
+          </a:bodyPr>
+          <a:lstStyle>
+            <a:defPPr>
+              <a:defRPr lang="en-US"/>
+            </a:defPPr>
+            <a:lvl1pPr marL="0" algn="l" defTabSz="914400" rtl="0" eaLnBrk="1" latinLnBrk="0" hangingPunct="1">
+              <a:defRPr sz="1800" kern="1200">
+                <a:solidFill>
+                  <a:schemeClr val="tx1"/>
+                </a:solidFill>
+                <a:latin typeface="+mn-lt"/>
+                <a:ea typeface="+mn-ea"/>
+                <a:cs typeface="+mn-cs"/>
+              </a:defRPr>
+            </a:lvl1pPr>
+            <a:lvl2pPr marL="457200" algn="l" defTabSz="914400" rtl="0" eaLnBrk="1" latinLnBrk="0" hangingPunct="1">
+              <a:defRPr sz="1800" kern="1200">
+                <a:solidFill>
+                  <a:schemeClr val="tx1"/>
+                </a:solidFill>
+                <a:latin typeface="+mn-lt"/>
+                <a:ea typeface="+mn-ea"/>
+                <a:cs typeface="+mn-cs"/>
+              </a:defRPr>
+            </a:lvl2pPr>
+            <a:lvl3pPr marL="914400" algn="l" defTabSz="914400" rtl="0" eaLnBrk="1" latinLnBrk="0" hangingPunct="1">
+              <a:defRPr sz="1800" kern="1200">
+                <a:solidFill>
+                  <a:schemeClr val="tx1"/>
+                </a:solidFill>
+                <a:latin typeface="+mn-lt"/>
+                <a:ea typeface="+mn-ea"/>
+                <a:cs typeface="+mn-cs"/>
+              </a:defRPr>
+            </a:lvl3pPr>
+            <a:lvl4pPr marL="1371600" algn="l" defTabSz="914400" rtl="0" eaLnBrk="1" latinLnBrk="0" hangingPunct="1">
+              <a:defRPr sz="1800" kern="1200">
+                <a:solidFill>
+                  <a:schemeClr val="tx1"/>
+                </a:solidFill>
+                <a:latin typeface="+mn-lt"/>
+                <a:ea typeface="+mn-ea"/>
+                <a:cs typeface="+mn-cs"/>
+              </a:defRPr>
+            </a:lvl4pPr>
+            <a:lvl5pPr marL="1828800" algn="l" defTabSz="914400" rtl="0" eaLnBrk="1" latinLnBrk="0" hangingPunct="1">
+              <a:defRPr sz="1800" kern="1200">
+                <a:solidFill>
+                  <a:schemeClr val="tx1"/>
+                </a:solidFill>
+                <a:latin typeface="+mn-lt"/>
+                <a:ea typeface="+mn-ea"/>
+                <a:cs typeface="+mn-cs"/>
+              </a:defRPr>
+            </a:lvl5pPr>
+            <a:lvl6pPr marL="2286000" algn="l" defTabSz="914400" rtl="0" eaLnBrk="1" latinLnBrk="0" hangingPunct="1">
+              <a:defRPr sz="1800" kern="1200">
+                <a:solidFill>
+                  <a:schemeClr val="tx1"/>
+                </a:solidFill>
+                <a:latin typeface="+mn-lt"/>
+                <a:ea typeface="+mn-ea"/>
+                <a:cs typeface="+mn-cs"/>
+              </a:defRPr>
+            </a:lvl6pPr>
+            <a:lvl7pPr marL="2743200" algn="l" defTabSz="914400" rtl="0" eaLnBrk="1" latinLnBrk="0" hangingPunct="1">
+              <a:defRPr sz="1800" kern="1200">
+                <a:solidFill>
+                  <a:schemeClr val="tx1"/>
+                </a:solidFill>
+                <a:latin typeface="+mn-lt"/>
+                <a:ea typeface="+mn-ea"/>
+                <a:cs typeface="+mn-cs"/>
+              </a:defRPr>
+            </a:lvl7pPr>
+            <a:lvl8pPr marL="3200400" algn="l" defTabSz="914400" rtl="0" eaLnBrk="1" latinLnBrk="0" hangingPunct="1">
+              <a:defRPr sz="1800" kern="1200">
+                <a:solidFill>
+                  <a:schemeClr val="tx1"/>
+                </a:solidFill>
+                <a:latin typeface="+mn-lt"/>
+                <a:ea typeface="+mn-ea"/>
+                <a:cs typeface="+mn-cs"/>
+              </a:defRPr>
+            </a:lvl8pPr>
+            <a:lvl9pPr marL="3657600" algn="l" defTabSz="914400" rtl="0" eaLnBrk="1" latinLnBrk="0" hangingPunct="1">
+              <a:defRPr sz="1800" kern="1200">
+                <a:solidFill>
+                  <a:schemeClr val="tx1"/>
+                </a:solidFill>
+                <a:latin typeface="+mn-lt"/>
+                <a:ea typeface="+mn-ea"/>
+                <a:cs typeface="+mn-cs"/>
+              </a:defRPr>
+            </a:lvl9pPr>
+          </a:lstStyle>
+          <a:p>
+            <a:pPr>
+              <a:lnSpc>
+                <a:spcPct val="115000"/>
+              </a:lnSpc>
+              <a:spcAft>
+                <a:spcPts val="1000"/>
+              </a:spcAft>
+            </a:pPr>
+            <a:r>
+              <a:rPr lang="en-US" sz="1000" dirty="0" smtClean="0">
+                <a:latin typeface="Arial"/>
+                <a:ea typeface="Calibri"/>
+                <a:cs typeface="Times New Roman"/>
+              </a:rPr>
+              <a:t>merchant.com</a:t>
+            </a:r>
+            <a:endParaRPr lang="en-US" sz="1000" dirty="0">
+              <a:effectLst/>
+              <a:latin typeface="Times New Roman"/>
+              <a:ea typeface="Times New Roman"/>
+            </a:endParaRPr>
+          </a:p>
+        </p:txBody>
+      </p:sp>
+      <p:sp>
+        <p:nvSpPr>
+          <p:cNvPr id="20" name="Rounded Rectangle 19"/>
+          <p:cNvSpPr/>
+          <p:nvPr/>
+        </p:nvSpPr>
+        <p:spPr>
+          <a:xfrm>
+            <a:off x="6491563" y="5127009"/>
+            <a:ext cx="600717" cy="216024"/>
+          </a:xfrm>
+          <a:prstGeom prst="roundRect">
+            <a:avLst/>
+          </a:prstGeom>
+          <a:solidFill>
+            <a:schemeClr val="bg1"/>
+          </a:solidFill>
+          <a:ln w="34925" cmpd="dbl">
+            <a:solidFill>
+              <a:schemeClr val="bg1">
+                <a:lumMod val="65000"/>
+              </a:schemeClr>
+            </a:solidFill>
+          </a:ln>
+          <a:effectLst/>
+        </p:spPr>
+        <p:style>
+          <a:lnRef idx="2">
+            <a:schemeClr val="accent1">
+              <a:shade val="50000"/>
+            </a:schemeClr>
+          </a:lnRef>
+          <a:fillRef idx="1">
+            <a:schemeClr val="accent1"/>
+          </a:fillRef>
+          <a:effectRef idx="0">
+            <a:schemeClr val="accent1"/>
+          </a:effectRef>
+          <a:fontRef idx="minor">
+            <a:schemeClr val="lt1"/>
+          </a:fontRef>
+        </p:style>
+        <p:txBody>
+          <a:bodyPr rtlCol="0" anchor="ctr"/>
+          <a:lstStyle/>
+          <a:p>
+            <a:pPr algn="ctr"/>
+            <a:endParaRPr lang="en-US" dirty="0" smtClean="0">
+              <a:latin typeface="Arial" panose="020B0604020202020204" pitchFamily="34" charset="0"/>
+              <a:cs typeface="Arial" panose="020B0604020202020204" pitchFamily="34" charset="0"/>
+            </a:endParaRPr>
+          </a:p>
+        </p:txBody>
+      </p:sp>
+      <p:sp>
+        <p:nvSpPr>
+          <p:cNvPr id="25" name="Rounded Rectangle 24"/>
+          <p:cNvSpPr/>
+          <p:nvPr/>
+        </p:nvSpPr>
+        <p:spPr>
+          <a:xfrm>
+            <a:off x="6341790" y="1476834"/>
+            <a:ext cx="838474" cy="54000"/>
+          </a:xfrm>
+          <a:prstGeom prst="roundRect">
+            <a:avLst>
+              <a:gd name="adj" fmla="val 50000"/>
+            </a:avLst>
+          </a:prstGeom>
+          <a:pattFill prst="pct30">
+            <a:fgClr>
+              <a:schemeClr val="tx1"/>
+            </a:fgClr>
+            <a:bgClr>
+              <a:schemeClr val="bg1"/>
+            </a:bgClr>
+          </a:pattFill>
+          <a:ln w="9525">
+            <a:solidFill>
+              <a:schemeClr val="bg1">
+                <a:lumMod val="50000"/>
+              </a:schemeClr>
+            </a:solidFill>
+          </a:ln>
+          <a:effectLst/>
+        </p:spPr>
+        <p:style>
+          <a:lnRef idx="2">
+            <a:schemeClr val="accent1">
+              <a:shade val="50000"/>
+            </a:schemeClr>
+          </a:lnRef>
+          <a:fillRef idx="1">
+            <a:schemeClr val="accent1"/>
+          </a:fillRef>
+          <a:effectRef idx="0">
+            <a:schemeClr val="accent1"/>
+          </a:effectRef>
+          <a:fontRef idx="minor">
+            <a:schemeClr val="lt1"/>
+          </a:fontRef>
+        </p:style>
+        <p:txBody>
+          <a:bodyPr rtlCol="0" anchor="ctr"/>
+          <a:lstStyle/>
+          <a:p>
+            <a:pPr algn="ctr"/>
+            <a:endParaRPr lang="en-US" dirty="0" smtClean="0">
+              <a:latin typeface="Arial" panose="020B0604020202020204" pitchFamily="34" charset="0"/>
+              <a:cs typeface="Arial" panose="020B0604020202020204" pitchFamily="34" charset="0"/>
+            </a:endParaRPr>
+          </a:p>
+        </p:txBody>
+      </p:sp>
       <p:sp>
         <p:nvSpPr>
           <p:cNvPr id="47" name="TextBox 46"/>
@@ -7221,14 +7191,7 @@
                 <a:latin typeface="Arial" panose="020B0604020202020204" pitchFamily="34" charset="0"/>
                 <a:cs typeface="Arial" panose="020B0604020202020204" pitchFamily="34" charset="0"/>
               </a:rPr>
-              <a:t>securely connected </a:t>
-            </a:r>
-            <a:r>
-              <a:rPr lang="en-US" sz="1000" dirty="0" smtClean="0">
-                <a:latin typeface="Arial" panose="020B0604020202020204" pitchFamily="34" charset="0"/>
-                <a:cs typeface="Arial" panose="020B0604020202020204" pitchFamily="34" charset="0"/>
-              </a:rPr>
-              <a:t>mobile device</a:t>
+              <a:t>securely connected mobile device</a:t>
             </a:r>
           </a:p>
         </p:txBody>
@@ -7305,14 +7268,7 @@
                 <a:latin typeface="Times New Roman" panose="02020603050405020304" pitchFamily="18" charset="0"/>
                 <a:cs typeface="Times New Roman" panose="02020603050405020304" pitchFamily="18" charset="0"/>
               </a:rPr>
-              <a:t> </a:t>
-            </a:r>
-            <a:r>
-              <a:rPr lang="en-US" sz="2400" dirty="0" smtClean="0">
-                <a:latin typeface="Times New Roman" panose="02020603050405020304" pitchFamily="18" charset="0"/>
-                <a:cs typeface="Times New Roman" panose="02020603050405020304" pitchFamily="18" charset="0"/>
-              </a:rPr>
-              <a:t>Bridge – Sequence Diagram</a:t>
+              <a:t> Bridge – Sequence Diagram</a:t>
             </a:r>
             <a:endParaRPr lang="en-US" sz="2400" dirty="0">
               <a:latin typeface="Arial" panose="020B0604020202020204" pitchFamily="34" charset="0"/>
@@ -7365,14 +7321,7 @@
                 <a:latin typeface="Arial" panose="020B0604020202020204" pitchFamily="34" charset="0"/>
                 <a:cs typeface="Arial" panose="020B0604020202020204" pitchFamily="34" charset="0"/>
               </a:rPr>
-              <a:t>Requesting </a:t>
-            </a:r>
-            <a:r>
-              <a:rPr lang="en-US" sz="1400" dirty="0" smtClean="0">
-                <a:latin typeface="Arial" panose="020B0604020202020204" pitchFamily="34" charset="0"/>
-                <a:cs typeface="Arial" panose="020B0604020202020204" pitchFamily="34" charset="0"/>
-              </a:rPr>
-              <a:t>Device</a:t>
+              <a:t>Requesting Device</a:t>
             </a:r>
             <a:endParaRPr lang="en-US" sz="1400" dirty="0">
               <a:latin typeface="Arial" panose="020B0604020202020204" pitchFamily="34" charset="0"/>
@@ -8789,21 +8738,7 @@
                 <a:latin typeface="Times New Roman" panose="02020603050405020304" pitchFamily="18" charset="0"/>
                 <a:cs typeface="Times New Roman" panose="02020603050405020304" pitchFamily="18" charset="0"/>
               </a:rPr>
-              <a:t> </a:t>
-            </a:r>
-            <a:r>
-              <a:rPr lang="en-US" sz="2400" dirty="0" smtClean="0">
-                <a:latin typeface="Times New Roman" panose="02020603050405020304" pitchFamily="18" charset="0"/>
-                <a:cs typeface="Times New Roman" panose="02020603050405020304" pitchFamily="18" charset="0"/>
-              </a:rPr>
-              <a:t>Bridge – </a:t>
-            </a:r>
-            <a:r>
-              <a:rPr lang="en-US" sz="2400" dirty="0" smtClean="0">
-                <a:latin typeface="Times New Roman" panose="02020603050405020304" pitchFamily="18" charset="0"/>
-                <a:cs typeface="Times New Roman" panose="02020603050405020304" pitchFamily="18" charset="0"/>
-              </a:rPr>
-              <a:t>Applications</a:t>
+              <a:t> Bridge – Applications</a:t>
             </a:r>
             <a:endParaRPr lang="en-US" sz="2400" dirty="0">
               <a:latin typeface="Arial" panose="020B0604020202020204" pitchFamily="34" charset="0"/>

--- a/resources/docs/webnfc--web2device-bridge.pptx
+++ b/resources/docs/webnfc--web2device-bridge.pptx
@@ -195,7 +195,7 @@
           <a:p>
             <a:fld id="{07A00844-99C3-4B4D-8665-83D6466F1606}" type="datetimeFigureOut">
               <a:rPr lang="en-US" smtClean="0"/>
-              <a:t>2015-04-18</a:t>
+              <a:t>2015-04-21</a:t>
             </a:fld>
             <a:endParaRPr lang="en-US"/>
           </a:p>
@@ -473,7 +473,7 @@
           <a:p>
             <a:fld id="{A1FD92F6-7B59-47F7-9C80-4F94E0E83D60}" type="datetimeFigureOut">
               <a:rPr lang="en-US" smtClean="0"/>
-              <a:t>2015-04-18</a:t>
+              <a:t>2015-04-21</a:t>
             </a:fld>
             <a:endParaRPr lang="en-US"/>
           </a:p>
@@ -690,7 +690,7 @@
           <a:p>
             <a:fld id="{A1FD92F6-7B59-47F7-9C80-4F94E0E83D60}" type="datetimeFigureOut">
               <a:rPr lang="en-US" smtClean="0"/>
-              <a:t>2015-04-18</a:t>
+              <a:t>2015-04-21</a:t>
             </a:fld>
             <a:endParaRPr lang="en-US"/>
           </a:p>
@@ -900,7 +900,7 @@
           <a:p>
             <a:fld id="{A1FD92F6-7B59-47F7-9C80-4F94E0E83D60}" type="datetimeFigureOut">
               <a:rPr lang="en-US" smtClean="0"/>
-              <a:t>2015-04-18</a:t>
+              <a:t>2015-04-21</a:t>
             </a:fld>
             <a:endParaRPr lang="en-US"/>
           </a:p>
@@ -1185,7 +1185,7 @@
           <a:p>
             <a:fld id="{A1FD92F6-7B59-47F7-9C80-4F94E0E83D60}" type="datetimeFigureOut">
               <a:rPr lang="en-US" smtClean="0"/>
-              <a:t>2015-04-18</a:t>
+              <a:t>2015-04-21</a:t>
             </a:fld>
             <a:endParaRPr lang="en-US"/>
           </a:p>
@@ -1468,7 +1468,7 @@
           <a:p>
             <a:fld id="{A1FD92F6-7B59-47F7-9C80-4F94E0E83D60}" type="datetimeFigureOut">
               <a:rPr lang="en-US" smtClean="0"/>
-              <a:t>2015-04-18</a:t>
+              <a:t>2015-04-21</a:t>
             </a:fld>
             <a:endParaRPr lang="en-US"/>
           </a:p>
@@ -1801,7 +1801,7 @@
           <a:p>
             <a:fld id="{A1FD92F6-7B59-47F7-9C80-4F94E0E83D60}" type="datetimeFigureOut">
               <a:rPr lang="en-US" smtClean="0"/>
-              <a:t>2015-04-18</a:t>
+              <a:t>2015-04-21</a:t>
             </a:fld>
             <a:endParaRPr lang="en-US"/>
           </a:p>
@@ -2267,7 +2267,7 @@
           <a:p>
             <a:fld id="{A1FD92F6-7B59-47F7-9C80-4F94E0E83D60}" type="datetimeFigureOut">
               <a:rPr lang="en-US" smtClean="0"/>
-              <a:t>2015-04-18</a:t>
+              <a:t>2015-04-21</a:t>
             </a:fld>
             <a:endParaRPr lang="en-US"/>
           </a:p>
@@ -2417,7 +2417,7 @@
           <a:p>
             <a:fld id="{A1FD92F6-7B59-47F7-9C80-4F94E0E83D60}" type="datetimeFigureOut">
               <a:rPr lang="en-US" smtClean="0"/>
-              <a:t>2015-04-18</a:t>
+              <a:t>2015-04-21</a:t>
             </a:fld>
             <a:endParaRPr lang="en-US"/>
           </a:p>
@@ -2536,7 +2536,7 @@
           <a:p>
             <a:fld id="{A1FD92F6-7B59-47F7-9C80-4F94E0E83D60}" type="datetimeFigureOut">
               <a:rPr lang="en-US" smtClean="0"/>
-              <a:t>2015-04-18</a:t>
+              <a:t>2015-04-21</a:t>
             </a:fld>
             <a:endParaRPr lang="en-US"/>
           </a:p>
@@ -2846,7 +2846,7 @@
           <a:p>
             <a:fld id="{A1FD92F6-7B59-47F7-9C80-4F94E0E83D60}" type="datetimeFigureOut">
               <a:rPr lang="en-US" smtClean="0"/>
-              <a:t>2015-04-18</a:t>
+              <a:t>2015-04-21</a:t>
             </a:fld>
             <a:endParaRPr lang="en-US"/>
           </a:p>
@@ -3132,7 +3132,7 @@
           <a:p>
             <a:fld id="{A1FD92F6-7B59-47F7-9C80-4F94E0E83D60}" type="datetimeFigureOut">
               <a:rPr lang="en-US" smtClean="0"/>
-              <a:t>2015-04-18</a:t>
+              <a:t>2015-04-21</a:t>
             </a:fld>
             <a:endParaRPr lang="en-US"/>
           </a:p>
@@ -5039,9 +5039,10 @@
             <a:avLst/>
           </a:prstGeom>
           <a:solidFill>
-            <a:sysClr val="window" lastClr="FFFFFF">
-              <a:lumMod val="95000"/>
-            </a:sysClr>
+            <a:schemeClr val="accent3">
+              <a:lumMod val="60000"/>
+              <a:lumOff val="40000"/>
+            </a:schemeClr>
           </a:solidFill>
           <a:ln w="6350" cap="flat" cmpd="sng" algn="ctr">
             <a:solidFill>
@@ -5210,9 +5211,10 @@
             <a:avLst/>
           </a:prstGeom>
           <a:solidFill>
-            <a:sysClr val="window" lastClr="FFFFFF">
-              <a:lumMod val="95000"/>
-            </a:sysClr>
+            <a:schemeClr val="accent2">
+              <a:lumMod val="40000"/>
+              <a:lumOff val="60000"/>
+            </a:schemeClr>
           </a:solidFill>
           <a:ln w="6350" cap="flat" cmpd="sng" algn="ctr">
             <a:solidFill>

--- a/resources/docs/webnfc--web2device-bridge.pptx
+++ b/resources/docs/webnfc--web2device-bridge.pptx
@@ -195,7 +195,7 @@
           <a:p>
             <a:fld id="{07A00844-99C3-4B4D-8665-83D6466F1606}" type="datetimeFigureOut">
               <a:rPr lang="en-US" smtClean="0"/>
-              <a:t>2015-04-21</a:t>
+              <a:t>2015-04-22</a:t>
             </a:fld>
             <a:endParaRPr lang="en-US"/>
           </a:p>
@@ -473,7 +473,7 @@
           <a:p>
             <a:fld id="{A1FD92F6-7B59-47F7-9C80-4F94E0E83D60}" type="datetimeFigureOut">
               <a:rPr lang="en-US" smtClean="0"/>
-              <a:t>2015-04-21</a:t>
+              <a:t>2015-04-22</a:t>
             </a:fld>
             <a:endParaRPr lang="en-US"/>
           </a:p>
@@ -690,7 +690,7 @@
           <a:p>
             <a:fld id="{A1FD92F6-7B59-47F7-9C80-4F94E0E83D60}" type="datetimeFigureOut">
               <a:rPr lang="en-US" smtClean="0"/>
-              <a:t>2015-04-21</a:t>
+              <a:t>2015-04-22</a:t>
             </a:fld>
             <a:endParaRPr lang="en-US"/>
           </a:p>
@@ -900,7 +900,7 @@
           <a:p>
             <a:fld id="{A1FD92F6-7B59-47F7-9C80-4F94E0E83D60}" type="datetimeFigureOut">
               <a:rPr lang="en-US" smtClean="0"/>
-              <a:t>2015-04-21</a:t>
+              <a:t>2015-04-22</a:t>
             </a:fld>
             <a:endParaRPr lang="en-US"/>
           </a:p>
@@ -1185,7 +1185,7 @@
           <a:p>
             <a:fld id="{A1FD92F6-7B59-47F7-9C80-4F94E0E83D60}" type="datetimeFigureOut">
               <a:rPr lang="en-US" smtClean="0"/>
-              <a:t>2015-04-21</a:t>
+              <a:t>2015-04-22</a:t>
             </a:fld>
             <a:endParaRPr lang="en-US"/>
           </a:p>
@@ -1468,7 +1468,7 @@
           <a:p>
             <a:fld id="{A1FD92F6-7B59-47F7-9C80-4F94E0E83D60}" type="datetimeFigureOut">
               <a:rPr lang="en-US" smtClean="0"/>
-              <a:t>2015-04-21</a:t>
+              <a:t>2015-04-22</a:t>
             </a:fld>
             <a:endParaRPr lang="en-US"/>
           </a:p>
@@ -1801,7 +1801,7 @@
           <a:p>
             <a:fld id="{A1FD92F6-7B59-47F7-9C80-4F94E0E83D60}" type="datetimeFigureOut">
               <a:rPr lang="en-US" smtClean="0"/>
-              <a:t>2015-04-21</a:t>
+              <a:t>2015-04-22</a:t>
             </a:fld>
             <a:endParaRPr lang="en-US"/>
           </a:p>
@@ -2267,7 +2267,7 @@
           <a:p>
             <a:fld id="{A1FD92F6-7B59-47F7-9C80-4F94E0E83D60}" type="datetimeFigureOut">
               <a:rPr lang="en-US" smtClean="0"/>
-              <a:t>2015-04-21</a:t>
+              <a:t>2015-04-22</a:t>
             </a:fld>
             <a:endParaRPr lang="en-US"/>
           </a:p>
@@ -2417,7 +2417,7 @@
           <a:p>
             <a:fld id="{A1FD92F6-7B59-47F7-9C80-4F94E0E83D60}" type="datetimeFigureOut">
               <a:rPr lang="en-US" smtClean="0"/>
-              <a:t>2015-04-21</a:t>
+              <a:t>2015-04-22</a:t>
             </a:fld>
             <a:endParaRPr lang="en-US"/>
           </a:p>
@@ -2536,7 +2536,7 @@
           <a:p>
             <a:fld id="{A1FD92F6-7B59-47F7-9C80-4F94E0E83D60}" type="datetimeFigureOut">
               <a:rPr lang="en-US" smtClean="0"/>
-              <a:t>2015-04-21</a:t>
+              <a:t>2015-04-22</a:t>
             </a:fld>
             <a:endParaRPr lang="en-US"/>
           </a:p>
@@ -2846,7 +2846,7 @@
           <a:p>
             <a:fld id="{A1FD92F6-7B59-47F7-9C80-4F94E0E83D60}" type="datetimeFigureOut">
               <a:rPr lang="en-US" smtClean="0"/>
-              <a:t>2015-04-21</a:t>
+              <a:t>2015-04-22</a:t>
             </a:fld>
             <a:endParaRPr lang="en-US"/>
           </a:p>
@@ -3132,7 +3132,7 @@
           <a:p>
             <a:fld id="{A1FD92F6-7B59-47F7-9C80-4F94E0E83D60}" type="datetimeFigureOut">
               <a:rPr lang="en-US" smtClean="0"/>
-              <a:t>2015-04-21</a:t>
+              <a:t>2015-04-22</a:t>
             </a:fld>
             <a:endParaRPr lang="en-US"/>
           </a:p>
@@ -3919,7 +3919,35 @@
                 <a:latin typeface="Arial" panose="020B0604020202020204" pitchFamily="34" charset="0"/>
                 <a:cs typeface="Arial" panose="020B0604020202020204" pitchFamily="34" charset="0"/>
               </a:rPr>
-              <a:t>On the Web-side there are minor differences, since NFC and local application invocation have distinct JavaScript interfaces, whereas the actual </a:t>
+              <a:t>On the Web-side </a:t>
+            </a:r>
+            <a:r>
+              <a:rPr lang="en-US" sz="1600" smtClean="0">
+                <a:latin typeface="Arial" panose="020B0604020202020204" pitchFamily="34" charset="0"/>
+                <a:cs typeface="Arial" panose="020B0604020202020204" pitchFamily="34" charset="0"/>
+              </a:rPr>
+              <a:t>there </a:t>
+            </a:r>
+            <a:r>
+              <a:rPr lang="en-US" sz="1600" smtClean="0">
+                <a:latin typeface="Arial" panose="020B0604020202020204" pitchFamily="34" charset="0"/>
+                <a:cs typeface="Arial" panose="020B0604020202020204" pitchFamily="34" charset="0"/>
+              </a:rPr>
+              <a:t>would be</a:t>
+            </a:r>
+            <a:r>
+              <a:rPr lang="en-US" sz="1600" smtClean="0">
+                <a:latin typeface="Arial" panose="020B0604020202020204" pitchFamily="34" charset="0"/>
+                <a:cs typeface="Arial" panose="020B0604020202020204" pitchFamily="34" charset="0"/>
+              </a:rPr>
+              <a:t> </a:t>
+            </a:r>
+            <a:r>
+              <a:rPr lang="en-US" sz="1600" dirty="0" smtClean="0">
+                <a:latin typeface="Arial" panose="020B0604020202020204" pitchFamily="34" charset="0"/>
+                <a:cs typeface="Arial" panose="020B0604020202020204" pitchFamily="34" charset="0"/>
+              </a:rPr>
+              <a:t>minor differences, since NFC and local application invocation have distinct JavaScript interfaces, whereas the actual </a:t>
             </a:r>
             <a:r>
               <a:rPr lang="en-US" sz="1600" i="1" dirty="0" smtClean="0">

--- a/resources/docs/webnfc--web2device-bridge.pptx
+++ b/resources/docs/webnfc--web2device-bridge.pptx
@@ -5,13 +5,15 @@
     <p:sldMasterId id="2147483648" r:id="rId1"/>
   </p:sldMasterIdLst>
   <p:handoutMasterIdLst>
-    <p:handoutMasterId r:id="rId6"/>
+    <p:handoutMasterId r:id="rId8"/>
   </p:handoutMasterIdLst>
   <p:sldIdLst>
     <p:sldId id="261" r:id="rId2"/>
     <p:sldId id="262" r:id="rId3"/>
-    <p:sldId id="259" r:id="rId4"/>
-    <p:sldId id="263" r:id="rId5"/>
+    <p:sldId id="265" r:id="rId4"/>
+    <p:sldId id="264" r:id="rId5"/>
+    <p:sldId id="266" r:id="rId6"/>
+    <p:sldId id="263" r:id="rId7"/>
   </p:sldIdLst>
   <p:sldSz cx="9144000" cy="6858000" type="screen4x3"/>
   <p:notesSz cx="6858000" cy="9144000"/>
@@ -195,7 +197,7 @@
           <a:p>
             <a:fld id="{07A00844-99C3-4B4D-8665-83D6466F1606}" type="datetimeFigureOut">
               <a:rPr lang="en-US" smtClean="0"/>
-              <a:t>2015-04-22</a:t>
+              <a:t>2015-04-26</a:t>
             </a:fld>
             <a:endParaRPr lang="en-US"/>
           </a:p>
@@ -473,7 +475,7 @@
           <a:p>
             <a:fld id="{A1FD92F6-7B59-47F7-9C80-4F94E0E83D60}" type="datetimeFigureOut">
               <a:rPr lang="en-US" smtClean="0"/>
-              <a:t>2015-04-22</a:t>
+              <a:t>2015-04-26</a:t>
             </a:fld>
             <a:endParaRPr lang="en-US"/>
           </a:p>
@@ -690,7 +692,7 @@
           <a:p>
             <a:fld id="{A1FD92F6-7B59-47F7-9C80-4F94E0E83D60}" type="datetimeFigureOut">
               <a:rPr lang="en-US" smtClean="0"/>
-              <a:t>2015-04-22</a:t>
+              <a:t>2015-04-26</a:t>
             </a:fld>
             <a:endParaRPr lang="en-US"/>
           </a:p>
@@ -900,7 +902,7 @@
           <a:p>
             <a:fld id="{A1FD92F6-7B59-47F7-9C80-4F94E0E83D60}" type="datetimeFigureOut">
               <a:rPr lang="en-US" smtClean="0"/>
-              <a:t>2015-04-22</a:t>
+              <a:t>2015-04-26</a:t>
             </a:fld>
             <a:endParaRPr lang="en-US"/>
           </a:p>
@@ -1185,7 +1187,7 @@
           <a:p>
             <a:fld id="{A1FD92F6-7B59-47F7-9C80-4F94E0E83D60}" type="datetimeFigureOut">
               <a:rPr lang="en-US" smtClean="0"/>
-              <a:t>2015-04-22</a:t>
+              <a:t>2015-04-26</a:t>
             </a:fld>
             <a:endParaRPr lang="en-US"/>
           </a:p>
@@ -1468,7 +1470,7 @@
           <a:p>
             <a:fld id="{A1FD92F6-7B59-47F7-9C80-4F94E0E83D60}" type="datetimeFigureOut">
               <a:rPr lang="en-US" smtClean="0"/>
-              <a:t>2015-04-22</a:t>
+              <a:t>2015-04-26</a:t>
             </a:fld>
             <a:endParaRPr lang="en-US"/>
           </a:p>
@@ -1801,7 +1803,7 @@
           <a:p>
             <a:fld id="{A1FD92F6-7B59-47F7-9C80-4F94E0E83D60}" type="datetimeFigureOut">
               <a:rPr lang="en-US" smtClean="0"/>
-              <a:t>2015-04-22</a:t>
+              <a:t>2015-04-26</a:t>
             </a:fld>
             <a:endParaRPr lang="en-US"/>
           </a:p>
@@ -2267,7 +2269,7 @@
           <a:p>
             <a:fld id="{A1FD92F6-7B59-47F7-9C80-4F94E0E83D60}" type="datetimeFigureOut">
               <a:rPr lang="en-US" smtClean="0"/>
-              <a:t>2015-04-22</a:t>
+              <a:t>2015-04-26</a:t>
             </a:fld>
             <a:endParaRPr lang="en-US"/>
           </a:p>
@@ -2417,7 +2419,7 @@
           <a:p>
             <a:fld id="{A1FD92F6-7B59-47F7-9C80-4F94E0E83D60}" type="datetimeFigureOut">
               <a:rPr lang="en-US" smtClean="0"/>
-              <a:t>2015-04-22</a:t>
+              <a:t>2015-04-26</a:t>
             </a:fld>
             <a:endParaRPr lang="en-US"/>
           </a:p>
@@ -2536,7 +2538,7 @@
           <a:p>
             <a:fld id="{A1FD92F6-7B59-47F7-9C80-4F94E0E83D60}" type="datetimeFigureOut">
               <a:rPr lang="en-US" smtClean="0"/>
-              <a:t>2015-04-22</a:t>
+              <a:t>2015-04-26</a:t>
             </a:fld>
             <a:endParaRPr lang="en-US"/>
           </a:p>
@@ -2846,7 +2848,7 @@
           <a:p>
             <a:fld id="{A1FD92F6-7B59-47F7-9C80-4F94E0E83D60}" type="datetimeFigureOut">
               <a:rPr lang="en-US" smtClean="0"/>
-              <a:t>2015-04-22</a:t>
+              <a:t>2015-04-26</a:t>
             </a:fld>
             <a:endParaRPr lang="en-US"/>
           </a:p>
@@ -3132,7 +3134,7 @@
           <a:p>
             <a:fld id="{A1FD92F6-7B59-47F7-9C80-4F94E0E83D60}" type="datetimeFigureOut">
               <a:rPr lang="en-US" smtClean="0"/>
-              <a:t>2015-04-22</a:t>
+              <a:t>2015-04-26</a:t>
             </a:fld>
             <a:endParaRPr lang="en-US"/>
           </a:p>
@@ -3279,8 +3281,19 @@
                 <a:latin typeface="Arial" panose="020B0604020202020204" pitchFamily="34" charset="0"/>
                 <a:cs typeface="Arial" panose="020B0604020202020204" pitchFamily="34" charset="0"/>
               </a:rPr>
-              <a:t>, WebPKI.org, V0.52, 2015-04-18</a:t>
-            </a:r>
+              <a:t>, WebPKI.org, </a:t>
+            </a:r>
+            <a:r>
+              <a:rPr lang="en-US" sz="600" baseline="0" dirty="0" smtClean="0">
+                <a:latin typeface="Arial" panose="020B0604020202020204" pitchFamily="34" charset="0"/>
+                <a:cs typeface="Arial" panose="020B0604020202020204" pitchFamily="34" charset="0"/>
+              </a:rPr>
+              <a:t>V0.53, 2015-04-26</a:t>
+            </a:r>
+            <a:endParaRPr lang="en-US" sz="600" baseline="0" dirty="0" smtClean="0">
+              <a:latin typeface="Arial" panose="020B0604020202020204" pitchFamily="34" charset="0"/>
+              <a:cs typeface="Arial" panose="020B0604020202020204" pitchFamily="34" charset="0"/>
+            </a:endParaRPr>
           </a:p>
         </p:txBody>
       </p:sp>
@@ -3326,7 +3339,7 @@
                 <a:latin typeface="Arial" panose="020B0604020202020204" pitchFamily="34" charset="0"/>
                 <a:cs typeface="Arial" panose="020B0604020202020204" pitchFamily="34" charset="0"/>
               </a:rPr>
-              <a:t>/4</a:t>
+              <a:t>/6</a:t>
             </a:r>
             <a:endParaRPr lang="en-US" sz="600" dirty="0">
               <a:latin typeface="Arial" panose="020B0604020202020204" pitchFamily="34" charset="0"/>
@@ -3926,21 +3939,7 @@
                 <a:latin typeface="Arial" panose="020B0604020202020204" pitchFamily="34" charset="0"/>
                 <a:cs typeface="Arial" panose="020B0604020202020204" pitchFamily="34" charset="0"/>
               </a:rPr>
-              <a:t>there </a:t>
-            </a:r>
-            <a:r>
-              <a:rPr lang="en-US" sz="1600" smtClean="0">
-                <a:latin typeface="Arial" panose="020B0604020202020204" pitchFamily="34" charset="0"/>
-                <a:cs typeface="Arial" panose="020B0604020202020204" pitchFamily="34" charset="0"/>
-              </a:rPr>
-              <a:t>would be</a:t>
-            </a:r>
-            <a:r>
-              <a:rPr lang="en-US" sz="1600" smtClean="0">
-                <a:latin typeface="Arial" panose="020B0604020202020204" pitchFamily="34" charset="0"/>
-                <a:cs typeface="Arial" panose="020B0604020202020204" pitchFamily="34" charset="0"/>
-              </a:rPr>
-              <a:t> </a:t>
+              <a:t>there would be </a:t>
             </a:r>
             <a:r>
               <a:rPr lang="en-US" sz="1600" dirty="0" smtClean="0">
@@ -4258,7 +4257,28 @@
                 <a:latin typeface="Arial" panose="020B0604020202020204" pitchFamily="34" charset="0"/>
                 <a:cs typeface="Arial" panose="020B0604020202020204" pitchFamily="34" charset="0"/>
               </a:rPr>
-              <a:t>User interacts with a Web application on a PC, POS terminal, Vending machine, etc.</a:t>
+              <a:t>User interacts with a Web application on a PC</a:t>
+            </a:r>
+            <a:r>
+              <a:rPr lang="en-US" sz="1000" smtClean="0">
+                <a:latin typeface="Arial" panose="020B0604020202020204" pitchFamily="34" charset="0"/>
+                <a:cs typeface="Arial" panose="020B0604020202020204" pitchFamily="34" charset="0"/>
+              </a:rPr>
+              <a:t>, </a:t>
+            </a:r>
+            <a:r>
+              <a:rPr lang="en-US" sz="1000" smtClean="0">
+                <a:latin typeface="Arial" panose="020B0604020202020204" pitchFamily="34" charset="0"/>
+                <a:cs typeface="Arial" panose="020B0604020202020204" pitchFamily="34" charset="0"/>
+              </a:rPr>
+              <a:t>ATM, POS </a:t>
+            </a:r>
+            <a:r>
+              <a:rPr lang="en-US" sz="1000" dirty="0" smtClean="0">
+                <a:latin typeface="Arial" panose="020B0604020202020204" pitchFamily="34" charset="0"/>
+                <a:cs typeface="Arial" panose="020B0604020202020204" pitchFamily="34" charset="0"/>
+              </a:rPr>
+              <a:t>terminal, Vending machine, etc.</a:t>
             </a:r>
           </a:p>
         </p:txBody>
@@ -7265,6 +7285,943 @@
       </p:grpSpPr>
       <p:sp>
         <p:nvSpPr>
+          <p:cNvPr id="39" name="TextBox 38"/>
+          <p:cNvSpPr txBox="1"/>
+          <p:nvPr/>
+        </p:nvSpPr>
+        <p:spPr>
+          <a:xfrm>
+            <a:off x="2200154" y="292586"/>
+            <a:ext cx="4546759" cy="461665"/>
+          </a:xfrm>
+          <a:prstGeom prst="rect">
+            <a:avLst/>
+          </a:prstGeom>
+          <a:noFill/>
+        </p:spPr>
+        <p:txBody>
+          <a:bodyPr wrap="none" rtlCol="0">
+            <a:spAutoFit/>
+          </a:bodyPr>
+          <a:lstStyle/>
+          <a:p>
+            <a:pPr algn="ctr"/>
+            <a:r>
+              <a:rPr lang="en-US" sz="2400" dirty="0" err="1" smtClean="0">
+                <a:latin typeface="Times New Roman" panose="02020603050405020304" pitchFamily="18" charset="0"/>
+                <a:cs typeface="Times New Roman" panose="02020603050405020304" pitchFamily="18" charset="0"/>
+              </a:rPr>
+              <a:t>WebNFC</a:t>
+            </a:r>
+            <a:r>
+              <a:rPr lang="en-US" sz="2400" dirty="0" smtClean="0">
+                <a:latin typeface="Times New Roman" panose="02020603050405020304" pitchFamily="18" charset="0"/>
+                <a:cs typeface="Times New Roman" panose="02020603050405020304" pitchFamily="18" charset="0"/>
+              </a:rPr>
+              <a:t> Bridge – Web Side Agent</a:t>
+            </a:r>
+            <a:endParaRPr lang="en-US" sz="2400" dirty="0">
+              <a:latin typeface="Arial" panose="020B0604020202020204" pitchFamily="34" charset="0"/>
+              <a:cs typeface="Arial" panose="020B0604020202020204" pitchFamily="34" charset="0"/>
+            </a:endParaRPr>
+          </a:p>
+        </p:txBody>
+      </p:sp>
+      <p:grpSp>
+        <p:nvGrpSpPr>
+          <p:cNvPr id="5" name="Group 4"/>
+          <p:cNvGrpSpPr/>
+          <p:nvPr/>
+        </p:nvGrpSpPr>
+        <p:grpSpPr>
+          <a:xfrm>
+            <a:off x="870223" y="908720"/>
+            <a:ext cx="3024336" cy="1872208"/>
+            <a:chOff x="539552" y="908720"/>
+            <a:chExt cx="3024336" cy="1872208"/>
+          </a:xfrm>
+          <a:effectLst>
+            <a:outerShdw blurRad="50800" dist="38100" dir="2700000" algn="tl" rotWithShape="0">
+              <a:prstClr val="black">
+                <a:alpha val="40000"/>
+              </a:prstClr>
+            </a:outerShdw>
+          </a:effectLst>
+        </p:grpSpPr>
+        <p:sp>
+          <p:nvSpPr>
+            <p:cNvPr id="21" name="Rectangle 20"/>
+            <p:cNvSpPr/>
+            <p:nvPr/>
+          </p:nvSpPr>
+          <p:spPr>
+            <a:xfrm>
+              <a:off x="539552" y="1228778"/>
+              <a:ext cx="3024336" cy="1552150"/>
+            </a:xfrm>
+            <a:prstGeom prst="rect">
+              <a:avLst/>
+            </a:prstGeom>
+            <a:solidFill>
+              <a:schemeClr val="bg1"/>
+            </a:solidFill>
+            <a:ln w="6350">
+              <a:solidFill>
+                <a:schemeClr val="bg1">
+                  <a:lumMod val="50000"/>
+                </a:schemeClr>
+              </a:solidFill>
+            </a:ln>
+          </p:spPr>
+          <p:style>
+            <a:lnRef idx="2">
+              <a:schemeClr val="accent1">
+                <a:shade val="50000"/>
+              </a:schemeClr>
+            </a:lnRef>
+            <a:fillRef idx="1">
+              <a:schemeClr val="accent1"/>
+            </a:fillRef>
+            <a:effectRef idx="0">
+              <a:schemeClr val="accent1"/>
+            </a:effectRef>
+            <a:fontRef idx="minor">
+              <a:schemeClr val="lt1"/>
+            </a:fontRef>
+          </p:style>
+          <p:txBody>
+            <a:bodyPr rtlCol="0" anchor="ctr"/>
+            <a:lstStyle/>
+            <a:p>
+              <a:pPr algn="ctr"/>
+              <a:endParaRPr lang="en-US"/>
+            </a:p>
+          </p:txBody>
+        </p:sp>
+        <p:sp>
+          <p:nvSpPr>
+            <p:cNvPr id="22" name="Rectangle 21"/>
+            <p:cNvSpPr/>
+            <p:nvPr/>
+          </p:nvSpPr>
+          <p:spPr>
+            <a:xfrm>
+              <a:off x="539552" y="908720"/>
+              <a:ext cx="3024336" cy="320058"/>
+            </a:xfrm>
+            <a:prstGeom prst="rect">
+              <a:avLst/>
+            </a:prstGeom>
+            <a:gradFill flip="none" rotWithShape="1">
+              <a:gsLst>
+                <a:gs pos="0">
+                  <a:schemeClr val="accent1">
+                    <a:tint val="66000"/>
+                    <a:satMod val="160000"/>
+                  </a:schemeClr>
+                </a:gs>
+                <a:gs pos="50000">
+                  <a:schemeClr val="accent1">
+                    <a:tint val="44500"/>
+                    <a:satMod val="160000"/>
+                  </a:schemeClr>
+                </a:gs>
+                <a:gs pos="100000">
+                  <a:srgbClr val="BDCDE9"/>
+                </a:gs>
+              </a:gsLst>
+              <a:lin ang="5400000" scaled="1"/>
+              <a:tileRect/>
+            </a:gradFill>
+            <a:ln w="6350">
+              <a:solidFill>
+                <a:schemeClr val="bg1">
+                  <a:lumMod val="50000"/>
+                </a:schemeClr>
+              </a:solidFill>
+            </a:ln>
+          </p:spPr>
+          <p:style>
+            <a:lnRef idx="2">
+              <a:schemeClr val="accent1">
+                <a:shade val="50000"/>
+              </a:schemeClr>
+            </a:lnRef>
+            <a:fillRef idx="1">
+              <a:schemeClr val="accent1"/>
+            </a:fillRef>
+            <a:effectRef idx="0">
+              <a:schemeClr val="accent1"/>
+            </a:effectRef>
+            <a:fontRef idx="minor">
+              <a:schemeClr val="lt1"/>
+            </a:fontRef>
+          </p:style>
+          <p:txBody>
+            <a:bodyPr rtlCol="0" anchor="ctr"/>
+            <a:lstStyle/>
+            <a:p>
+              <a:pPr algn="ctr"/>
+              <a:endParaRPr lang="en-US"/>
+            </a:p>
+          </p:txBody>
+        </p:sp>
+        <p:sp>
+          <p:nvSpPr>
+            <p:cNvPr id="24" name="TextBox 23"/>
+            <p:cNvSpPr txBox="1"/>
+            <p:nvPr/>
+          </p:nvSpPr>
+          <p:spPr>
+            <a:xfrm>
+              <a:off x="683569" y="962193"/>
+              <a:ext cx="2592287" cy="206011"/>
+            </a:xfrm>
+            <a:prstGeom prst="roundRect">
+              <a:avLst/>
+            </a:prstGeom>
+            <a:solidFill>
+              <a:schemeClr val="bg1"/>
+            </a:solidFill>
+            <a:ln w="6350" cmpd="sng">
+              <a:solidFill>
+                <a:schemeClr val="tx1"/>
+              </a:solidFill>
+            </a:ln>
+          </p:spPr>
+          <p:txBody>
+            <a:bodyPr wrap="square" lIns="72000" tIns="54000" bIns="72000" rtlCol="0" anchor="ctr" anchorCtr="0">
+              <a:noAutofit/>
+            </a:bodyPr>
+            <a:lstStyle/>
+            <a:p>
+              <a:r>
+                <a:rPr lang="en-US" sz="1300" dirty="0" smtClean="0">
+                  <a:latin typeface="Arial" panose="020B0604020202020204" pitchFamily="34" charset="0"/>
+                  <a:cs typeface="Arial" panose="020B0604020202020204" pitchFamily="34" charset="0"/>
+                </a:rPr>
+                <a:t>https://merchant.com/checkout</a:t>
+              </a:r>
+              <a:endParaRPr lang="en-US" sz="1300" dirty="0">
+                <a:latin typeface="Arial" panose="020B0604020202020204" pitchFamily="34" charset="0"/>
+                <a:cs typeface="Arial" panose="020B0604020202020204" pitchFamily="34" charset="0"/>
+              </a:endParaRPr>
+            </a:p>
+          </p:txBody>
+        </p:sp>
+        <p:sp>
+          <p:nvSpPr>
+            <p:cNvPr id="41" name="Text Box 2"/>
+            <p:cNvSpPr txBox="1">
+              <a:spLocks noChangeArrowheads="1"/>
+            </p:cNvSpPr>
+            <p:nvPr/>
+          </p:nvSpPr>
+          <p:spPr bwMode="auto">
+            <a:xfrm>
+              <a:off x="1094448" y="1438322"/>
+              <a:ext cx="1974382" cy="262486"/>
+            </a:xfrm>
+            <a:prstGeom prst="rect">
+              <a:avLst/>
+            </a:prstGeom>
+            <a:noFill/>
+            <a:ln w="9525">
+              <a:noFill/>
+              <a:miter lim="800000"/>
+              <a:headEnd/>
+              <a:tailEnd/>
+            </a:ln>
+          </p:spPr>
+          <p:txBody>
+            <a:bodyPr rot="0" vert="horz" wrap="square" lIns="91440" tIns="45720" rIns="91440" bIns="45720" anchor="t" anchorCtr="0">
+              <a:noAutofit/>
+            </a:bodyPr>
+            <a:lstStyle>
+              <a:defPPr>
+                <a:defRPr lang="en-US"/>
+              </a:defPPr>
+              <a:lvl1pPr marL="0" algn="l" defTabSz="914400" rtl="0" eaLnBrk="1" latinLnBrk="0" hangingPunct="1">
+                <a:defRPr sz="1800" kern="1200">
+                  <a:solidFill>
+                    <a:schemeClr val="tx1"/>
+                  </a:solidFill>
+                  <a:latin typeface="+mn-lt"/>
+                  <a:ea typeface="+mn-ea"/>
+                  <a:cs typeface="+mn-cs"/>
+                </a:defRPr>
+              </a:lvl1pPr>
+              <a:lvl2pPr marL="457200" algn="l" defTabSz="914400" rtl="0" eaLnBrk="1" latinLnBrk="0" hangingPunct="1">
+                <a:defRPr sz="1800" kern="1200">
+                  <a:solidFill>
+                    <a:schemeClr val="tx1"/>
+                  </a:solidFill>
+                  <a:latin typeface="+mn-lt"/>
+                  <a:ea typeface="+mn-ea"/>
+                  <a:cs typeface="+mn-cs"/>
+                </a:defRPr>
+              </a:lvl2pPr>
+              <a:lvl3pPr marL="914400" algn="l" defTabSz="914400" rtl="0" eaLnBrk="1" latinLnBrk="0" hangingPunct="1">
+                <a:defRPr sz="1800" kern="1200">
+                  <a:solidFill>
+                    <a:schemeClr val="tx1"/>
+                  </a:solidFill>
+                  <a:latin typeface="+mn-lt"/>
+                  <a:ea typeface="+mn-ea"/>
+                  <a:cs typeface="+mn-cs"/>
+                </a:defRPr>
+              </a:lvl3pPr>
+              <a:lvl4pPr marL="1371600" algn="l" defTabSz="914400" rtl="0" eaLnBrk="1" latinLnBrk="0" hangingPunct="1">
+                <a:defRPr sz="1800" kern="1200">
+                  <a:solidFill>
+                    <a:schemeClr val="tx1"/>
+                  </a:solidFill>
+                  <a:latin typeface="+mn-lt"/>
+                  <a:ea typeface="+mn-ea"/>
+                  <a:cs typeface="+mn-cs"/>
+                </a:defRPr>
+              </a:lvl4pPr>
+              <a:lvl5pPr marL="1828800" algn="l" defTabSz="914400" rtl="0" eaLnBrk="1" latinLnBrk="0" hangingPunct="1">
+                <a:defRPr sz="1800" kern="1200">
+                  <a:solidFill>
+                    <a:schemeClr val="tx1"/>
+                  </a:solidFill>
+                  <a:latin typeface="+mn-lt"/>
+                  <a:ea typeface="+mn-ea"/>
+                  <a:cs typeface="+mn-cs"/>
+                </a:defRPr>
+              </a:lvl5pPr>
+              <a:lvl6pPr marL="2286000" algn="l" defTabSz="914400" rtl="0" eaLnBrk="1" latinLnBrk="0" hangingPunct="1">
+                <a:defRPr sz="1800" kern="1200">
+                  <a:solidFill>
+                    <a:schemeClr val="tx1"/>
+                  </a:solidFill>
+                  <a:latin typeface="+mn-lt"/>
+                  <a:ea typeface="+mn-ea"/>
+                  <a:cs typeface="+mn-cs"/>
+                </a:defRPr>
+              </a:lvl6pPr>
+              <a:lvl7pPr marL="2743200" algn="l" defTabSz="914400" rtl="0" eaLnBrk="1" latinLnBrk="0" hangingPunct="1">
+                <a:defRPr sz="1800" kern="1200">
+                  <a:solidFill>
+                    <a:schemeClr val="tx1"/>
+                  </a:solidFill>
+                  <a:latin typeface="+mn-lt"/>
+                  <a:ea typeface="+mn-ea"/>
+                  <a:cs typeface="+mn-cs"/>
+                </a:defRPr>
+              </a:lvl7pPr>
+              <a:lvl8pPr marL="3200400" algn="l" defTabSz="914400" rtl="0" eaLnBrk="1" latinLnBrk="0" hangingPunct="1">
+                <a:defRPr sz="1800" kern="1200">
+                  <a:solidFill>
+                    <a:schemeClr val="tx1"/>
+                  </a:solidFill>
+                  <a:latin typeface="+mn-lt"/>
+                  <a:ea typeface="+mn-ea"/>
+                  <a:cs typeface="+mn-cs"/>
+                </a:defRPr>
+              </a:lvl8pPr>
+              <a:lvl9pPr marL="3657600" algn="l" defTabSz="914400" rtl="0" eaLnBrk="1" latinLnBrk="0" hangingPunct="1">
+                <a:defRPr sz="1800" kern="1200">
+                  <a:solidFill>
+                    <a:schemeClr val="tx1"/>
+                  </a:solidFill>
+                  <a:latin typeface="+mn-lt"/>
+                  <a:ea typeface="+mn-ea"/>
+                  <a:cs typeface="+mn-cs"/>
+                </a:defRPr>
+              </a:lvl9pPr>
+            </a:lstStyle>
+            <a:p>
+              <a:pPr algn="ctr">
+                <a:lnSpc>
+                  <a:spcPct val="115000"/>
+                </a:lnSpc>
+                <a:spcAft>
+                  <a:spcPts val="1000"/>
+                </a:spcAft>
+              </a:pPr>
+              <a:r>
+                <a:rPr lang="en-US" sz="1000" dirty="0" smtClean="0">
+                  <a:effectLst/>
+                  <a:latin typeface="Arial"/>
+                  <a:ea typeface="Calibri"/>
+                  <a:cs typeface="Times New Roman"/>
+                </a:rPr>
+                <a:t>Amount to pay: $275.00</a:t>
+              </a:r>
+              <a:endParaRPr lang="en-US" sz="1000" dirty="0">
+                <a:effectLst/>
+                <a:latin typeface="Times New Roman"/>
+                <a:ea typeface="Times New Roman"/>
+              </a:endParaRPr>
+            </a:p>
+          </p:txBody>
+        </p:sp>
+        <p:pic>
+          <p:nvPicPr>
+            <p:cNvPr id="3" name="Picture 2"/>
+            <p:cNvPicPr>
+              <a:picLocks noChangeAspect="1"/>
+            </p:cNvPicPr>
+            <p:nvPr/>
+          </p:nvPicPr>
+          <p:blipFill>
+            <a:blip r:embed="rId2" cstate="print">
+              <a:extLst>
+                <a:ext uri="{28A0092B-C50C-407E-A947-70E740481C1C}">
+                  <a14:useLocalDpi xmlns:a14="http://schemas.microsoft.com/office/drawing/2010/main" val="0"/>
+                </a:ext>
+              </a:extLst>
+            </a:blip>
+            <a:stretch>
+              <a:fillRect/>
+            </a:stretch>
+          </p:blipFill>
+          <p:spPr>
+            <a:xfrm>
+              <a:off x="1765398" y="1840862"/>
+              <a:ext cx="657922" cy="745000"/>
+            </a:xfrm>
+            <a:prstGeom prst="rect">
+              <a:avLst/>
+            </a:prstGeom>
+          </p:spPr>
+        </p:pic>
+      </p:grpSp>
+      <p:sp>
+        <p:nvSpPr>
+          <p:cNvPr id="2" name="TextBox 1"/>
+          <p:cNvSpPr txBox="1"/>
+          <p:nvPr/>
+        </p:nvSpPr>
+        <p:spPr>
+          <a:xfrm>
+            <a:off x="539552" y="2996952"/>
+            <a:ext cx="7992888" cy="3554819"/>
+          </a:xfrm>
+          <a:prstGeom prst="rect">
+            <a:avLst/>
+          </a:prstGeom>
+          <a:noFill/>
+        </p:spPr>
+        <p:txBody>
+          <a:bodyPr wrap="square" rtlCol="0">
+            <a:spAutoFit/>
+          </a:bodyPr>
+          <a:lstStyle/>
+          <a:p>
+            <a:pPr>
+              <a:spcAft>
+                <a:spcPts val="600"/>
+              </a:spcAft>
+            </a:pPr>
+            <a:r>
+              <a:rPr lang="en-US" sz="1200" dirty="0" smtClean="0">
+                <a:latin typeface="Arial" panose="020B0604020202020204" pitchFamily="34" charset="0"/>
+                <a:cs typeface="Arial" panose="020B0604020202020204" pitchFamily="34" charset="0"/>
+              </a:rPr>
+              <a:t>The </a:t>
+            </a:r>
+            <a:r>
+              <a:rPr lang="en-US" sz="1200" dirty="0" err="1" smtClean="0">
+                <a:latin typeface="Arial" panose="020B0604020202020204" pitchFamily="34" charset="0"/>
+                <a:cs typeface="Arial" panose="020B0604020202020204" pitchFamily="34" charset="0"/>
+              </a:rPr>
+              <a:t>WebNFC</a:t>
+            </a:r>
+            <a:r>
+              <a:rPr lang="en-US" sz="1200" dirty="0" smtClean="0">
+                <a:latin typeface="Arial" panose="020B0604020202020204" pitchFamily="34" charset="0"/>
+                <a:cs typeface="Arial" panose="020B0604020202020204" pitchFamily="34" charset="0"/>
+              </a:rPr>
+              <a:t> Bridge depends on a JavaScript extension in Web-browsers that enables ordinary (untrusted) web-pages to write NFC NDEF records to an NFC adapter available in the PC, POS, etc.</a:t>
+            </a:r>
+          </a:p>
+          <a:p>
+            <a:pPr>
+              <a:spcAft>
+                <a:spcPts val="600"/>
+              </a:spcAft>
+            </a:pPr>
+            <a:r>
+              <a:rPr lang="en-US" sz="1200" dirty="0" smtClean="0">
+                <a:latin typeface="Arial" panose="020B0604020202020204" pitchFamily="34" charset="0"/>
+                <a:cs typeface="Arial" panose="020B0604020202020204" pitchFamily="34" charset="0"/>
+              </a:rPr>
+              <a:t>The information in the NDEF records minimally include:</a:t>
+            </a:r>
+          </a:p>
+          <a:p>
+            <a:pPr marL="171450" indent="-171450">
+              <a:spcAft>
+                <a:spcPts val="600"/>
+              </a:spcAft>
+              <a:buFont typeface="Arial" panose="020B0604020202020204" pitchFamily="34" charset="0"/>
+              <a:buChar char="•"/>
+            </a:pPr>
+            <a:r>
+              <a:rPr lang="en-US" sz="1200" dirty="0" smtClean="0">
+                <a:latin typeface="Arial" panose="020B0604020202020204" pitchFamily="34" charset="0"/>
+                <a:cs typeface="Arial" panose="020B0604020202020204" pitchFamily="34" charset="0"/>
+              </a:rPr>
+              <a:t>The name of the application to invoke in the connecting mobile device</a:t>
+            </a:r>
+          </a:p>
+          <a:p>
+            <a:pPr marL="171450" indent="-171450">
+              <a:spcAft>
+                <a:spcPts val="600"/>
+              </a:spcAft>
+              <a:buFont typeface="Arial" panose="020B0604020202020204" pitchFamily="34" charset="0"/>
+              <a:buChar char="•"/>
+            </a:pPr>
+            <a:r>
+              <a:rPr lang="en-US" sz="1200" dirty="0" smtClean="0">
+                <a:latin typeface="Arial" panose="020B0604020202020204" pitchFamily="34" charset="0"/>
+                <a:cs typeface="Arial" panose="020B0604020202020204" pitchFamily="34" charset="0"/>
+              </a:rPr>
+              <a:t>BLE pairing data including a random number used as password</a:t>
+            </a:r>
+          </a:p>
+          <a:p>
+            <a:pPr marL="171450" indent="-171450">
+              <a:spcAft>
+                <a:spcPts val="600"/>
+              </a:spcAft>
+              <a:buFont typeface="Arial" panose="020B0604020202020204" pitchFamily="34" charset="0"/>
+              <a:buChar char="•"/>
+            </a:pPr>
+            <a:r>
+              <a:rPr lang="en-US" sz="1200" dirty="0" smtClean="0">
+                <a:latin typeface="Arial" panose="020B0604020202020204" pitchFamily="34" charset="0"/>
+                <a:cs typeface="Arial" panose="020B0604020202020204" pitchFamily="34" charset="0"/>
+              </a:rPr>
+              <a:t>Domain data of the requesting Web-page (URL + Server certificate path)</a:t>
+            </a:r>
+            <a:endParaRPr lang="en-US" sz="1200" dirty="0">
+              <a:latin typeface="Arial" panose="020B0604020202020204" pitchFamily="34" charset="0"/>
+              <a:cs typeface="Arial" panose="020B0604020202020204" pitchFamily="34" charset="0"/>
+            </a:endParaRPr>
+          </a:p>
+          <a:p>
+            <a:pPr>
+              <a:spcBef>
+                <a:spcPts val="600"/>
+              </a:spcBef>
+              <a:spcAft>
+                <a:spcPts val="600"/>
+              </a:spcAft>
+            </a:pPr>
+            <a:r>
+              <a:rPr lang="en-US" sz="1200" dirty="0" smtClean="0">
+                <a:latin typeface="Arial" panose="020B0604020202020204" pitchFamily="34" charset="0"/>
+                <a:cs typeface="Arial" panose="020B0604020202020204" pitchFamily="34" charset="0"/>
+              </a:rPr>
+              <a:t>The JavaScript extension is implemented in a Web-side agent which also deals with the BLE setup and communication.</a:t>
+            </a:r>
+          </a:p>
+          <a:p>
+            <a:pPr>
+              <a:spcAft>
+                <a:spcPts val="600"/>
+              </a:spcAft>
+            </a:pPr>
+            <a:r>
+              <a:rPr lang="en-US" sz="1200" dirty="0" smtClean="0">
+                <a:latin typeface="Arial" panose="020B0604020202020204" pitchFamily="34" charset="0"/>
+                <a:cs typeface="Arial" panose="020B0604020202020204" pitchFamily="34" charset="0"/>
+              </a:rPr>
+              <a:t>After successful BLE setup, the Web-side agent forwards incoming BLE data to the originating Web-page as well as sending data going out from the Web-page back to the device.</a:t>
+            </a:r>
+          </a:p>
+          <a:p>
+            <a:pPr>
+              <a:spcAft>
+                <a:spcPts val="600"/>
+              </a:spcAft>
+            </a:pPr>
+            <a:r>
+              <a:rPr lang="en-US" sz="1200" dirty="0" smtClean="0">
+                <a:latin typeface="Arial" panose="020B0604020202020204" pitchFamily="34" charset="0"/>
+                <a:cs typeface="Arial" panose="020B0604020202020204" pitchFamily="34" charset="0"/>
+              </a:rPr>
+              <a:t>In a calling Web-page the </a:t>
+            </a:r>
+            <a:r>
+              <a:rPr lang="en-US" sz="1200" dirty="0">
+                <a:latin typeface="Arial" panose="020B0604020202020204" pitchFamily="34" charset="0"/>
+                <a:cs typeface="Arial" panose="020B0604020202020204" pitchFamily="34" charset="0"/>
+              </a:rPr>
+              <a:t>channel is expressed through </a:t>
+            </a:r>
+            <a:r>
+              <a:rPr lang="en-US" sz="1200" b="1" dirty="0" err="1">
+                <a:latin typeface="Courier New" panose="02070309020205020404" pitchFamily="49" charset="0"/>
+                <a:cs typeface="Courier New" panose="02070309020205020404" pitchFamily="49" charset="0"/>
+              </a:rPr>
+              <a:t>addEventListener</a:t>
+            </a:r>
+            <a:r>
+              <a:rPr lang="en-US" sz="1200" dirty="0">
+                <a:latin typeface="Arial" panose="020B0604020202020204" pitchFamily="34" charset="0"/>
+                <a:cs typeface="Arial" panose="020B0604020202020204" pitchFamily="34" charset="0"/>
+              </a:rPr>
+              <a:t> and </a:t>
+            </a:r>
+            <a:r>
+              <a:rPr lang="en-US" sz="1200" b="1" dirty="0" err="1">
+                <a:latin typeface="Courier New" panose="02070309020205020404" pitchFamily="49" charset="0"/>
+                <a:cs typeface="Courier New" panose="02070309020205020404" pitchFamily="49" charset="0"/>
+              </a:rPr>
+              <a:t>postMessage</a:t>
+            </a:r>
+            <a:r>
+              <a:rPr lang="en-US" sz="1200" dirty="0">
+                <a:latin typeface="Arial" panose="020B0604020202020204" pitchFamily="34" charset="0"/>
+                <a:cs typeface="Arial" panose="020B0604020202020204" pitchFamily="34" charset="0"/>
+              </a:rPr>
+              <a:t> methods used in many other places in a Web-browser.</a:t>
+            </a:r>
+          </a:p>
+          <a:p>
+            <a:pPr>
+              <a:spcAft>
+                <a:spcPts val="600"/>
+              </a:spcAft>
+            </a:pPr>
+            <a:r>
+              <a:rPr lang="en-US" sz="1200" dirty="0" smtClean="0">
+                <a:latin typeface="Arial" panose="020B0604020202020204" pitchFamily="34" charset="0"/>
+                <a:cs typeface="Arial" panose="020B0604020202020204" pitchFamily="34" charset="0"/>
+              </a:rPr>
+              <a:t>The created channel is opaque (with respect to the Web-side agent), because the interface is deliberately application-neutral.  The exact meaning of the data is thus a convention between the invoked application in the connecting device and the </a:t>
+            </a:r>
+            <a:r>
+              <a:rPr lang="en-US" sz="1200" dirty="0">
+                <a:latin typeface="Arial" panose="020B0604020202020204" pitchFamily="34" charset="0"/>
+                <a:cs typeface="Arial" panose="020B0604020202020204" pitchFamily="34" charset="0"/>
+              </a:rPr>
+              <a:t>requesting Web-page</a:t>
+            </a:r>
+            <a:r>
+              <a:rPr lang="en-US" sz="1200" dirty="0" smtClean="0">
+                <a:latin typeface="Arial" panose="020B0604020202020204" pitchFamily="34" charset="0"/>
+                <a:cs typeface="Arial" panose="020B0604020202020204" pitchFamily="34" charset="0"/>
+              </a:rPr>
+              <a:t>. </a:t>
+            </a:r>
+            <a:endParaRPr lang="en-US" sz="1200" dirty="0">
+              <a:latin typeface="Arial" panose="020B0604020202020204" pitchFamily="34" charset="0"/>
+              <a:cs typeface="Arial" panose="020B0604020202020204" pitchFamily="34" charset="0"/>
+            </a:endParaRPr>
+          </a:p>
+        </p:txBody>
+      </p:sp>
+    </p:spTree>
+    <p:extLst>
+      <p:ext uri="{BB962C8B-B14F-4D97-AF65-F5344CB8AC3E}">
+        <p14:creationId xmlns:p14="http://schemas.microsoft.com/office/powerpoint/2010/main" val="3935145538"/>
+      </p:ext>
+    </p:extLst>
+  </p:cSld>
+  <p:clrMapOvr>
+    <a:masterClrMapping/>
+  </p:clrMapOvr>
+  <p:timing>
+    <p:tnLst>
+      <p:par>
+        <p:cTn id="1" dur="indefinite" restart="never" nodeType="tmRoot"/>
+      </p:par>
+    </p:tnLst>
+  </p:timing>
+</p:sld>
+</file>
+
+<file path=ppt/slides/slide4.xml><?xml version="1.0" encoding="utf-8"?>
+<p:sld xmlns:a="http://schemas.openxmlformats.org/drawingml/2006/main" xmlns:r="http://schemas.openxmlformats.org/officeDocument/2006/relationships" xmlns:p="http://schemas.openxmlformats.org/presentationml/2006/main">
+  <p:cSld>
+    <p:spTree>
+      <p:nvGrpSpPr>
+        <p:cNvPr id="1" name=""/>
+        <p:cNvGrpSpPr/>
+        <p:nvPr/>
+      </p:nvGrpSpPr>
+      <p:grpSpPr>
+        <a:xfrm>
+          <a:off x="0" y="0"/>
+          <a:ext cx="0" cy="0"/>
+          <a:chOff x="0" y="0"/>
+          <a:chExt cx="0" cy="0"/>
+        </a:xfrm>
+      </p:grpSpPr>
+      <p:sp>
+        <p:nvSpPr>
+          <p:cNvPr id="39" name="TextBox 38"/>
+          <p:cNvSpPr txBox="1"/>
+          <p:nvPr/>
+        </p:nvSpPr>
+        <p:spPr>
+          <a:xfrm>
+            <a:off x="2039982" y="292586"/>
+            <a:ext cx="4867103" cy="461665"/>
+          </a:xfrm>
+          <a:prstGeom prst="rect">
+            <a:avLst/>
+          </a:prstGeom>
+          <a:noFill/>
+        </p:spPr>
+        <p:txBody>
+          <a:bodyPr wrap="none" rtlCol="0">
+            <a:spAutoFit/>
+          </a:bodyPr>
+          <a:lstStyle/>
+          <a:p>
+            <a:pPr algn="ctr"/>
+            <a:r>
+              <a:rPr lang="en-US" sz="2400" dirty="0" err="1" smtClean="0">
+                <a:latin typeface="Times New Roman" panose="02020603050405020304" pitchFamily="18" charset="0"/>
+                <a:cs typeface="Times New Roman" panose="02020603050405020304" pitchFamily="18" charset="0"/>
+              </a:rPr>
+              <a:t>WebNFC</a:t>
+            </a:r>
+            <a:r>
+              <a:rPr lang="en-US" sz="2400" dirty="0" smtClean="0">
+                <a:latin typeface="Times New Roman" panose="02020603050405020304" pitchFamily="18" charset="0"/>
+                <a:cs typeface="Times New Roman" panose="02020603050405020304" pitchFamily="18" charset="0"/>
+              </a:rPr>
+              <a:t> Bridge – Device Side Agent</a:t>
+            </a:r>
+            <a:endParaRPr lang="en-US" sz="2400" dirty="0">
+              <a:latin typeface="Arial" panose="020B0604020202020204" pitchFamily="34" charset="0"/>
+              <a:cs typeface="Arial" panose="020B0604020202020204" pitchFamily="34" charset="0"/>
+            </a:endParaRPr>
+          </a:p>
+        </p:txBody>
+      </p:sp>
+      <p:sp>
+        <p:nvSpPr>
+          <p:cNvPr id="2" name="TextBox 1"/>
+          <p:cNvSpPr txBox="1"/>
+          <p:nvPr/>
+        </p:nvSpPr>
+        <p:spPr>
+          <a:xfrm>
+            <a:off x="539552" y="1340768"/>
+            <a:ext cx="7992888" cy="2662267"/>
+          </a:xfrm>
+          <a:prstGeom prst="rect">
+            <a:avLst/>
+          </a:prstGeom>
+          <a:noFill/>
+        </p:spPr>
+        <p:txBody>
+          <a:bodyPr wrap="square" rtlCol="0">
+            <a:spAutoFit/>
+          </a:bodyPr>
+          <a:lstStyle/>
+          <a:p>
+            <a:pPr>
+              <a:spcAft>
+                <a:spcPts val="600"/>
+              </a:spcAft>
+            </a:pPr>
+            <a:r>
+              <a:rPr lang="en-US" sz="1200" dirty="0" smtClean="0">
+                <a:latin typeface="Arial" panose="020B0604020202020204" pitchFamily="34" charset="0"/>
+                <a:cs typeface="Arial" panose="020B0604020202020204" pitchFamily="34" charset="0"/>
+              </a:rPr>
+              <a:t>The Device-side agent listens to incoming NFC NDEF records.  This agent is a security-critical system since it eventually invokes a native (local) application without necessary asking the user first.  This works because applications are supposed to be vetted for invocation from an untrusted Web.</a:t>
+            </a:r>
+          </a:p>
+          <a:p>
+            <a:pPr>
+              <a:spcAft>
+                <a:spcPts val="600"/>
+              </a:spcAft>
+            </a:pPr>
+            <a:r>
+              <a:rPr lang="en-US" sz="1200" dirty="0" smtClean="0">
+                <a:latin typeface="Arial" panose="020B0604020202020204" pitchFamily="34" charset="0"/>
+                <a:cs typeface="Arial" panose="020B0604020202020204" pitchFamily="34" charset="0"/>
+              </a:rPr>
+              <a:t>Before the application named in the NDEF record is invoked, the Device-side agent setups the channel using BLE. </a:t>
+            </a:r>
+          </a:p>
+          <a:p>
+            <a:pPr>
+              <a:spcAft>
+                <a:spcPts val="600"/>
+              </a:spcAft>
+            </a:pPr>
+            <a:r>
+              <a:rPr lang="en-US" sz="1200" dirty="0" smtClean="0">
+                <a:latin typeface="Arial" panose="020B0604020202020204" pitchFamily="34" charset="0"/>
+                <a:cs typeface="Arial" panose="020B0604020202020204" pitchFamily="34" charset="0"/>
+              </a:rPr>
+              <a:t>The invocation of the target application minimally includes the following data:</a:t>
+            </a:r>
+          </a:p>
+          <a:p>
+            <a:pPr marL="171450" indent="-171450">
+              <a:spcAft>
+                <a:spcPts val="600"/>
+              </a:spcAft>
+              <a:buFont typeface="Arial" panose="020B0604020202020204" pitchFamily="34" charset="0"/>
+              <a:buChar char="•"/>
+            </a:pPr>
+            <a:r>
+              <a:rPr lang="en-US" sz="1200" dirty="0" smtClean="0">
+                <a:latin typeface="Arial" panose="020B0604020202020204" pitchFamily="34" charset="0"/>
+                <a:cs typeface="Arial" panose="020B0604020202020204" pitchFamily="34" charset="0"/>
+              </a:rPr>
+              <a:t>NFC device information used for logging purposes</a:t>
+            </a:r>
+          </a:p>
+          <a:p>
+            <a:pPr marL="171450" indent="-171450">
+              <a:spcAft>
+                <a:spcPts val="600"/>
+              </a:spcAft>
+              <a:buFont typeface="Arial" panose="020B0604020202020204" pitchFamily="34" charset="0"/>
+              <a:buChar char="•"/>
+            </a:pPr>
+            <a:r>
+              <a:rPr lang="en-US" sz="1200" dirty="0" smtClean="0">
+                <a:latin typeface="Arial" panose="020B0604020202020204" pitchFamily="34" charset="0"/>
+                <a:cs typeface="Arial" panose="020B0604020202020204" pitchFamily="34" charset="0"/>
+              </a:rPr>
+              <a:t>Handle to the communication channel interface which in most operating system would be based on </a:t>
+            </a:r>
+            <a:r>
+              <a:rPr lang="en-US" sz="1200" b="1" dirty="0" err="1">
+                <a:latin typeface="Courier New" panose="02070309020205020404" pitchFamily="49" charset="0"/>
+                <a:cs typeface="Courier New" panose="02070309020205020404" pitchFamily="49" charset="0"/>
+              </a:rPr>
+              <a:t>stdin</a:t>
+            </a:r>
+            <a:r>
+              <a:rPr lang="en-US" sz="1200" dirty="0" smtClean="0">
+                <a:latin typeface="Arial" panose="020B0604020202020204" pitchFamily="34" charset="0"/>
+                <a:cs typeface="Arial" panose="020B0604020202020204" pitchFamily="34" charset="0"/>
+              </a:rPr>
+              <a:t> and </a:t>
+            </a:r>
+            <a:r>
+              <a:rPr lang="en-US" sz="1200" b="1" dirty="0" err="1">
+                <a:latin typeface="Courier New" panose="02070309020205020404" pitchFamily="49" charset="0"/>
+                <a:cs typeface="Courier New" panose="02070309020205020404" pitchFamily="49" charset="0"/>
+              </a:rPr>
+              <a:t>stdout</a:t>
+            </a:r>
+            <a:endParaRPr lang="en-US" sz="1200" b="1" dirty="0">
+              <a:latin typeface="Courier New" panose="02070309020205020404" pitchFamily="49" charset="0"/>
+              <a:cs typeface="Courier New" panose="02070309020205020404" pitchFamily="49" charset="0"/>
+            </a:endParaRPr>
+          </a:p>
+          <a:p>
+            <a:pPr marL="171450" indent="-171450">
+              <a:spcAft>
+                <a:spcPts val="600"/>
+              </a:spcAft>
+              <a:buFont typeface="Arial" panose="020B0604020202020204" pitchFamily="34" charset="0"/>
+              <a:buChar char="•"/>
+            </a:pPr>
+            <a:r>
+              <a:rPr lang="en-US" sz="1200" dirty="0" smtClean="0">
+                <a:latin typeface="Arial" panose="020B0604020202020204" pitchFamily="34" charset="0"/>
+                <a:cs typeface="Arial" panose="020B0604020202020204" pitchFamily="34" charset="0"/>
+              </a:rPr>
+              <a:t>Domain data of the requesting Web-page (URL + Server certificate path)</a:t>
+            </a:r>
+            <a:endParaRPr lang="en-US" sz="1200" dirty="0">
+              <a:latin typeface="Arial" panose="020B0604020202020204" pitchFamily="34" charset="0"/>
+              <a:cs typeface="Arial" panose="020B0604020202020204" pitchFamily="34" charset="0"/>
+            </a:endParaRPr>
+          </a:p>
+          <a:p>
+            <a:pPr>
+              <a:spcBef>
+                <a:spcPts val="600"/>
+              </a:spcBef>
+              <a:spcAft>
+                <a:spcPts val="600"/>
+              </a:spcAft>
+            </a:pPr>
+            <a:r>
+              <a:rPr lang="en-US" sz="1200" dirty="0">
+                <a:latin typeface="Arial" panose="020B0604020202020204" pitchFamily="34" charset="0"/>
+                <a:cs typeface="Arial" panose="020B0604020202020204" pitchFamily="34" charset="0"/>
+              </a:rPr>
+              <a:t>E</a:t>
+            </a:r>
+            <a:r>
+              <a:rPr lang="en-US" sz="1200" dirty="0" smtClean="0">
+                <a:latin typeface="Arial" panose="020B0604020202020204" pitchFamily="34" charset="0"/>
+                <a:cs typeface="Arial" panose="020B0604020202020204" pitchFamily="34" charset="0"/>
+              </a:rPr>
+              <a:t>ven after invocation the Device-side agent plays a vital role since it converts the data to and from the target application channel into BLE messaging as well as dealing with </a:t>
+            </a:r>
+            <a:r>
+              <a:rPr lang="en-US" sz="1200" smtClean="0">
+                <a:latin typeface="Arial" panose="020B0604020202020204" pitchFamily="34" charset="0"/>
+                <a:cs typeface="Arial" panose="020B0604020202020204" pitchFamily="34" charset="0"/>
+              </a:rPr>
+              <a:t>errors and shutdowns</a:t>
+            </a:r>
+            <a:r>
+              <a:rPr lang="en-US" sz="1200" dirty="0" smtClean="0">
+                <a:latin typeface="Arial" panose="020B0604020202020204" pitchFamily="34" charset="0"/>
+                <a:cs typeface="Arial" panose="020B0604020202020204" pitchFamily="34" charset="0"/>
+              </a:rPr>
+              <a:t>.</a:t>
+            </a:r>
+            <a:endParaRPr lang="en-US" sz="1200" dirty="0">
+              <a:latin typeface="Arial" panose="020B0604020202020204" pitchFamily="34" charset="0"/>
+              <a:cs typeface="Arial" panose="020B0604020202020204" pitchFamily="34" charset="0"/>
+            </a:endParaRPr>
+          </a:p>
+        </p:txBody>
+      </p:sp>
+    </p:spTree>
+    <p:extLst>
+      <p:ext uri="{BB962C8B-B14F-4D97-AF65-F5344CB8AC3E}">
+        <p14:creationId xmlns:p14="http://schemas.microsoft.com/office/powerpoint/2010/main" val="4178824350"/>
+      </p:ext>
+    </p:extLst>
+  </p:cSld>
+  <p:clrMapOvr>
+    <a:masterClrMapping/>
+  </p:clrMapOvr>
+  <p:timing>
+    <p:tnLst>
+      <p:par>
+        <p:cTn id="1" dur="indefinite" restart="never" nodeType="tmRoot"/>
+      </p:par>
+    </p:tnLst>
+  </p:timing>
+</p:sld>
+</file>
+
+<file path=ppt/slides/slide5.xml><?xml version="1.0" encoding="utf-8"?>
+<p:sld xmlns:a="http://schemas.openxmlformats.org/drawingml/2006/main" xmlns:r="http://schemas.openxmlformats.org/officeDocument/2006/relationships" xmlns:p="http://schemas.openxmlformats.org/presentationml/2006/main">
+  <p:cSld>
+    <p:spTree>
+      <p:nvGrpSpPr>
+        <p:cNvPr id="1" name=""/>
+        <p:cNvGrpSpPr/>
+        <p:nvPr/>
+      </p:nvGrpSpPr>
+      <p:grpSpPr>
+        <a:xfrm>
+          <a:off x="0" y="0"/>
+          <a:ext cx="0" cy="0"/>
+          <a:chOff x="0" y="0"/>
+          <a:chExt cx="0" cy="0"/>
+        </a:xfrm>
+      </p:grpSpPr>
+      <p:sp>
+        <p:nvSpPr>
           <p:cNvPr id="11" name="TextBox 10"/>
           <p:cNvSpPr txBox="1"/>
           <p:nvPr/>
@@ -7437,13 +8394,15 @@
       <p:cxnSp>
         <p:nvCxnSpPr>
           <p:cNvPr id="16" name="Straight Arrow Connector 15"/>
-          <p:cNvCxnSpPr/>
+          <p:cNvCxnSpPr>
+            <a:stCxn id="17" idx="2"/>
+          </p:cNvCxnSpPr>
           <p:nvPr/>
         </p:nvCxnSpPr>
         <p:spPr>
           <a:xfrm>
-            <a:off x="1691680" y="1772816"/>
-            <a:ext cx="36004" cy="4464496"/>
+            <a:off x="1691680" y="1835181"/>
+            <a:ext cx="36004" cy="4402131"/>
           </a:xfrm>
           <a:prstGeom prst="straightConnector1">
             <a:avLst/>
@@ -7475,8 +8434,8 @@
         </p:nvSpPr>
         <p:spPr>
           <a:xfrm>
-            <a:off x="1115616" y="1412776"/>
-            <a:ext cx="1152128" cy="330072"/>
+            <a:off x="1115616" y="1320443"/>
+            <a:ext cx="1152128" cy="514738"/>
           </a:xfrm>
           <a:prstGeom prst="rect">
             <a:avLst/>
@@ -7499,7 +8458,7 @@
                 <a:latin typeface="Arial" panose="020B0604020202020204" pitchFamily="34" charset="0"/>
                 <a:cs typeface="Arial" panose="020B0604020202020204" pitchFamily="34" charset="0"/>
               </a:rPr>
-              <a:t>Agent</a:t>
+              <a:t>Web Side Agent</a:t>
             </a:r>
             <a:endParaRPr lang="en-US" sz="1200" dirty="0">
               <a:latin typeface="Arial" panose="020B0604020202020204" pitchFamily="34" charset="0"/>
@@ -7812,8 +8771,8 @@
         </p:nvCxnSpPr>
         <p:spPr>
           <a:xfrm>
-            <a:off x="6660232" y="1772816"/>
-            <a:ext cx="36004" cy="4464496"/>
+            <a:off x="6660232" y="1835181"/>
+            <a:ext cx="36004" cy="4402131"/>
           </a:xfrm>
           <a:prstGeom prst="straightConnector1">
             <a:avLst/>
@@ -7845,8 +8804,8 @@
         </p:nvSpPr>
         <p:spPr>
           <a:xfrm>
-            <a:off x="6084168" y="1412776"/>
-            <a:ext cx="1152128" cy="330072"/>
+            <a:off x="6084168" y="1320443"/>
+            <a:ext cx="1152128" cy="514738"/>
           </a:xfrm>
           <a:prstGeom prst="rect">
             <a:avLst/>
@@ -7864,6 +8823,19 @@
           <a:lstStyle/>
           <a:p>
             <a:pPr algn="ctr"/>
+            <a:r>
+              <a:rPr lang="en-US" sz="1200" dirty="0" smtClean="0">
+                <a:latin typeface="Arial" panose="020B0604020202020204" pitchFamily="34" charset="0"/>
+                <a:cs typeface="Arial" panose="020B0604020202020204" pitchFamily="34" charset="0"/>
+              </a:rPr>
+              <a:t>Device Side</a:t>
+            </a:r>
+            <a:br>
+              <a:rPr lang="en-US" sz="1200" dirty="0" smtClean="0">
+                <a:latin typeface="Arial" panose="020B0604020202020204" pitchFamily="34" charset="0"/>
+                <a:cs typeface="Arial" panose="020B0604020202020204" pitchFamily="34" charset="0"/>
+              </a:rPr>
+            </a:br>
             <a:r>
               <a:rPr lang="en-US" sz="1200" dirty="0" smtClean="0">
                 <a:latin typeface="Arial" panose="020B0604020202020204" pitchFamily="34" charset="0"/>
@@ -8696,10 +9668,210 @@
           </a:p>
         </p:txBody>
       </p:sp>
+      <p:sp>
+        <p:nvSpPr>
+          <p:cNvPr id="3" name="Oval 2"/>
+          <p:cNvSpPr/>
+          <p:nvPr/>
+        </p:nvSpPr>
+        <p:spPr>
+          <a:xfrm>
+            <a:off x="1698695" y="5565189"/>
+            <a:ext cx="45719" cy="45719"/>
+          </a:xfrm>
+          <a:prstGeom prst="ellipse">
+            <a:avLst/>
+          </a:prstGeom>
+          <a:noFill/>
+          <a:ln w="6350">
+            <a:solidFill>
+              <a:schemeClr val="tx1"/>
+            </a:solidFill>
+          </a:ln>
+          <a:effectLst/>
+        </p:spPr>
+        <p:style>
+          <a:lnRef idx="2">
+            <a:schemeClr val="accent1">
+              <a:shade val="50000"/>
+            </a:schemeClr>
+          </a:lnRef>
+          <a:fillRef idx="1">
+            <a:schemeClr val="accent1"/>
+          </a:fillRef>
+          <a:effectRef idx="0">
+            <a:schemeClr val="accent1"/>
+          </a:effectRef>
+          <a:fontRef idx="minor">
+            <a:schemeClr val="lt1"/>
+          </a:fontRef>
+        </p:style>
+        <p:txBody>
+          <a:bodyPr rtlCol="0" anchor="ctr"/>
+          <a:lstStyle/>
+          <a:p>
+            <a:pPr algn="ctr"/>
+            <a:endParaRPr lang="en-US" dirty="0" smtClean="0">
+              <a:latin typeface="Arial" panose="020B0604020202020204" pitchFamily="34" charset="0"/>
+              <a:cs typeface="Arial" panose="020B0604020202020204" pitchFamily="34" charset="0"/>
+            </a:endParaRPr>
+          </a:p>
+        </p:txBody>
+      </p:sp>
+      <p:sp>
+        <p:nvSpPr>
+          <p:cNvPr id="41" name="Oval 40"/>
+          <p:cNvSpPr/>
+          <p:nvPr/>
+        </p:nvSpPr>
+        <p:spPr>
+          <a:xfrm>
+            <a:off x="3571121" y="5566150"/>
+            <a:ext cx="45719" cy="45719"/>
+          </a:xfrm>
+          <a:prstGeom prst="ellipse">
+            <a:avLst/>
+          </a:prstGeom>
+          <a:noFill/>
+          <a:ln w="6350">
+            <a:solidFill>
+              <a:schemeClr val="tx1"/>
+            </a:solidFill>
+          </a:ln>
+          <a:effectLst/>
+        </p:spPr>
+        <p:style>
+          <a:lnRef idx="2">
+            <a:schemeClr val="accent1">
+              <a:shade val="50000"/>
+            </a:schemeClr>
+          </a:lnRef>
+          <a:fillRef idx="1">
+            <a:schemeClr val="accent1"/>
+          </a:fillRef>
+          <a:effectRef idx="0">
+            <a:schemeClr val="accent1"/>
+          </a:effectRef>
+          <a:fontRef idx="minor">
+            <a:schemeClr val="lt1"/>
+          </a:fontRef>
+        </p:style>
+        <p:txBody>
+          <a:bodyPr rtlCol="0" anchor="ctr"/>
+          <a:lstStyle/>
+          <a:p>
+            <a:pPr algn="ctr"/>
+            <a:endParaRPr lang="en-US" dirty="0" smtClean="0">
+              <a:latin typeface="Arial" panose="020B0604020202020204" pitchFamily="34" charset="0"/>
+              <a:cs typeface="Arial" panose="020B0604020202020204" pitchFamily="34" charset="0"/>
+            </a:endParaRPr>
+          </a:p>
+        </p:txBody>
+      </p:sp>
+      <p:sp>
+        <p:nvSpPr>
+          <p:cNvPr id="45" name="Oval 44"/>
+          <p:cNvSpPr/>
+          <p:nvPr/>
+        </p:nvSpPr>
+        <p:spPr>
+          <a:xfrm>
+            <a:off x="4794332" y="5567111"/>
+            <a:ext cx="45719" cy="45719"/>
+          </a:xfrm>
+          <a:prstGeom prst="ellipse">
+            <a:avLst/>
+          </a:prstGeom>
+          <a:noFill/>
+          <a:ln w="6350">
+            <a:solidFill>
+              <a:schemeClr val="tx1"/>
+            </a:solidFill>
+          </a:ln>
+          <a:effectLst/>
+        </p:spPr>
+        <p:style>
+          <a:lnRef idx="2">
+            <a:schemeClr val="accent1">
+              <a:shade val="50000"/>
+            </a:schemeClr>
+          </a:lnRef>
+          <a:fillRef idx="1">
+            <a:schemeClr val="accent1"/>
+          </a:fillRef>
+          <a:effectRef idx="0">
+            <a:schemeClr val="accent1"/>
+          </a:effectRef>
+          <a:fontRef idx="minor">
+            <a:schemeClr val="lt1"/>
+          </a:fontRef>
+        </p:style>
+        <p:txBody>
+          <a:bodyPr rtlCol="0" anchor="ctr"/>
+          <a:lstStyle/>
+          <a:p>
+            <a:pPr algn="ctr"/>
+            <a:endParaRPr lang="en-US" dirty="0" smtClean="0">
+              <a:latin typeface="Arial" panose="020B0604020202020204" pitchFamily="34" charset="0"/>
+              <a:cs typeface="Arial" panose="020B0604020202020204" pitchFamily="34" charset="0"/>
+            </a:endParaRPr>
+          </a:p>
+        </p:txBody>
+      </p:sp>
+      <p:sp>
+        <p:nvSpPr>
+          <p:cNvPr id="46" name="Oval 45"/>
+          <p:cNvSpPr/>
+          <p:nvPr/>
+        </p:nvSpPr>
+        <p:spPr>
+          <a:xfrm>
+            <a:off x="6669760" y="5565690"/>
+            <a:ext cx="45719" cy="45719"/>
+          </a:xfrm>
+          <a:prstGeom prst="ellipse">
+            <a:avLst/>
+          </a:prstGeom>
+          <a:noFill/>
+          <a:ln w="6350">
+            <a:solidFill>
+              <a:schemeClr val="tx1"/>
+            </a:solidFill>
+          </a:ln>
+          <a:effectLst/>
+        </p:spPr>
+        <p:style>
+          <a:lnRef idx="2">
+            <a:schemeClr val="accent1">
+              <a:shade val="50000"/>
+            </a:schemeClr>
+          </a:lnRef>
+          <a:fillRef idx="1">
+            <a:schemeClr val="accent1"/>
+          </a:fillRef>
+          <a:effectRef idx="0">
+            <a:schemeClr val="accent1"/>
+          </a:effectRef>
+          <a:fontRef idx="minor">
+            <a:schemeClr val="lt1"/>
+          </a:fontRef>
+        </p:style>
+        <p:txBody>
+          <a:bodyPr rtlCol="0" anchor="ctr"/>
+          <a:lstStyle/>
+          <a:p>
+            <a:pPr algn="ctr"/>
+            <a:endParaRPr lang="en-US" dirty="0" smtClean="0">
+              <a:latin typeface="Arial" panose="020B0604020202020204" pitchFamily="34" charset="0"/>
+              <a:cs typeface="Arial" panose="020B0604020202020204" pitchFamily="34" charset="0"/>
+            </a:endParaRPr>
+          </a:p>
+        </p:txBody>
+      </p:sp>
     </p:spTree>
     <p:extLst>
       <p:ext uri="{BB962C8B-B14F-4D97-AF65-F5344CB8AC3E}">
-        <p14:creationId xmlns:p14="http://schemas.microsoft.com/office/powerpoint/2010/main" val="3515459657"/>
+        <p14:creationId xmlns:p14="http://schemas.microsoft.com/office/powerpoint/2010/main" val="3100750157"/>
       </p:ext>
     </p:extLst>
   </p:cSld>
@@ -8716,7 +9888,7 @@
 </p:sld>
 </file>
 
-<file path=ppt/slides/slide4.xml><?xml version="1.0" encoding="utf-8"?>
+<file path=ppt/slides/slide6.xml><?xml version="1.0" encoding="utf-8"?>
 <p:sld xmlns:a="http://schemas.openxmlformats.org/drawingml/2006/main" xmlns:r="http://schemas.openxmlformats.org/officeDocument/2006/relationships" xmlns:p="http://schemas.openxmlformats.org/presentationml/2006/main">
   <p:cSld>
     <p:spTree>
